--- a/docs/Figures/MechanicalVentilatorWorking.pptx
+++ b/docs/Figures/MechanicalVentilatorWorking.pptx
@@ -304,7 +304,7 @@
             <a:fld id="{1D8BD707-D9CF-40AE-B4C6-C98DA3205C09}" type="datetimeFigureOut">
               <a:rPr lang="en-US" smtClean="0"/>
               <a:pPr/>
-              <a:t>6/4/2020</a:t>
+              <a:t>6/24/2020</a:t>
             </a:fld>
             <a:endParaRPr lang="en-US"/>
           </a:p>
@@ -469,7 +469,7 @@
             <a:fld id="{1D8BD707-D9CF-40AE-B4C6-C98DA3205C09}" type="datetimeFigureOut">
               <a:rPr lang="en-US" smtClean="0"/>
               <a:pPr/>
-              <a:t>6/4/2020</a:t>
+              <a:t>6/24/2020</a:t>
             </a:fld>
             <a:endParaRPr lang="en-US"/>
           </a:p>
@@ -644,7 +644,7 @@
             <a:fld id="{1D8BD707-D9CF-40AE-B4C6-C98DA3205C09}" type="datetimeFigureOut">
               <a:rPr lang="en-US" smtClean="0"/>
               <a:pPr/>
-              <a:t>6/4/2020</a:t>
+              <a:t>6/24/2020</a:t>
             </a:fld>
             <a:endParaRPr lang="en-US"/>
           </a:p>
@@ -809,7 +809,7 @@
             <a:fld id="{1D8BD707-D9CF-40AE-B4C6-C98DA3205C09}" type="datetimeFigureOut">
               <a:rPr lang="en-US" smtClean="0"/>
               <a:pPr/>
-              <a:t>6/4/2020</a:t>
+              <a:t>6/24/2020</a:t>
             </a:fld>
             <a:endParaRPr lang="en-US"/>
           </a:p>
@@ -1051,7 +1051,7 @@
             <a:fld id="{1D8BD707-D9CF-40AE-B4C6-C98DA3205C09}" type="datetimeFigureOut">
               <a:rPr lang="en-US" smtClean="0"/>
               <a:pPr/>
-              <a:t>6/4/2020</a:t>
+              <a:t>6/24/2020</a:t>
             </a:fld>
             <a:endParaRPr lang="en-US"/>
           </a:p>
@@ -1333,7 +1333,7 @@
             <a:fld id="{1D8BD707-D9CF-40AE-B4C6-C98DA3205C09}" type="datetimeFigureOut">
               <a:rPr lang="en-US" smtClean="0"/>
               <a:pPr/>
-              <a:t>6/4/2020</a:t>
+              <a:t>6/24/2020</a:t>
             </a:fld>
             <a:endParaRPr lang="en-US"/>
           </a:p>
@@ -1749,7 +1749,7 @@
             <a:fld id="{1D8BD707-D9CF-40AE-B4C6-C98DA3205C09}" type="datetimeFigureOut">
               <a:rPr lang="en-US" smtClean="0"/>
               <a:pPr/>
-              <a:t>6/4/2020</a:t>
+              <a:t>6/24/2020</a:t>
             </a:fld>
             <a:endParaRPr lang="en-US"/>
           </a:p>
@@ -1863,7 +1863,7 @@
             <a:fld id="{1D8BD707-D9CF-40AE-B4C6-C98DA3205C09}" type="datetimeFigureOut">
               <a:rPr lang="en-US" smtClean="0"/>
               <a:pPr/>
-              <a:t>6/4/2020</a:t>
+              <a:t>6/24/2020</a:t>
             </a:fld>
             <a:endParaRPr lang="en-US"/>
           </a:p>
@@ -1955,7 +1955,7 @@
             <a:fld id="{1D8BD707-D9CF-40AE-B4C6-C98DA3205C09}" type="datetimeFigureOut">
               <a:rPr lang="en-US" smtClean="0"/>
               <a:pPr/>
-              <a:t>6/4/2020</a:t>
+              <a:t>6/24/2020</a:t>
             </a:fld>
             <a:endParaRPr lang="en-US"/>
           </a:p>
@@ -2227,7 +2227,7 @@
             <a:fld id="{1D8BD707-D9CF-40AE-B4C6-C98DA3205C09}" type="datetimeFigureOut">
               <a:rPr lang="en-US" smtClean="0"/>
               <a:pPr/>
-              <a:t>6/4/2020</a:t>
+              <a:t>6/24/2020</a:t>
             </a:fld>
             <a:endParaRPr lang="en-US"/>
           </a:p>
@@ -2476,7 +2476,7 @@
             <a:fld id="{1D8BD707-D9CF-40AE-B4C6-C98DA3205C09}" type="datetimeFigureOut">
               <a:rPr lang="en-US" smtClean="0"/>
               <a:pPr/>
-              <a:t>6/4/2020</a:t>
+              <a:t>6/24/2020</a:t>
             </a:fld>
             <a:endParaRPr lang="en-US"/>
           </a:p>
@@ -2684,7 +2684,7 @@
             <a:fld id="{1D8BD707-D9CF-40AE-B4C6-C98DA3205C09}" type="datetimeFigureOut">
               <a:rPr lang="en-US" smtClean="0"/>
               <a:pPr/>
-              <a:t>6/4/2020</a:t>
+              <a:t>6/24/2020</a:t>
             </a:fld>
             <a:endParaRPr lang="en-US"/>
           </a:p>
@@ -3057,10 +3057,10 @@
       </p:grpSpPr>
       <p:pic>
         <p:nvPicPr>
-          <p:cNvPr id="3" name="Picture 2">
+          <p:cNvPr id="2" name="Picture 1">
             <a:extLst>
               <a:ext uri="{FF2B5EF4-FFF2-40B4-BE49-F238E27FC236}">
-                <a16:creationId xmlns:a16="http://schemas.microsoft.com/office/drawing/2014/main" id="{F8D70760-CEA3-42DE-90BA-C2D061B7E149}"/>
+                <a16:creationId xmlns:a16="http://schemas.microsoft.com/office/drawing/2014/main" id="{089EA18A-CC8B-4FE7-8153-5F1054476D3E}"/>
               </a:ext>
             </a:extLst>
           </p:cNvPr>
@@ -3077,8 +3077,8 @@
         </p:blipFill>
         <p:spPr>
           <a:xfrm>
-            <a:off x="1038370" y="0"/>
-            <a:ext cx="7067259" cy="6858000"/>
+            <a:off x="1132995" y="151942"/>
+            <a:ext cx="6878010" cy="6554115"/>
           </a:xfrm>
           <a:prstGeom prst="rect">
             <a:avLst/>
@@ -3143,7 +3143,7 @@
           <a:graphicData uri="http://schemas.openxmlformats.org/presentationml/2006/ole">
             <mc:AlternateContent xmlns:mc="http://schemas.openxmlformats.org/markup-compatibility/2006">
               <mc:Choice xmlns:v="urn:schemas-microsoft-com:vml" Requires="v">
-                <p:oleObj spid="_x0000_s1028" name="Equation" r:id="rId3" imgW="1295280" imgH="927000" progId="Equation.DSMT4">
+                <p:oleObj spid="_x0000_s1029" name="Equation" r:id="rId3" imgW="1295280" imgH="927000" progId="Equation.DSMT4">
                   <p:embed/>
                 </p:oleObj>
               </mc:Choice>

--- a/docs/Figures/MechanicalVentilatorWorking.pptx
+++ b/docs/Figures/MechanicalVentilatorWorking.pptx
@@ -304,7 +304,7 @@
             <a:fld id="{1D8BD707-D9CF-40AE-B4C6-C98DA3205C09}" type="datetimeFigureOut">
               <a:rPr lang="en-US" smtClean="0"/>
               <a:pPr/>
-              <a:t>6/24/2020</a:t>
+              <a:t>9/13/2021</a:t>
             </a:fld>
             <a:endParaRPr lang="en-US"/>
           </a:p>
@@ -469,7 +469,7 @@
             <a:fld id="{1D8BD707-D9CF-40AE-B4C6-C98DA3205C09}" type="datetimeFigureOut">
               <a:rPr lang="en-US" smtClean="0"/>
               <a:pPr/>
-              <a:t>6/24/2020</a:t>
+              <a:t>9/13/2021</a:t>
             </a:fld>
             <a:endParaRPr lang="en-US"/>
           </a:p>
@@ -644,7 +644,7 @@
             <a:fld id="{1D8BD707-D9CF-40AE-B4C6-C98DA3205C09}" type="datetimeFigureOut">
               <a:rPr lang="en-US" smtClean="0"/>
               <a:pPr/>
-              <a:t>6/24/2020</a:t>
+              <a:t>9/13/2021</a:t>
             </a:fld>
             <a:endParaRPr lang="en-US"/>
           </a:p>
@@ -809,7 +809,7 @@
             <a:fld id="{1D8BD707-D9CF-40AE-B4C6-C98DA3205C09}" type="datetimeFigureOut">
               <a:rPr lang="en-US" smtClean="0"/>
               <a:pPr/>
-              <a:t>6/24/2020</a:t>
+              <a:t>9/13/2021</a:t>
             </a:fld>
             <a:endParaRPr lang="en-US"/>
           </a:p>
@@ -1051,7 +1051,7 @@
             <a:fld id="{1D8BD707-D9CF-40AE-B4C6-C98DA3205C09}" type="datetimeFigureOut">
               <a:rPr lang="en-US" smtClean="0"/>
               <a:pPr/>
-              <a:t>6/24/2020</a:t>
+              <a:t>9/13/2021</a:t>
             </a:fld>
             <a:endParaRPr lang="en-US"/>
           </a:p>
@@ -1333,7 +1333,7 @@
             <a:fld id="{1D8BD707-D9CF-40AE-B4C6-C98DA3205C09}" type="datetimeFigureOut">
               <a:rPr lang="en-US" smtClean="0"/>
               <a:pPr/>
-              <a:t>6/24/2020</a:t>
+              <a:t>9/13/2021</a:t>
             </a:fld>
             <a:endParaRPr lang="en-US"/>
           </a:p>
@@ -1749,7 +1749,7 @@
             <a:fld id="{1D8BD707-D9CF-40AE-B4C6-C98DA3205C09}" type="datetimeFigureOut">
               <a:rPr lang="en-US" smtClean="0"/>
               <a:pPr/>
-              <a:t>6/24/2020</a:t>
+              <a:t>9/13/2021</a:t>
             </a:fld>
             <a:endParaRPr lang="en-US"/>
           </a:p>
@@ -1863,7 +1863,7 @@
             <a:fld id="{1D8BD707-D9CF-40AE-B4C6-C98DA3205C09}" type="datetimeFigureOut">
               <a:rPr lang="en-US" smtClean="0"/>
               <a:pPr/>
-              <a:t>6/24/2020</a:t>
+              <a:t>9/13/2021</a:t>
             </a:fld>
             <a:endParaRPr lang="en-US"/>
           </a:p>
@@ -1955,7 +1955,7 @@
             <a:fld id="{1D8BD707-D9CF-40AE-B4C6-C98DA3205C09}" type="datetimeFigureOut">
               <a:rPr lang="en-US" smtClean="0"/>
               <a:pPr/>
-              <a:t>6/24/2020</a:t>
+              <a:t>9/13/2021</a:t>
             </a:fld>
             <a:endParaRPr lang="en-US"/>
           </a:p>
@@ -2227,7 +2227,7 @@
             <a:fld id="{1D8BD707-D9CF-40AE-B4C6-C98DA3205C09}" type="datetimeFigureOut">
               <a:rPr lang="en-US" smtClean="0"/>
               <a:pPr/>
-              <a:t>6/24/2020</a:t>
+              <a:t>9/13/2021</a:t>
             </a:fld>
             <a:endParaRPr lang="en-US"/>
           </a:p>
@@ -2476,7 +2476,7 @@
             <a:fld id="{1D8BD707-D9CF-40AE-B4C6-C98DA3205C09}" type="datetimeFigureOut">
               <a:rPr lang="en-US" smtClean="0"/>
               <a:pPr/>
-              <a:t>6/24/2020</a:t>
+              <a:t>9/13/2021</a:t>
             </a:fld>
             <a:endParaRPr lang="en-US"/>
           </a:p>
@@ -2684,7 +2684,7 @@
             <a:fld id="{1D8BD707-D9CF-40AE-B4C6-C98DA3205C09}" type="datetimeFigureOut">
               <a:rPr lang="en-US" smtClean="0"/>
               <a:pPr/>
-              <a:t>6/24/2020</a:t>
+              <a:t>9/13/2021</a:t>
             </a:fld>
             <a:endParaRPr lang="en-US"/>
           </a:p>
@@ -3057,10 +3057,10 @@
       </p:grpSpPr>
       <p:pic>
         <p:nvPicPr>
-          <p:cNvPr id="2" name="Picture 1">
+          <p:cNvPr id="3" name="Picture 2">
             <a:extLst>
               <a:ext uri="{FF2B5EF4-FFF2-40B4-BE49-F238E27FC236}">
-                <a16:creationId xmlns:a16="http://schemas.microsoft.com/office/drawing/2014/main" id="{089EA18A-CC8B-4FE7-8153-5F1054476D3E}"/>
+                <a16:creationId xmlns:a16="http://schemas.microsoft.com/office/drawing/2014/main" id="{B79C5A8A-507D-44FA-B7F0-E0E634DC1A29}"/>
               </a:ext>
             </a:extLst>
           </p:cNvPr>
@@ -3077,8 +3077,8 @@
         </p:blipFill>
         <p:spPr>
           <a:xfrm>
-            <a:off x="1132995" y="151942"/>
-            <a:ext cx="6878010" cy="6554115"/>
+            <a:off x="1804601" y="394864"/>
+            <a:ext cx="5534797" cy="6068272"/>
           </a:xfrm>
           <a:prstGeom prst="rect">
             <a:avLst/>
@@ -3143,12 +3143,12 @@
           <a:graphicData uri="http://schemas.openxmlformats.org/presentationml/2006/ole">
             <mc:AlternateContent xmlns:mc="http://schemas.openxmlformats.org/markup-compatibility/2006">
               <mc:Choice xmlns:v="urn:schemas-microsoft-com:vml" Requires="v">
-                <p:oleObj spid="_x0000_s1029" name="Equation" r:id="rId3" imgW="1295280" imgH="927000" progId="Equation.DSMT4">
+                <p:oleObj name="Equation" r:id="rId2" imgW="1295280" imgH="927000" progId="Equation.DSMT4">
                   <p:embed/>
                 </p:oleObj>
               </mc:Choice>
               <mc:Fallback>
-                <p:oleObj name="Equation" r:id="rId3" imgW="1295280" imgH="927000" progId="Equation.DSMT4">
+                <p:oleObj name="Equation" r:id="rId2" imgW="1295280" imgH="927000" progId="Equation.DSMT4">
                   <p:embed/>
                   <p:pic>
                     <p:nvPicPr>
@@ -3157,7 +3157,7 @@
                       <p:nvPr/>
                     </p:nvPicPr>
                     <p:blipFill>
-                      <a:blip r:embed="rId4"/>
+                      <a:blip r:embed="rId3"/>
                       <a:stretch>
                         <a:fillRect/>
                       </a:stretch>

--- a/docs/Figures/MechanicalVentilatorWorking.pptx
+++ b/docs/Figures/MechanicalVentilatorWorking.pptx
@@ -304,7 +304,7 @@
             <a:fld id="{1D8BD707-D9CF-40AE-B4C6-C98DA3205C09}" type="datetimeFigureOut">
               <a:rPr lang="en-US" smtClean="0"/>
               <a:pPr/>
-              <a:t>9/13/2021</a:t>
+              <a:t>2/6/2022</a:t>
             </a:fld>
             <a:endParaRPr lang="en-US"/>
           </a:p>
@@ -469,7 +469,7 @@
             <a:fld id="{1D8BD707-D9CF-40AE-B4C6-C98DA3205C09}" type="datetimeFigureOut">
               <a:rPr lang="en-US" smtClean="0"/>
               <a:pPr/>
-              <a:t>9/13/2021</a:t>
+              <a:t>2/6/2022</a:t>
             </a:fld>
             <a:endParaRPr lang="en-US"/>
           </a:p>
@@ -644,7 +644,7 @@
             <a:fld id="{1D8BD707-D9CF-40AE-B4C6-C98DA3205C09}" type="datetimeFigureOut">
               <a:rPr lang="en-US" smtClean="0"/>
               <a:pPr/>
-              <a:t>9/13/2021</a:t>
+              <a:t>2/6/2022</a:t>
             </a:fld>
             <a:endParaRPr lang="en-US"/>
           </a:p>
@@ -809,7 +809,7 @@
             <a:fld id="{1D8BD707-D9CF-40AE-B4C6-C98DA3205C09}" type="datetimeFigureOut">
               <a:rPr lang="en-US" smtClean="0"/>
               <a:pPr/>
-              <a:t>9/13/2021</a:t>
+              <a:t>2/6/2022</a:t>
             </a:fld>
             <a:endParaRPr lang="en-US"/>
           </a:p>
@@ -1051,7 +1051,7 @@
             <a:fld id="{1D8BD707-D9CF-40AE-B4C6-C98DA3205C09}" type="datetimeFigureOut">
               <a:rPr lang="en-US" smtClean="0"/>
               <a:pPr/>
-              <a:t>9/13/2021</a:t>
+              <a:t>2/6/2022</a:t>
             </a:fld>
             <a:endParaRPr lang="en-US"/>
           </a:p>
@@ -1333,7 +1333,7 @@
             <a:fld id="{1D8BD707-D9CF-40AE-B4C6-C98DA3205C09}" type="datetimeFigureOut">
               <a:rPr lang="en-US" smtClean="0"/>
               <a:pPr/>
-              <a:t>9/13/2021</a:t>
+              <a:t>2/6/2022</a:t>
             </a:fld>
             <a:endParaRPr lang="en-US"/>
           </a:p>
@@ -1749,7 +1749,7 @@
             <a:fld id="{1D8BD707-D9CF-40AE-B4C6-C98DA3205C09}" type="datetimeFigureOut">
               <a:rPr lang="en-US" smtClean="0"/>
               <a:pPr/>
-              <a:t>9/13/2021</a:t>
+              <a:t>2/6/2022</a:t>
             </a:fld>
             <a:endParaRPr lang="en-US"/>
           </a:p>
@@ -1863,7 +1863,7 @@
             <a:fld id="{1D8BD707-D9CF-40AE-B4C6-C98DA3205C09}" type="datetimeFigureOut">
               <a:rPr lang="en-US" smtClean="0"/>
               <a:pPr/>
-              <a:t>9/13/2021</a:t>
+              <a:t>2/6/2022</a:t>
             </a:fld>
             <a:endParaRPr lang="en-US"/>
           </a:p>
@@ -1955,7 +1955,7 @@
             <a:fld id="{1D8BD707-D9CF-40AE-B4C6-C98DA3205C09}" type="datetimeFigureOut">
               <a:rPr lang="en-US" smtClean="0"/>
               <a:pPr/>
-              <a:t>9/13/2021</a:t>
+              <a:t>2/6/2022</a:t>
             </a:fld>
             <a:endParaRPr lang="en-US"/>
           </a:p>
@@ -2227,7 +2227,7 @@
             <a:fld id="{1D8BD707-D9CF-40AE-B4C6-C98DA3205C09}" type="datetimeFigureOut">
               <a:rPr lang="en-US" smtClean="0"/>
               <a:pPr/>
-              <a:t>9/13/2021</a:t>
+              <a:t>2/6/2022</a:t>
             </a:fld>
             <a:endParaRPr lang="en-US"/>
           </a:p>
@@ -2476,7 +2476,7 @@
             <a:fld id="{1D8BD707-D9CF-40AE-B4C6-C98DA3205C09}" type="datetimeFigureOut">
               <a:rPr lang="en-US" smtClean="0"/>
               <a:pPr/>
-              <a:t>9/13/2021</a:t>
+              <a:t>2/6/2022</a:t>
             </a:fld>
             <a:endParaRPr lang="en-US"/>
           </a:p>
@@ -2684,7 +2684,7 @@
             <a:fld id="{1D8BD707-D9CF-40AE-B4C6-C98DA3205C09}" type="datetimeFigureOut">
               <a:rPr lang="en-US" smtClean="0"/>
               <a:pPr/>
-              <a:t>9/13/2021</a:t>
+              <a:t>2/6/2022</a:t>
             </a:fld>
             <a:endParaRPr lang="en-US"/>
           </a:p>
@@ -3057,10 +3057,10 @@
       </p:grpSpPr>
       <p:pic>
         <p:nvPicPr>
-          <p:cNvPr id="3" name="Picture 2">
+          <p:cNvPr id="2" name="Picture 1">
             <a:extLst>
               <a:ext uri="{FF2B5EF4-FFF2-40B4-BE49-F238E27FC236}">
-                <a16:creationId xmlns:a16="http://schemas.microsoft.com/office/drawing/2014/main" id="{B79C5A8A-507D-44FA-B7F0-E0E634DC1A29}"/>
+                <a16:creationId xmlns:a16="http://schemas.microsoft.com/office/drawing/2014/main" id="{7EFBE449-0D92-4177-B46B-73E842C65BF0}"/>
               </a:ext>
             </a:extLst>
           </p:cNvPr>
@@ -3077,8 +3077,8 @@
         </p:blipFill>
         <p:spPr>
           <a:xfrm>
-            <a:off x="1804601" y="394864"/>
-            <a:ext cx="5534797" cy="6068272"/>
+            <a:off x="1201615" y="0"/>
+            <a:ext cx="6740769" cy="6858000"/>
           </a:xfrm>
           <a:prstGeom prst="rect">
             <a:avLst/>
@@ -3143,12 +3143,12 @@
           <a:graphicData uri="http://schemas.openxmlformats.org/presentationml/2006/ole">
             <mc:AlternateContent xmlns:mc="http://schemas.openxmlformats.org/markup-compatibility/2006">
               <mc:Choice xmlns:v="urn:schemas-microsoft-com:vml" Requires="v">
-                <p:oleObj name="Equation" r:id="rId2" imgW="1295280" imgH="927000" progId="Equation.DSMT4">
+                <p:oleObj spid="_x0000_s1026" name="Equation" r:id="rId3" imgW="1295280" imgH="927000" progId="Equation.DSMT4">
                   <p:embed/>
                 </p:oleObj>
               </mc:Choice>
               <mc:Fallback>
-                <p:oleObj name="Equation" r:id="rId2" imgW="1295280" imgH="927000" progId="Equation.DSMT4">
+                <p:oleObj name="Equation" r:id="rId3" imgW="1295280" imgH="927000" progId="Equation.DSMT4">
                   <p:embed/>
                   <p:pic>
                     <p:nvPicPr>
@@ -3157,7 +3157,7 @@
                       <p:nvPr/>
                     </p:nvPicPr>
                     <p:blipFill>
-                      <a:blip r:embed="rId3"/>
+                      <a:blip r:embed="rId4"/>
                       <a:stretch>
                         <a:fillRect/>
                       </a:stretch>

--- a/docs/Figures/MechanicalVentilatorWorking.pptx
+++ b/docs/Figures/MechanicalVentilatorWorking.pptx
@@ -5,8 +5,12 @@
     <p:sldMasterId id="2147483648" r:id="rId1"/>
   </p:sldMasterIdLst>
   <p:sldIdLst>
-    <p:sldId id="280" r:id="rId2"/>
-    <p:sldId id="281" r:id="rId3"/>
+    <p:sldId id="281" r:id="rId2"/>
+    <p:sldId id="288" r:id="rId3"/>
+    <p:sldId id="268" r:id="rId4"/>
+    <p:sldId id="258" r:id="rId5"/>
+    <p:sldId id="289" r:id="rId6"/>
+    <p:sldId id="290" r:id="rId7"/>
   </p:sldIdLst>
   <p:sldSz cx="9144000" cy="6858000" type="screen4x3"/>
   <p:notesSz cx="6858000" cy="9144000"/>
@@ -304,7 +308,7 @@
             <a:fld id="{1D8BD707-D9CF-40AE-B4C6-C98DA3205C09}" type="datetimeFigureOut">
               <a:rPr lang="en-US" smtClean="0"/>
               <a:pPr/>
-              <a:t>2/6/2022</a:t>
+              <a:t>2/12/2023</a:t>
             </a:fld>
             <a:endParaRPr lang="en-US"/>
           </a:p>
@@ -469,7 +473,7 @@
             <a:fld id="{1D8BD707-D9CF-40AE-B4C6-C98DA3205C09}" type="datetimeFigureOut">
               <a:rPr lang="en-US" smtClean="0"/>
               <a:pPr/>
-              <a:t>2/6/2022</a:t>
+              <a:t>2/12/2023</a:t>
             </a:fld>
             <a:endParaRPr lang="en-US"/>
           </a:p>
@@ -644,7 +648,7 @@
             <a:fld id="{1D8BD707-D9CF-40AE-B4C6-C98DA3205C09}" type="datetimeFigureOut">
               <a:rPr lang="en-US" smtClean="0"/>
               <a:pPr/>
-              <a:t>2/6/2022</a:t>
+              <a:t>2/12/2023</a:t>
             </a:fld>
             <a:endParaRPr lang="en-US"/>
           </a:p>
@@ -809,7 +813,7 @@
             <a:fld id="{1D8BD707-D9CF-40AE-B4C6-C98DA3205C09}" type="datetimeFigureOut">
               <a:rPr lang="en-US" smtClean="0"/>
               <a:pPr/>
-              <a:t>2/6/2022</a:t>
+              <a:t>2/12/2023</a:t>
             </a:fld>
             <a:endParaRPr lang="en-US"/>
           </a:p>
@@ -1051,7 +1055,7 @@
             <a:fld id="{1D8BD707-D9CF-40AE-B4C6-C98DA3205C09}" type="datetimeFigureOut">
               <a:rPr lang="en-US" smtClean="0"/>
               <a:pPr/>
-              <a:t>2/6/2022</a:t>
+              <a:t>2/12/2023</a:t>
             </a:fld>
             <a:endParaRPr lang="en-US"/>
           </a:p>
@@ -1333,7 +1337,7 @@
             <a:fld id="{1D8BD707-D9CF-40AE-B4C6-C98DA3205C09}" type="datetimeFigureOut">
               <a:rPr lang="en-US" smtClean="0"/>
               <a:pPr/>
-              <a:t>2/6/2022</a:t>
+              <a:t>2/12/2023</a:t>
             </a:fld>
             <a:endParaRPr lang="en-US"/>
           </a:p>
@@ -1749,7 +1753,7 @@
             <a:fld id="{1D8BD707-D9CF-40AE-B4C6-C98DA3205C09}" type="datetimeFigureOut">
               <a:rPr lang="en-US" smtClean="0"/>
               <a:pPr/>
-              <a:t>2/6/2022</a:t>
+              <a:t>2/12/2023</a:t>
             </a:fld>
             <a:endParaRPr lang="en-US"/>
           </a:p>
@@ -1863,7 +1867,7 @@
             <a:fld id="{1D8BD707-D9CF-40AE-B4C6-C98DA3205C09}" type="datetimeFigureOut">
               <a:rPr lang="en-US" smtClean="0"/>
               <a:pPr/>
-              <a:t>2/6/2022</a:t>
+              <a:t>2/12/2023</a:t>
             </a:fld>
             <a:endParaRPr lang="en-US"/>
           </a:p>
@@ -1955,7 +1959,7 @@
             <a:fld id="{1D8BD707-D9CF-40AE-B4C6-C98DA3205C09}" type="datetimeFigureOut">
               <a:rPr lang="en-US" smtClean="0"/>
               <a:pPr/>
-              <a:t>2/6/2022</a:t>
+              <a:t>2/12/2023</a:t>
             </a:fld>
             <a:endParaRPr lang="en-US"/>
           </a:p>
@@ -2227,7 +2231,7 @@
             <a:fld id="{1D8BD707-D9CF-40AE-B4C6-C98DA3205C09}" type="datetimeFigureOut">
               <a:rPr lang="en-US" smtClean="0"/>
               <a:pPr/>
-              <a:t>2/6/2022</a:t>
+              <a:t>2/12/2023</a:t>
             </a:fld>
             <a:endParaRPr lang="en-US"/>
           </a:p>
@@ -2476,7 +2480,7 @@
             <a:fld id="{1D8BD707-D9CF-40AE-B4C6-C98DA3205C09}" type="datetimeFigureOut">
               <a:rPr lang="en-US" smtClean="0"/>
               <a:pPr/>
-              <a:t>2/6/2022</a:t>
+              <a:t>2/12/2023</a:t>
             </a:fld>
             <a:endParaRPr lang="en-US"/>
           </a:p>
@@ -2684,7 +2688,7 @@
             <a:fld id="{1D8BD707-D9CF-40AE-B4C6-C98DA3205C09}" type="datetimeFigureOut">
               <a:rPr lang="en-US" smtClean="0"/>
               <a:pPr/>
-              <a:t>2/6/2022</a:t>
+              <a:t>2/12/2023</a:t>
             </a:fld>
             <a:endParaRPr lang="en-US"/>
           </a:p>
@@ -3055,40 +3059,73 @@
           <a:chExt cx="0" cy="0"/>
         </a:xfrm>
       </p:grpSpPr>
-      <p:pic>
-        <p:nvPicPr>
-          <p:cNvPr id="2" name="Picture 1">
-            <a:extLst>
-              <a:ext uri="{FF2B5EF4-FFF2-40B4-BE49-F238E27FC236}">
-                <a16:creationId xmlns:a16="http://schemas.microsoft.com/office/drawing/2014/main" id="{7EFBE449-0D92-4177-B46B-73E842C65BF0}"/>
-              </a:ext>
-            </a:extLst>
-          </p:cNvPr>
-          <p:cNvPicPr>
-            <a:picLocks noChangeAspect="1"/>
-          </p:cNvPicPr>
-          <p:nvPr/>
-        </p:nvPicPr>
-        <p:blipFill>
-          <a:blip r:embed="rId2"/>
-          <a:stretch>
-            <a:fillRect/>
-          </a:stretch>
-        </p:blipFill>
-        <p:spPr>
-          <a:xfrm>
-            <a:off x="1201615" y="0"/>
-            <a:ext cx="6740769" cy="6858000"/>
-          </a:xfrm>
-          <a:prstGeom prst="rect">
-            <a:avLst/>
-          </a:prstGeom>
-        </p:spPr>
-      </p:pic>
+      <p:graphicFrame>
+        <p:nvGraphicFramePr>
+          <p:cNvPr id="2" name="Object 1">
+            <a:extLst>
+              <a:ext uri="{FF2B5EF4-FFF2-40B4-BE49-F238E27FC236}">
+                <a16:creationId xmlns:a16="http://schemas.microsoft.com/office/drawing/2014/main" id="{3B4BFBF4-3083-4B86-A490-F85CAA274726}"/>
+              </a:ext>
+            </a:extLst>
+          </p:cNvPr>
+          <p:cNvGraphicFramePr>
+            <a:graphicFrameLocks noChangeAspect="1"/>
+          </p:cNvGraphicFramePr>
+          <p:nvPr>
+            <p:extLst>
+              <p:ext uri="{D42A27DB-BD31-4B8C-83A1-F6EECF244321}">
+                <p14:modId xmlns:p14="http://schemas.microsoft.com/office/powerpoint/2010/main" val="82388745"/>
+              </p:ext>
+            </p:extLst>
+          </p:nvPr>
+        </p:nvGraphicFramePr>
+        <p:xfrm>
+          <a:off x="1066800" y="685800"/>
+          <a:ext cx="1295400" cy="927100"/>
+        </p:xfrm>
+        <a:graphic>
+          <a:graphicData uri="http://schemas.openxmlformats.org/presentationml/2006/ole">
+            <mc:AlternateContent xmlns:mc="http://schemas.openxmlformats.org/markup-compatibility/2006">
+              <mc:Choice xmlns:v="urn:schemas-microsoft-com:vml" Requires="v">
+                <p:oleObj name="Equation" r:id="rId2" imgW="1295280" imgH="927000" progId="Equation.DSMT4">
+                  <p:embed/>
+                </p:oleObj>
+              </mc:Choice>
+              <mc:Fallback>
+                <p:oleObj name="Equation" r:id="rId2" imgW="1295280" imgH="927000" progId="Equation.DSMT4">
+                  <p:embed/>
+                  <p:pic>
+                    <p:nvPicPr>
+                      <p:cNvPr id="0" name=""/>
+                      <p:cNvPicPr/>
+                      <p:nvPr/>
+                    </p:nvPicPr>
+                    <p:blipFill>
+                      <a:blip r:embed="rId3"/>
+                      <a:stretch>
+                        <a:fillRect/>
+                      </a:stretch>
+                    </p:blipFill>
+                    <p:spPr>
+                      <a:xfrm>
+                        <a:off x="1066800" y="685800"/>
+                        <a:ext cx="1295400" cy="927100"/>
+                      </a:xfrm>
+                      <a:prstGeom prst="rect">
+                        <a:avLst/>
+                      </a:prstGeom>
+                    </p:spPr>
+                  </p:pic>
+                </p:oleObj>
+              </mc:Fallback>
+            </mc:AlternateContent>
+          </a:graphicData>
+        </a:graphic>
+      </p:graphicFrame>
     </p:spTree>
     <p:extLst>
       <p:ext uri="{BB962C8B-B14F-4D97-AF65-F5344CB8AC3E}">
-        <p14:creationId xmlns:p14="http://schemas.microsoft.com/office/powerpoint/2010/main" val="1791104302"/>
+        <p14:creationId xmlns:p14="http://schemas.microsoft.com/office/powerpoint/2010/main" val="632092309"/>
       </p:ext>
     </p:extLst>
   </p:cSld>
@@ -3115,73 +3152,5443 @@
           <a:chExt cx="0" cy="0"/>
         </a:xfrm>
       </p:grpSpPr>
-      <p:graphicFrame>
-        <p:nvGraphicFramePr>
-          <p:cNvPr id="2" name="Object 1">
-            <a:extLst>
-              <a:ext uri="{FF2B5EF4-FFF2-40B4-BE49-F238E27FC236}">
-                <a16:creationId xmlns:a16="http://schemas.microsoft.com/office/drawing/2014/main" id="{3B4BFBF4-3083-4B86-A490-F85CAA274726}"/>
-              </a:ext>
-            </a:extLst>
-          </p:cNvPr>
-          <p:cNvGraphicFramePr>
-            <a:graphicFrameLocks noChangeAspect="1"/>
-          </p:cNvGraphicFramePr>
-          <p:nvPr>
-            <p:extLst>
-              <p:ext uri="{D42A27DB-BD31-4B8C-83A1-F6EECF244321}">
-                <p14:modId xmlns:p14="http://schemas.microsoft.com/office/powerpoint/2010/main" val="82388745"/>
-              </p:ext>
-            </p:extLst>
-          </p:nvPr>
-        </p:nvGraphicFramePr>
-        <p:xfrm>
-          <a:off x="1066800" y="685800"/>
-          <a:ext cx="1295400" cy="927100"/>
-        </p:xfrm>
-        <a:graphic>
-          <a:graphicData uri="http://schemas.openxmlformats.org/presentationml/2006/ole">
-            <mc:AlternateContent xmlns:mc="http://schemas.openxmlformats.org/markup-compatibility/2006">
-              <mc:Choice xmlns:v="urn:schemas-microsoft-com:vml" Requires="v">
-                <p:oleObj spid="_x0000_s1026" name="Equation" r:id="rId3" imgW="1295280" imgH="927000" progId="Equation.DSMT4">
-                  <p:embed/>
-                </p:oleObj>
-              </mc:Choice>
-              <mc:Fallback>
-                <p:oleObj name="Equation" r:id="rId3" imgW="1295280" imgH="927000" progId="Equation.DSMT4">
-                  <p:embed/>
-                  <p:pic>
-                    <p:nvPicPr>
-                      <p:cNvPr id="0" name=""/>
-                      <p:cNvPicPr/>
-                      <p:nvPr/>
-                    </p:nvPicPr>
-                    <p:blipFill>
-                      <a:blip r:embed="rId4"/>
-                      <a:stretch>
-                        <a:fillRect/>
-                      </a:stretch>
-                    </p:blipFill>
-                    <p:spPr>
-                      <a:xfrm>
-                        <a:off x="1066800" y="685800"/>
-                        <a:ext cx="1295400" cy="927100"/>
-                      </a:xfrm>
-                      <a:prstGeom prst="rect">
-                        <a:avLst/>
-                      </a:prstGeom>
-                    </p:spPr>
-                  </p:pic>
-                </p:oleObj>
-              </mc:Fallback>
-            </mc:AlternateContent>
-          </a:graphicData>
-        </a:graphic>
-      </p:graphicFrame>
+      <p:cxnSp>
+        <p:nvCxnSpPr>
+          <p:cNvPr id="3" name="Straight Connector 2">
+            <a:extLst>
+              <a:ext uri="{FF2B5EF4-FFF2-40B4-BE49-F238E27FC236}">
+                <a16:creationId xmlns:a16="http://schemas.microsoft.com/office/drawing/2014/main" id="{C71F6222-ACF6-4B15-BC74-DC55EF7B48E5}"/>
+              </a:ext>
+            </a:extLst>
+          </p:cNvPr>
+          <p:cNvCxnSpPr/>
+          <p:nvPr/>
+        </p:nvCxnSpPr>
+        <p:spPr>
+          <a:xfrm flipV="1">
+            <a:off x="1602791" y="3556550"/>
+            <a:ext cx="609600" cy="893618"/>
+          </a:xfrm>
+          <a:prstGeom prst="line">
+            <a:avLst/>
+          </a:prstGeom>
+          <a:ln w="38100">
+            <a:solidFill>
+              <a:schemeClr val="tx1"/>
+            </a:solidFill>
+          </a:ln>
+        </p:spPr>
+        <p:style>
+          <a:lnRef idx="1">
+            <a:schemeClr val="accent1"/>
+          </a:lnRef>
+          <a:fillRef idx="0">
+            <a:schemeClr val="accent1"/>
+          </a:fillRef>
+          <a:effectRef idx="0">
+            <a:schemeClr val="accent1"/>
+          </a:effectRef>
+          <a:fontRef idx="minor">
+            <a:schemeClr val="tx1"/>
+          </a:fontRef>
+        </p:style>
+      </p:cxnSp>
+      <p:cxnSp>
+        <p:nvCxnSpPr>
+          <p:cNvPr id="5" name="Straight Connector 4">
+            <a:extLst>
+              <a:ext uri="{FF2B5EF4-FFF2-40B4-BE49-F238E27FC236}">
+                <a16:creationId xmlns:a16="http://schemas.microsoft.com/office/drawing/2014/main" id="{FF9B4139-FA4E-4E61-9DA8-7C9A03667987}"/>
+              </a:ext>
+            </a:extLst>
+          </p:cNvPr>
+          <p:cNvCxnSpPr>
+            <a:cxnSpLocks/>
+          </p:cNvCxnSpPr>
+          <p:nvPr/>
+        </p:nvCxnSpPr>
+        <p:spPr>
+          <a:xfrm>
+            <a:off x="2212391" y="3556550"/>
+            <a:ext cx="477982" cy="0"/>
+          </a:xfrm>
+          <a:prstGeom prst="line">
+            <a:avLst/>
+          </a:prstGeom>
+          <a:ln w="38100">
+            <a:solidFill>
+              <a:schemeClr val="tx1"/>
+            </a:solidFill>
+          </a:ln>
+        </p:spPr>
+        <p:style>
+          <a:lnRef idx="1">
+            <a:schemeClr val="accent1"/>
+          </a:lnRef>
+          <a:fillRef idx="0">
+            <a:schemeClr val="accent1"/>
+          </a:fillRef>
+          <a:effectRef idx="0">
+            <a:schemeClr val="accent1"/>
+          </a:effectRef>
+          <a:fontRef idx="minor">
+            <a:schemeClr val="tx1"/>
+          </a:fontRef>
+        </p:style>
+      </p:cxnSp>
+      <p:cxnSp>
+        <p:nvCxnSpPr>
+          <p:cNvPr id="6" name="Straight Connector 5">
+            <a:extLst>
+              <a:ext uri="{FF2B5EF4-FFF2-40B4-BE49-F238E27FC236}">
+                <a16:creationId xmlns:a16="http://schemas.microsoft.com/office/drawing/2014/main" id="{70E4BDAC-B47E-47D8-92FC-8ADF72E6D409}"/>
+              </a:ext>
+            </a:extLst>
+          </p:cNvPr>
+          <p:cNvCxnSpPr>
+            <a:cxnSpLocks/>
+          </p:cNvCxnSpPr>
+          <p:nvPr/>
+        </p:nvCxnSpPr>
+        <p:spPr>
+          <a:xfrm flipV="1">
+            <a:off x="2690372" y="3556550"/>
+            <a:ext cx="0" cy="893618"/>
+          </a:xfrm>
+          <a:prstGeom prst="line">
+            <a:avLst/>
+          </a:prstGeom>
+          <a:ln w="38100">
+            <a:solidFill>
+              <a:schemeClr val="tx1"/>
+            </a:solidFill>
+          </a:ln>
+        </p:spPr>
+        <p:style>
+          <a:lnRef idx="1">
+            <a:schemeClr val="accent1"/>
+          </a:lnRef>
+          <a:fillRef idx="0">
+            <a:schemeClr val="accent1"/>
+          </a:fillRef>
+          <a:effectRef idx="0">
+            <a:schemeClr val="accent1"/>
+          </a:effectRef>
+          <a:fontRef idx="minor">
+            <a:schemeClr val="tx1"/>
+          </a:fontRef>
+        </p:style>
+      </p:cxnSp>
+      <p:cxnSp>
+        <p:nvCxnSpPr>
+          <p:cNvPr id="9" name="Straight Connector 8">
+            <a:extLst>
+              <a:ext uri="{FF2B5EF4-FFF2-40B4-BE49-F238E27FC236}">
+                <a16:creationId xmlns:a16="http://schemas.microsoft.com/office/drawing/2014/main" id="{91BAAEAC-6E2F-4F59-8C1E-210A4FAD76D4}"/>
+              </a:ext>
+            </a:extLst>
+          </p:cNvPr>
+          <p:cNvCxnSpPr>
+            <a:cxnSpLocks/>
+          </p:cNvCxnSpPr>
+          <p:nvPr/>
+        </p:nvCxnSpPr>
+        <p:spPr>
+          <a:xfrm flipH="1">
+            <a:off x="2690373" y="4450167"/>
+            <a:ext cx="833944" cy="1"/>
+          </a:xfrm>
+          <a:prstGeom prst="line">
+            <a:avLst/>
+          </a:prstGeom>
+          <a:ln w="38100">
+            <a:solidFill>
+              <a:schemeClr val="tx1"/>
+            </a:solidFill>
+          </a:ln>
+        </p:spPr>
+        <p:style>
+          <a:lnRef idx="1">
+            <a:schemeClr val="accent1"/>
+          </a:lnRef>
+          <a:fillRef idx="0">
+            <a:schemeClr val="accent1"/>
+          </a:fillRef>
+          <a:effectRef idx="0">
+            <a:schemeClr val="accent1"/>
+          </a:effectRef>
+          <a:fontRef idx="minor">
+            <a:schemeClr val="tx1"/>
+          </a:fontRef>
+        </p:style>
+      </p:cxnSp>
+      <p:cxnSp>
+        <p:nvCxnSpPr>
+          <p:cNvPr id="12" name="Straight Connector 11">
+            <a:extLst>
+              <a:ext uri="{FF2B5EF4-FFF2-40B4-BE49-F238E27FC236}">
+                <a16:creationId xmlns:a16="http://schemas.microsoft.com/office/drawing/2014/main" id="{9AC3C49C-195D-4ACE-B25C-A06F8D8D6B8E}"/>
+              </a:ext>
+            </a:extLst>
+          </p:cNvPr>
+          <p:cNvCxnSpPr>
+            <a:cxnSpLocks/>
+          </p:cNvCxnSpPr>
+          <p:nvPr/>
+        </p:nvCxnSpPr>
+        <p:spPr>
+          <a:xfrm flipH="1" flipV="1">
+            <a:off x="1297990" y="3275653"/>
+            <a:ext cx="1" cy="1444679"/>
+          </a:xfrm>
+          <a:prstGeom prst="line">
+            <a:avLst/>
+          </a:prstGeom>
+          <a:ln w="12700">
+            <a:solidFill>
+              <a:schemeClr val="tx1"/>
+            </a:solidFill>
+            <a:tailEnd type="arrow" w="lg" len="lg"/>
+          </a:ln>
+        </p:spPr>
+        <p:style>
+          <a:lnRef idx="1">
+            <a:schemeClr val="accent1"/>
+          </a:lnRef>
+          <a:fillRef idx="0">
+            <a:schemeClr val="accent1"/>
+          </a:fillRef>
+          <a:effectRef idx="0">
+            <a:schemeClr val="accent1"/>
+          </a:effectRef>
+          <a:fontRef idx="minor">
+            <a:schemeClr val="tx1"/>
+          </a:fontRef>
+        </p:style>
+      </p:cxnSp>
+      <p:cxnSp>
+        <p:nvCxnSpPr>
+          <p:cNvPr id="15" name="Straight Connector 14">
+            <a:extLst>
+              <a:ext uri="{FF2B5EF4-FFF2-40B4-BE49-F238E27FC236}">
+                <a16:creationId xmlns:a16="http://schemas.microsoft.com/office/drawing/2014/main" id="{408CE17E-4E16-4F19-98FE-811BEB15C8BF}"/>
+              </a:ext>
+            </a:extLst>
+          </p:cNvPr>
+          <p:cNvCxnSpPr>
+            <a:cxnSpLocks/>
+          </p:cNvCxnSpPr>
+          <p:nvPr/>
+        </p:nvCxnSpPr>
+        <p:spPr>
+          <a:xfrm>
+            <a:off x="1297991" y="4720332"/>
+            <a:ext cx="2470664" cy="0"/>
+          </a:xfrm>
+          <a:prstGeom prst="line">
+            <a:avLst/>
+          </a:prstGeom>
+          <a:ln w="12700">
+            <a:solidFill>
+              <a:schemeClr val="tx1"/>
+            </a:solidFill>
+            <a:tailEnd type="arrow" w="lg" len="lg"/>
+          </a:ln>
+        </p:spPr>
+        <p:style>
+          <a:lnRef idx="1">
+            <a:schemeClr val="accent1"/>
+          </a:lnRef>
+          <a:fillRef idx="0">
+            <a:schemeClr val="accent1"/>
+          </a:fillRef>
+          <a:effectRef idx="0">
+            <a:schemeClr val="accent1"/>
+          </a:effectRef>
+          <a:fontRef idx="minor">
+            <a:schemeClr val="tx1"/>
+          </a:fontRef>
+        </p:style>
+      </p:cxnSp>
+      <p:cxnSp>
+        <p:nvCxnSpPr>
+          <p:cNvPr id="24" name="Straight Connector 23">
+            <a:extLst>
+              <a:ext uri="{FF2B5EF4-FFF2-40B4-BE49-F238E27FC236}">
+                <a16:creationId xmlns:a16="http://schemas.microsoft.com/office/drawing/2014/main" id="{F184D316-136B-4B5E-8C40-141CF1D68BD6}"/>
+              </a:ext>
+            </a:extLst>
+          </p:cNvPr>
+          <p:cNvCxnSpPr>
+            <a:cxnSpLocks/>
+          </p:cNvCxnSpPr>
+          <p:nvPr/>
+        </p:nvCxnSpPr>
+        <p:spPr>
+          <a:xfrm flipH="1">
+            <a:off x="1297991" y="4450168"/>
+            <a:ext cx="304800" cy="0"/>
+          </a:xfrm>
+          <a:prstGeom prst="line">
+            <a:avLst/>
+          </a:prstGeom>
+          <a:ln w="38100">
+            <a:solidFill>
+              <a:schemeClr val="tx1"/>
+            </a:solidFill>
+          </a:ln>
+        </p:spPr>
+        <p:style>
+          <a:lnRef idx="1">
+            <a:schemeClr val="accent1"/>
+          </a:lnRef>
+          <a:fillRef idx="0">
+            <a:schemeClr val="accent1"/>
+          </a:fillRef>
+          <a:effectRef idx="0">
+            <a:schemeClr val="accent1"/>
+          </a:effectRef>
+          <a:fontRef idx="minor">
+            <a:schemeClr val="tx1"/>
+          </a:fontRef>
+        </p:style>
+      </p:cxnSp>
+      <p:sp>
+        <p:nvSpPr>
+          <p:cNvPr id="32" name="TextBox 31">
+            <a:extLst>
+              <a:ext uri="{FF2B5EF4-FFF2-40B4-BE49-F238E27FC236}">
+                <a16:creationId xmlns:a16="http://schemas.microsoft.com/office/drawing/2014/main" id="{386460B5-23F0-42D9-96AC-51C2CD43D893}"/>
+              </a:ext>
+            </a:extLst>
+          </p:cNvPr>
+          <p:cNvSpPr txBox="1"/>
+          <p:nvPr/>
+        </p:nvSpPr>
+        <p:spPr>
+          <a:xfrm>
+            <a:off x="2371274" y="4766555"/>
+            <a:ext cx="441147" cy="230832"/>
+          </a:xfrm>
+          <a:prstGeom prst="rect">
+            <a:avLst/>
+          </a:prstGeom>
+          <a:noFill/>
+        </p:spPr>
+        <p:txBody>
+          <a:bodyPr wrap="none" rtlCol="0">
+            <a:spAutoFit/>
+          </a:bodyPr>
+          <a:lstStyle/>
+          <a:p>
+            <a:pPr algn="ctr"/>
+            <a:r>
+              <a:rPr lang="en-US" sz="900" dirty="0">
+                <a:latin typeface="Arial" panose="020B0604020202020204" pitchFamily="34" charset="0"/>
+                <a:cs typeface="Arial" panose="020B0604020202020204" pitchFamily="34" charset="0"/>
+              </a:rPr>
+              <a:t>Time</a:t>
+            </a:r>
+          </a:p>
+        </p:txBody>
+      </p:sp>
+      <p:sp>
+        <p:nvSpPr>
+          <p:cNvPr id="33" name="TextBox 32">
+            <a:extLst>
+              <a:ext uri="{FF2B5EF4-FFF2-40B4-BE49-F238E27FC236}">
+                <a16:creationId xmlns:a16="http://schemas.microsoft.com/office/drawing/2014/main" id="{8EE911FF-CAF9-4D7C-B3AA-07BF802FEB43}"/>
+              </a:ext>
+            </a:extLst>
+          </p:cNvPr>
+          <p:cNvSpPr txBox="1"/>
+          <p:nvPr/>
+        </p:nvSpPr>
+        <p:spPr>
+          <a:xfrm rot="16200000">
+            <a:off x="855792" y="3813326"/>
+            <a:ext cx="609598" cy="369332"/>
+          </a:xfrm>
+          <a:prstGeom prst="rect">
+            <a:avLst/>
+          </a:prstGeom>
+          <a:noFill/>
+        </p:spPr>
+        <p:txBody>
+          <a:bodyPr wrap="square" rtlCol="0">
+            <a:spAutoFit/>
+          </a:bodyPr>
+          <a:lstStyle/>
+          <a:p>
+            <a:pPr algn="ctr"/>
+            <a:r>
+              <a:rPr lang="en-US" sz="900" dirty="0">
+                <a:latin typeface="Arial" panose="020B0604020202020204" pitchFamily="34" charset="0"/>
+                <a:cs typeface="Arial" panose="020B0604020202020204" pitchFamily="34" charset="0"/>
+              </a:rPr>
+              <a:t>Pressure</a:t>
+            </a:r>
+          </a:p>
+        </p:txBody>
+      </p:sp>
+      <p:sp>
+        <p:nvSpPr>
+          <p:cNvPr id="34" name="TextBox 33">
+            <a:extLst>
+              <a:ext uri="{FF2B5EF4-FFF2-40B4-BE49-F238E27FC236}">
+                <a16:creationId xmlns:a16="http://schemas.microsoft.com/office/drawing/2014/main" id="{913D1196-4215-4C2B-882A-56C27ABF08DC}"/>
+              </a:ext>
+            </a:extLst>
+          </p:cNvPr>
+          <p:cNvSpPr txBox="1"/>
+          <p:nvPr/>
+        </p:nvSpPr>
+        <p:spPr>
+          <a:xfrm>
+            <a:off x="3768655" y="4346293"/>
+            <a:ext cx="851515" cy="230832"/>
+          </a:xfrm>
+          <a:prstGeom prst="rect">
+            <a:avLst/>
+          </a:prstGeom>
+          <a:noFill/>
+        </p:spPr>
+        <p:txBody>
+          <a:bodyPr wrap="none" rtlCol="0">
+            <a:spAutoFit/>
+          </a:bodyPr>
+          <a:lstStyle/>
+          <a:p>
+            <a:r>
+              <a:rPr lang="en-US" sz="900" dirty="0">
+                <a:latin typeface="Arial" panose="020B0604020202020204" pitchFamily="34" charset="0"/>
+                <a:cs typeface="Arial" panose="020B0604020202020204" pitchFamily="34" charset="0"/>
+              </a:rPr>
+              <a:t>[3d] Baseline</a:t>
+            </a:r>
+          </a:p>
+        </p:txBody>
+      </p:sp>
+      <p:sp>
+        <p:nvSpPr>
+          <p:cNvPr id="38" name="TextBox 37">
+            <a:extLst>
+              <a:ext uri="{FF2B5EF4-FFF2-40B4-BE49-F238E27FC236}">
+                <a16:creationId xmlns:a16="http://schemas.microsoft.com/office/drawing/2014/main" id="{57890C42-CFE6-42BF-9500-150351F4AE6C}"/>
+              </a:ext>
+            </a:extLst>
+          </p:cNvPr>
+          <p:cNvSpPr txBox="1"/>
+          <p:nvPr/>
+        </p:nvSpPr>
+        <p:spPr>
+          <a:xfrm>
+            <a:off x="3768655" y="3376951"/>
+            <a:ext cx="838691" cy="369332"/>
+          </a:xfrm>
+          <a:prstGeom prst="rect">
+            <a:avLst/>
+          </a:prstGeom>
+          <a:noFill/>
+        </p:spPr>
+        <p:txBody>
+          <a:bodyPr wrap="none" rtlCol="0">
+            <a:spAutoFit/>
+          </a:bodyPr>
+          <a:lstStyle/>
+          <a:p>
+            <a:r>
+              <a:rPr lang="en-US" sz="900" dirty="0">
+                <a:latin typeface="Arial" panose="020B0604020202020204" pitchFamily="34" charset="0"/>
+                <a:cs typeface="Arial" panose="020B0604020202020204" pitchFamily="34" charset="0"/>
+              </a:rPr>
+              <a:t>[2d] Target / </a:t>
+            </a:r>
+          </a:p>
+          <a:p>
+            <a:r>
+              <a:rPr lang="en-US" sz="900" dirty="0">
+                <a:latin typeface="Arial" panose="020B0604020202020204" pitchFamily="34" charset="0"/>
+                <a:cs typeface="Arial" panose="020B0604020202020204" pitchFamily="34" charset="0"/>
+              </a:rPr>
+              <a:t>[2e] Limit</a:t>
+            </a:r>
+          </a:p>
+        </p:txBody>
+      </p:sp>
+      <p:sp>
+        <p:nvSpPr>
+          <p:cNvPr id="39" name="TextBox 38">
+            <a:extLst>
+              <a:ext uri="{FF2B5EF4-FFF2-40B4-BE49-F238E27FC236}">
+                <a16:creationId xmlns:a16="http://schemas.microsoft.com/office/drawing/2014/main" id="{69EE4D76-555D-42AF-A74D-40F4BE9AC861}"/>
+              </a:ext>
+            </a:extLst>
+          </p:cNvPr>
+          <p:cNvSpPr txBox="1"/>
+          <p:nvPr/>
+        </p:nvSpPr>
+        <p:spPr>
+          <a:xfrm>
+            <a:off x="2456354" y="2914426"/>
+            <a:ext cx="477983" cy="369332"/>
+          </a:xfrm>
+          <a:prstGeom prst="rect">
+            <a:avLst/>
+          </a:prstGeom>
+          <a:noFill/>
+        </p:spPr>
+        <p:txBody>
+          <a:bodyPr wrap="square" rtlCol="0">
+            <a:spAutoFit/>
+          </a:bodyPr>
+          <a:lstStyle/>
+          <a:p>
+            <a:pPr algn="ctr"/>
+            <a:r>
+              <a:rPr lang="en-US" sz="900" dirty="0">
+                <a:latin typeface="Arial" panose="020B0604020202020204" pitchFamily="34" charset="0"/>
+                <a:cs typeface="Arial" panose="020B0604020202020204" pitchFamily="34" charset="0"/>
+              </a:rPr>
+              <a:t>[2a] Cycle</a:t>
+            </a:r>
+          </a:p>
+        </p:txBody>
+      </p:sp>
+      <p:cxnSp>
+        <p:nvCxnSpPr>
+          <p:cNvPr id="40" name="Straight Connector 39">
+            <a:extLst>
+              <a:ext uri="{FF2B5EF4-FFF2-40B4-BE49-F238E27FC236}">
+                <a16:creationId xmlns:a16="http://schemas.microsoft.com/office/drawing/2014/main" id="{03878C53-2AC2-47B4-8021-8A1A8367F77B}"/>
+              </a:ext>
+            </a:extLst>
+          </p:cNvPr>
+          <p:cNvCxnSpPr>
+            <a:cxnSpLocks/>
+            <a:endCxn id="38" idx="1"/>
+          </p:cNvCxnSpPr>
+          <p:nvPr/>
+        </p:nvCxnSpPr>
+        <p:spPr>
+          <a:xfrm>
+            <a:off x="1264466" y="3550076"/>
+            <a:ext cx="2504189" cy="11541"/>
+          </a:xfrm>
+          <a:prstGeom prst="line">
+            <a:avLst/>
+          </a:prstGeom>
+          <a:ln>
+            <a:solidFill>
+              <a:schemeClr val="tx1"/>
+            </a:solidFill>
+            <a:prstDash val="dash"/>
+          </a:ln>
+        </p:spPr>
+        <p:style>
+          <a:lnRef idx="1">
+            <a:schemeClr val="accent1"/>
+          </a:lnRef>
+          <a:fillRef idx="0">
+            <a:schemeClr val="accent1"/>
+          </a:fillRef>
+          <a:effectRef idx="0">
+            <a:schemeClr val="accent1"/>
+          </a:effectRef>
+          <a:fontRef idx="minor">
+            <a:schemeClr val="tx1"/>
+          </a:fontRef>
+        </p:style>
+      </p:cxnSp>
+      <p:cxnSp>
+        <p:nvCxnSpPr>
+          <p:cNvPr id="44" name="Straight Connector 43">
+            <a:extLst>
+              <a:ext uri="{FF2B5EF4-FFF2-40B4-BE49-F238E27FC236}">
+                <a16:creationId xmlns:a16="http://schemas.microsoft.com/office/drawing/2014/main" id="{1FE28385-430B-4A26-8AD0-13C7AD604A20}"/>
+              </a:ext>
+            </a:extLst>
+          </p:cNvPr>
+          <p:cNvCxnSpPr>
+            <a:cxnSpLocks/>
+          </p:cNvCxnSpPr>
+          <p:nvPr/>
+        </p:nvCxnSpPr>
+        <p:spPr>
+          <a:xfrm flipV="1">
+            <a:off x="1297990" y="4450166"/>
+            <a:ext cx="2470665" cy="5196"/>
+          </a:xfrm>
+          <a:prstGeom prst="line">
+            <a:avLst/>
+          </a:prstGeom>
+          <a:ln>
+            <a:solidFill>
+              <a:schemeClr val="tx1"/>
+            </a:solidFill>
+            <a:prstDash val="dash"/>
+          </a:ln>
+        </p:spPr>
+        <p:style>
+          <a:lnRef idx="1">
+            <a:schemeClr val="accent1"/>
+          </a:lnRef>
+          <a:fillRef idx="0">
+            <a:schemeClr val="accent1"/>
+          </a:fillRef>
+          <a:effectRef idx="0">
+            <a:schemeClr val="accent1"/>
+          </a:effectRef>
+          <a:fontRef idx="minor">
+            <a:schemeClr val="tx1"/>
+          </a:fontRef>
+        </p:style>
+      </p:cxnSp>
+      <p:cxnSp>
+        <p:nvCxnSpPr>
+          <p:cNvPr id="45" name="Straight Connector 44">
+            <a:extLst>
+              <a:ext uri="{FF2B5EF4-FFF2-40B4-BE49-F238E27FC236}">
+                <a16:creationId xmlns:a16="http://schemas.microsoft.com/office/drawing/2014/main" id="{12111105-8C06-4088-8A56-DE8514493906}"/>
+              </a:ext>
+            </a:extLst>
+          </p:cNvPr>
+          <p:cNvCxnSpPr>
+            <a:cxnSpLocks/>
+          </p:cNvCxnSpPr>
+          <p:nvPr/>
+        </p:nvCxnSpPr>
+        <p:spPr>
+          <a:xfrm flipV="1">
+            <a:off x="2692289" y="3275653"/>
+            <a:ext cx="0" cy="1444679"/>
+          </a:xfrm>
+          <a:prstGeom prst="line">
+            <a:avLst/>
+          </a:prstGeom>
+          <a:ln>
+            <a:solidFill>
+              <a:schemeClr val="tx1"/>
+            </a:solidFill>
+            <a:prstDash val="dash"/>
+          </a:ln>
+        </p:spPr>
+        <p:style>
+          <a:lnRef idx="1">
+            <a:schemeClr val="accent1"/>
+          </a:lnRef>
+          <a:fillRef idx="0">
+            <a:schemeClr val="accent1"/>
+          </a:fillRef>
+          <a:effectRef idx="0">
+            <a:schemeClr val="accent1"/>
+          </a:effectRef>
+          <a:fontRef idx="minor">
+            <a:schemeClr val="tx1"/>
+          </a:fontRef>
+        </p:style>
+      </p:cxnSp>
+      <p:sp>
+        <p:nvSpPr>
+          <p:cNvPr id="51" name="TextBox 50">
+            <a:extLst>
+              <a:ext uri="{FF2B5EF4-FFF2-40B4-BE49-F238E27FC236}">
+                <a16:creationId xmlns:a16="http://schemas.microsoft.com/office/drawing/2014/main" id="{E0FE5FF5-BDAF-4284-95B1-6FA81CB80906}"/>
+              </a:ext>
+            </a:extLst>
+          </p:cNvPr>
+          <p:cNvSpPr txBox="1"/>
+          <p:nvPr/>
+        </p:nvSpPr>
+        <p:spPr>
+          <a:xfrm>
+            <a:off x="1448073" y="3250121"/>
+            <a:ext cx="919034" cy="230832"/>
+          </a:xfrm>
+          <a:prstGeom prst="rect">
+            <a:avLst/>
+          </a:prstGeom>
+          <a:noFill/>
+        </p:spPr>
+        <p:txBody>
+          <a:bodyPr wrap="square" rtlCol="0">
+            <a:spAutoFit/>
+          </a:bodyPr>
+          <a:lstStyle/>
+          <a:p>
+            <a:pPr algn="ctr"/>
+            <a:r>
+              <a:rPr lang="en-US" sz="900" dirty="0">
+                <a:latin typeface="Arial" panose="020B0604020202020204" pitchFamily="34" charset="0"/>
+                <a:cs typeface="Arial" panose="020B0604020202020204" pitchFamily="34" charset="0"/>
+              </a:rPr>
+              <a:t>[2c] Period</a:t>
+            </a:r>
+          </a:p>
+        </p:txBody>
+      </p:sp>
+      <p:cxnSp>
+        <p:nvCxnSpPr>
+          <p:cNvPr id="52" name="Straight Connector 51">
+            <a:extLst>
+              <a:ext uri="{FF2B5EF4-FFF2-40B4-BE49-F238E27FC236}">
+                <a16:creationId xmlns:a16="http://schemas.microsoft.com/office/drawing/2014/main" id="{094AC286-3E6F-4CE6-9F40-A1606769420C}"/>
+              </a:ext>
+            </a:extLst>
+          </p:cNvPr>
+          <p:cNvCxnSpPr>
+            <a:cxnSpLocks/>
+          </p:cNvCxnSpPr>
+          <p:nvPr/>
+        </p:nvCxnSpPr>
+        <p:spPr>
+          <a:xfrm flipV="1">
+            <a:off x="2214308" y="3275653"/>
+            <a:ext cx="0" cy="1444679"/>
+          </a:xfrm>
+          <a:prstGeom prst="line">
+            <a:avLst/>
+          </a:prstGeom>
+          <a:ln>
+            <a:solidFill>
+              <a:schemeClr val="tx1"/>
+            </a:solidFill>
+            <a:prstDash val="dash"/>
+          </a:ln>
+        </p:spPr>
+        <p:style>
+          <a:lnRef idx="1">
+            <a:schemeClr val="accent1"/>
+          </a:lnRef>
+          <a:fillRef idx="0">
+            <a:schemeClr val="accent1"/>
+          </a:fillRef>
+          <a:effectRef idx="0">
+            <a:schemeClr val="accent1"/>
+          </a:effectRef>
+          <a:fontRef idx="minor">
+            <a:schemeClr val="tx1"/>
+          </a:fontRef>
+        </p:style>
+      </p:cxnSp>
+      <p:sp>
+        <p:nvSpPr>
+          <p:cNvPr id="53" name="TextBox 52">
+            <a:extLst>
+              <a:ext uri="{FF2B5EF4-FFF2-40B4-BE49-F238E27FC236}">
+                <a16:creationId xmlns:a16="http://schemas.microsoft.com/office/drawing/2014/main" id="{1C2589E9-D186-4A9C-A5E1-612651355850}"/>
+              </a:ext>
+            </a:extLst>
+          </p:cNvPr>
+          <p:cNvSpPr txBox="1"/>
+          <p:nvPr/>
+        </p:nvSpPr>
+        <p:spPr>
+          <a:xfrm>
+            <a:off x="1315642" y="2914427"/>
+            <a:ext cx="574298" cy="369332"/>
+          </a:xfrm>
+          <a:prstGeom prst="rect">
+            <a:avLst/>
+          </a:prstGeom>
+          <a:noFill/>
+        </p:spPr>
+        <p:txBody>
+          <a:bodyPr wrap="square" rtlCol="0">
+            <a:spAutoFit/>
+          </a:bodyPr>
+          <a:lstStyle/>
+          <a:p>
+            <a:pPr algn="ctr"/>
+            <a:r>
+              <a:rPr lang="en-US" sz="900" dirty="0">
+                <a:latin typeface="Arial" panose="020B0604020202020204" pitchFamily="34" charset="0"/>
+                <a:cs typeface="Arial" panose="020B0604020202020204" pitchFamily="34" charset="0"/>
+              </a:rPr>
+              <a:t>[3a] Trigger</a:t>
+            </a:r>
+          </a:p>
+        </p:txBody>
+      </p:sp>
+      <p:cxnSp>
+        <p:nvCxnSpPr>
+          <p:cNvPr id="54" name="Straight Connector 53">
+            <a:extLst>
+              <a:ext uri="{FF2B5EF4-FFF2-40B4-BE49-F238E27FC236}">
+                <a16:creationId xmlns:a16="http://schemas.microsoft.com/office/drawing/2014/main" id="{47455F06-970F-46FA-8044-67E40FF4EB66}"/>
+              </a:ext>
+            </a:extLst>
+          </p:cNvPr>
+          <p:cNvCxnSpPr>
+            <a:cxnSpLocks/>
+          </p:cNvCxnSpPr>
+          <p:nvPr/>
+        </p:nvCxnSpPr>
+        <p:spPr>
+          <a:xfrm flipV="1">
+            <a:off x="1604708" y="3275653"/>
+            <a:ext cx="0" cy="1444679"/>
+          </a:xfrm>
+          <a:prstGeom prst="line">
+            <a:avLst/>
+          </a:prstGeom>
+          <a:ln>
+            <a:solidFill>
+              <a:schemeClr val="tx1"/>
+            </a:solidFill>
+            <a:prstDash val="dash"/>
+          </a:ln>
+        </p:spPr>
+        <p:style>
+          <a:lnRef idx="1">
+            <a:schemeClr val="accent1"/>
+          </a:lnRef>
+          <a:fillRef idx="0">
+            <a:schemeClr val="accent1"/>
+          </a:fillRef>
+          <a:effectRef idx="0">
+            <a:schemeClr val="accent1"/>
+          </a:effectRef>
+          <a:fontRef idx="minor">
+            <a:schemeClr val="tx1"/>
+          </a:fontRef>
+        </p:style>
+      </p:cxnSp>
+      <p:sp>
+        <p:nvSpPr>
+          <p:cNvPr id="57" name="TextBox 56">
+            <a:extLst>
+              <a:ext uri="{FF2B5EF4-FFF2-40B4-BE49-F238E27FC236}">
+                <a16:creationId xmlns:a16="http://schemas.microsoft.com/office/drawing/2014/main" id="{261A2B0E-AEFD-40FB-9614-13319D774B2E}"/>
+              </a:ext>
+            </a:extLst>
+          </p:cNvPr>
+          <p:cNvSpPr txBox="1"/>
+          <p:nvPr/>
+        </p:nvSpPr>
+        <p:spPr>
+          <a:xfrm>
+            <a:off x="1621162" y="4141500"/>
+            <a:ext cx="783087" cy="369332"/>
+          </a:xfrm>
+          <a:prstGeom prst="rect">
+            <a:avLst/>
+          </a:prstGeom>
+          <a:noFill/>
+        </p:spPr>
+        <p:txBody>
+          <a:bodyPr wrap="square" rtlCol="0">
+            <a:spAutoFit/>
+          </a:bodyPr>
+          <a:lstStyle/>
+          <a:p>
+            <a:r>
+              <a:rPr lang="en-US" sz="900" dirty="0">
+                <a:latin typeface="Arial" panose="020B0604020202020204" pitchFamily="34" charset="0"/>
+                <a:cs typeface="Arial" panose="020B0604020202020204" pitchFamily="34" charset="0"/>
+              </a:rPr>
+              <a:t>   [2b] Waveform</a:t>
+            </a:r>
+          </a:p>
+        </p:txBody>
+      </p:sp>
+      <p:sp>
+        <p:nvSpPr>
+          <p:cNvPr id="59" name="TextBox 58">
+            <a:extLst>
+              <a:ext uri="{FF2B5EF4-FFF2-40B4-BE49-F238E27FC236}">
+                <a16:creationId xmlns:a16="http://schemas.microsoft.com/office/drawing/2014/main" id="{C0EA4760-A5B1-4765-87EE-785D1B0C4216}"/>
+              </a:ext>
+            </a:extLst>
+          </p:cNvPr>
+          <p:cNvSpPr txBox="1"/>
+          <p:nvPr/>
+        </p:nvSpPr>
+        <p:spPr>
+          <a:xfrm>
+            <a:off x="1719201" y="2293496"/>
+            <a:ext cx="859731" cy="507831"/>
+          </a:xfrm>
+          <a:prstGeom prst="rect">
+            <a:avLst/>
+          </a:prstGeom>
+          <a:noFill/>
+        </p:spPr>
+        <p:txBody>
+          <a:bodyPr wrap="square" rtlCol="0">
+            <a:spAutoFit/>
+          </a:bodyPr>
+          <a:lstStyle/>
+          <a:p>
+            <a:pPr algn="ctr"/>
+            <a:r>
+              <a:rPr lang="en-US" sz="900" dirty="0">
+                <a:latin typeface="Arial" panose="020B0604020202020204" pitchFamily="34" charset="0"/>
+                <a:cs typeface="Arial" panose="020B0604020202020204" pitchFamily="34" charset="0"/>
+              </a:rPr>
+              <a:t>[2] Inspiration Phase</a:t>
+            </a:r>
+          </a:p>
+        </p:txBody>
+      </p:sp>
+      <p:sp>
+        <p:nvSpPr>
+          <p:cNvPr id="60" name="TextBox 59">
+            <a:extLst>
+              <a:ext uri="{FF2B5EF4-FFF2-40B4-BE49-F238E27FC236}">
+                <a16:creationId xmlns:a16="http://schemas.microsoft.com/office/drawing/2014/main" id="{152C6C0C-42E0-4CD4-943D-814D388FEF83}"/>
+              </a:ext>
+            </a:extLst>
+          </p:cNvPr>
+          <p:cNvSpPr txBox="1"/>
+          <p:nvPr/>
+        </p:nvSpPr>
+        <p:spPr>
+          <a:xfrm>
+            <a:off x="2619881" y="2296368"/>
+            <a:ext cx="974926" cy="369332"/>
+          </a:xfrm>
+          <a:prstGeom prst="rect">
+            <a:avLst/>
+          </a:prstGeom>
+          <a:noFill/>
+        </p:spPr>
+        <p:txBody>
+          <a:bodyPr wrap="square" rtlCol="0">
+            <a:spAutoFit/>
+          </a:bodyPr>
+          <a:lstStyle/>
+          <a:p>
+            <a:pPr algn="ctr"/>
+            <a:r>
+              <a:rPr lang="en-US" sz="900" dirty="0">
+                <a:latin typeface="Arial" panose="020B0604020202020204" pitchFamily="34" charset="0"/>
+                <a:cs typeface="Arial" panose="020B0604020202020204" pitchFamily="34" charset="0"/>
+              </a:rPr>
+              <a:t>[3] Expiration Phase</a:t>
+            </a:r>
+          </a:p>
+        </p:txBody>
+      </p:sp>
+      <p:cxnSp>
+        <p:nvCxnSpPr>
+          <p:cNvPr id="66" name="Straight Connector 65">
+            <a:extLst>
+              <a:ext uri="{FF2B5EF4-FFF2-40B4-BE49-F238E27FC236}">
+                <a16:creationId xmlns:a16="http://schemas.microsoft.com/office/drawing/2014/main" id="{BDEB9622-4251-45BC-9EFD-BE70B92F9F94}"/>
+              </a:ext>
+            </a:extLst>
+          </p:cNvPr>
+          <p:cNvCxnSpPr>
+            <a:cxnSpLocks/>
+          </p:cNvCxnSpPr>
+          <p:nvPr/>
+        </p:nvCxnSpPr>
+        <p:spPr>
+          <a:xfrm flipV="1">
+            <a:off x="3524448" y="4185197"/>
+            <a:ext cx="180755" cy="264971"/>
+          </a:xfrm>
+          <a:prstGeom prst="line">
+            <a:avLst/>
+          </a:prstGeom>
+          <a:ln w="38100">
+            <a:solidFill>
+              <a:schemeClr val="tx1"/>
+            </a:solidFill>
+          </a:ln>
+        </p:spPr>
+        <p:style>
+          <a:lnRef idx="1">
+            <a:schemeClr val="accent1"/>
+          </a:lnRef>
+          <a:fillRef idx="0">
+            <a:schemeClr val="accent1"/>
+          </a:fillRef>
+          <a:effectRef idx="0">
+            <a:schemeClr val="accent1"/>
+          </a:effectRef>
+          <a:fontRef idx="minor">
+            <a:schemeClr val="tx1"/>
+          </a:fontRef>
+        </p:style>
+      </p:cxnSp>
+      <p:cxnSp>
+        <p:nvCxnSpPr>
+          <p:cNvPr id="70" name="Straight Connector 69">
+            <a:extLst>
+              <a:ext uri="{FF2B5EF4-FFF2-40B4-BE49-F238E27FC236}">
+                <a16:creationId xmlns:a16="http://schemas.microsoft.com/office/drawing/2014/main" id="{420245BF-715B-4E43-B1CC-CF6E6E22C129}"/>
+              </a:ext>
+            </a:extLst>
+          </p:cNvPr>
+          <p:cNvCxnSpPr>
+            <a:cxnSpLocks/>
+          </p:cNvCxnSpPr>
+          <p:nvPr/>
+        </p:nvCxnSpPr>
+        <p:spPr>
+          <a:xfrm flipV="1">
+            <a:off x="3524316" y="3275653"/>
+            <a:ext cx="0" cy="1444679"/>
+          </a:xfrm>
+          <a:prstGeom prst="line">
+            <a:avLst/>
+          </a:prstGeom>
+          <a:ln>
+            <a:solidFill>
+              <a:schemeClr val="tx1"/>
+            </a:solidFill>
+            <a:prstDash val="dash"/>
+          </a:ln>
+        </p:spPr>
+        <p:style>
+          <a:lnRef idx="1">
+            <a:schemeClr val="accent1"/>
+          </a:lnRef>
+          <a:fillRef idx="0">
+            <a:schemeClr val="accent1"/>
+          </a:fillRef>
+          <a:effectRef idx="0">
+            <a:schemeClr val="accent1"/>
+          </a:effectRef>
+          <a:fontRef idx="minor">
+            <a:schemeClr val="tx1"/>
+          </a:fontRef>
+        </p:style>
+      </p:cxnSp>
+      <p:sp>
+        <p:nvSpPr>
+          <p:cNvPr id="71" name="TextBox 70">
+            <a:extLst>
+              <a:ext uri="{FF2B5EF4-FFF2-40B4-BE49-F238E27FC236}">
+                <a16:creationId xmlns:a16="http://schemas.microsoft.com/office/drawing/2014/main" id="{1D6F905F-B395-4732-A0DA-BECCCF53CA49}"/>
+              </a:ext>
+            </a:extLst>
+          </p:cNvPr>
+          <p:cNvSpPr txBox="1"/>
+          <p:nvPr/>
+        </p:nvSpPr>
+        <p:spPr>
+          <a:xfrm>
+            <a:off x="2658087" y="4120112"/>
+            <a:ext cx="783087" cy="369332"/>
+          </a:xfrm>
+          <a:prstGeom prst="rect">
+            <a:avLst/>
+          </a:prstGeom>
+          <a:noFill/>
+        </p:spPr>
+        <p:txBody>
+          <a:bodyPr wrap="square" rtlCol="0">
+            <a:spAutoFit/>
+          </a:bodyPr>
+          <a:lstStyle/>
+          <a:p>
+            <a:r>
+              <a:rPr lang="en-US" sz="900" dirty="0">
+                <a:latin typeface="Arial" panose="020B0604020202020204" pitchFamily="34" charset="0"/>
+                <a:cs typeface="Arial" panose="020B0604020202020204" pitchFamily="34" charset="0"/>
+              </a:rPr>
+              <a:t>[3b] Waveform</a:t>
+            </a:r>
+          </a:p>
+        </p:txBody>
+      </p:sp>
+      <p:sp>
+        <p:nvSpPr>
+          <p:cNvPr id="72" name="Left Brace 71">
+            <a:extLst>
+              <a:ext uri="{FF2B5EF4-FFF2-40B4-BE49-F238E27FC236}">
+                <a16:creationId xmlns:a16="http://schemas.microsoft.com/office/drawing/2014/main" id="{3A261E5E-C14F-4261-AA75-ADA0CA3D7873}"/>
+              </a:ext>
+            </a:extLst>
+          </p:cNvPr>
+          <p:cNvSpPr/>
+          <p:nvPr/>
+        </p:nvSpPr>
+        <p:spPr>
+          <a:xfrm rot="5400000">
+            <a:off x="2034655" y="2210752"/>
+            <a:ext cx="228824" cy="1092556"/>
+          </a:xfrm>
+          <a:prstGeom prst="leftBrace">
+            <a:avLst>
+              <a:gd name="adj1" fmla="val 26975"/>
+              <a:gd name="adj2" fmla="val 50000"/>
+            </a:avLst>
+          </a:prstGeom>
+          <a:ln>
+            <a:solidFill>
+              <a:schemeClr val="tx1"/>
+            </a:solidFill>
+          </a:ln>
+        </p:spPr>
+        <p:style>
+          <a:lnRef idx="1">
+            <a:schemeClr val="accent1"/>
+          </a:lnRef>
+          <a:fillRef idx="0">
+            <a:schemeClr val="accent1"/>
+          </a:fillRef>
+          <a:effectRef idx="0">
+            <a:schemeClr val="accent1"/>
+          </a:effectRef>
+          <a:fontRef idx="minor">
+            <a:schemeClr val="tx1"/>
+          </a:fontRef>
+        </p:style>
+        <p:txBody>
+          <a:bodyPr rtlCol="0" anchor="ctr"/>
+          <a:lstStyle/>
+          <a:p>
+            <a:pPr algn="ctr"/>
+            <a:endParaRPr lang="en-US" sz="1350"/>
+          </a:p>
+        </p:txBody>
+      </p:sp>
+      <p:sp>
+        <p:nvSpPr>
+          <p:cNvPr id="73" name="Left Brace 72">
+            <a:extLst>
+              <a:ext uri="{FF2B5EF4-FFF2-40B4-BE49-F238E27FC236}">
+                <a16:creationId xmlns:a16="http://schemas.microsoft.com/office/drawing/2014/main" id="{DE1D6680-4235-446D-9E60-FC6DB4F40F77}"/>
+              </a:ext>
+            </a:extLst>
+          </p:cNvPr>
+          <p:cNvSpPr/>
+          <p:nvPr/>
+        </p:nvSpPr>
+        <p:spPr>
+          <a:xfrm rot="5400000">
+            <a:off x="2995417" y="2342546"/>
+            <a:ext cx="228824" cy="828969"/>
+          </a:xfrm>
+          <a:prstGeom prst="leftBrace">
+            <a:avLst>
+              <a:gd name="adj1" fmla="val 26975"/>
+              <a:gd name="adj2" fmla="val 50000"/>
+            </a:avLst>
+          </a:prstGeom>
+          <a:ln>
+            <a:solidFill>
+              <a:schemeClr val="tx1"/>
+            </a:solidFill>
+          </a:ln>
+        </p:spPr>
+        <p:style>
+          <a:lnRef idx="1">
+            <a:schemeClr val="accent1"/>
+          </a:lnRef>
+          <a:fillRef idx="0">
+            <a:schemeClr val="accent1"/>
+          </a:fillRef>
+          <a:effectRef idx="0">
+            <a:schemeClr val="accent1"/>
+          </a:effectRef>
+          <a:fontRef idx="minor">
+            <a:schemeClr val="tx1"/>
+          </a:fontRef>
+        </p:style>
+        <p:txBody>
+          <a:bodyPr rtlCol="0" anchor="ctr"/>
+          <a:lstStyle/>
+          <a:p>
+            <a:pPr algn="ctr"/>
+            <a:endParaRPr lang="en-US" sz="1350"/>
+          </a:p>
+        </p:txBody>
+      </p:sp>
+      <p:sp>
+        <p:nvSpPr>
+          <p:cNvPr id="75" name="TextBox 74">
+            <a:extLst>
+              <a:ext uri="{FF2B5EF4-FFF2-40B4-BE49-F238E27FC236}">
+                <a16:creationId xmlns:a16="http://schemas.microsoft.com/office/drawing/2014/main" id="{CD3DC52C-AA1F-4026-B467-05474038E5F0}"/>
+              </a:ext>
+            </a:extLst>
+          </p:cNvPr>
+          <p:cNvSpPr txBox="1"/>
+          <p:nvPr/>
+        </p:nvSpPr>
+        <p:spPr>
+          <a:xfrm>
+            <a:off x="1056716" y="1969455"/>
+            <a:ext cx="3515283" cy="230832"/>
+          </a:xfrm>
+          <a:prstGeom prst="rect">
+            <a:avLst/>
+          </a:prstGeom>
+          <a:noFill/>
+        </p:spPr>
+        <p:txBody>
+          <a:bodyPr wrap="square" rtlCol="0">
+            <a:spAutoFit/>
+          </a:bodyPr>
+          <a:lstStyle/>
+          <a:p>
+            <a:pPr algn="ctr"/>
+            <a:r>
+              <a:rPr lang="en-US" sz="900" b="1" u="sng" dirty="0">
+                <a:latin typeface="Arial" panose="020B0604020202020204" pitchFamily="34" charset="0"/>
+                <a:cs typeface="Arial" panose="020B0604020202020204" pitchFamily="34" charset="0"/>
+              </a:rPr>
+              <a:t>Example Pressure Source Driver</a:t>
+            </a:r>
+          </a:p>
+        </p:txBody>
+      </p:sp>
+      <p:sp>
+        <p:nvSpPr>
+          <p:cNvPr id="76" name="TextBox 75">
+            <a:extLst>
+              <a:ext uri="{FF2B5EF4-FFF2-40B4-BE49-F238E27FC236}">
+                <a16:creationId xmlns:a16="http://schemas.microsoft.com/office/drawing/2014/main" id="{571A3BC0-C5C4-43AD-80B0-4E9EAE7AC2AB}"/>
+              </a:ext>
+            </a:extLst>
+          </p:cNvPr>
+          <p:cNvSpPr txBox="1"/>
+          <p:nvPr/>
+        </p:nvSpPr>
+        <p:spPr>
+          <a:xfrm>
+            <a:off x="3235578" y="2914427"/>
+            <a:ext cx="574298" cy="369332"/>
+          </a:xfrm>
+          <a:prstGeom prst="rect">
+            <a:avLst/>
+          </a:prstGeom>
+          <a:noFill/>
+        </p:spPr>
+        <p:txBody>
+          <a:bodyPr wrap="square" rtlCol="0">
+            <a:spAutoFit/>
+          </a:bodyPr>
+          <a:lstStyle/>
+          <a:p>
+            <a:pPr algn="ctr"/>
+            <a:r>
+              <a:rPr lang="en-US" sz="900" dirty="0">
+                <a:latin typeface="Arial" panose="020B0604020202020204" pitchFamily="34" charset="0"/>
+                <a:cs typeface="Arial" panose="020B0604020202020204" pitchFamily="34" charset="0"/>
+              </a:rPr>
+              <a:t>[3a] Trigger</a:t>
+            </a:r>
+          </a:p>
+        </p:txBody>
+      </p:sp>
+      <p:cxnSp>
+        <p:nvCxnSpPr>
+          <p:cNvPr id="31" name="Straight Connector 30">
+            <a:extLst>
+              <a:ext uri="{FF2B5EF4-FFF2-40B4-BE49-F238E27FC236}">
+                <a16:creationId xmlns:a16="http://schemas.microsoft.com/office/drawing/2014/main" id="{0AF0C87A-1420-48F3-A273-E064D0098E5A}"/>
+              </a:ext>
+            </a:extLst>
+          </p:cNvPr>
+          <p:cNvCxnSpPr>
+            <a:cxnSpLocks/>
+          </p:cNvCxnSpPr>
+          <p:nvPr/>
+        </p:nvCxnSpPr>
+        <p:spPr>
+          <a:xfrm>
+            <a:off x="1606626" y="3474395"/>
+            <a:ext cx="605765" cy="0"/>
+          </a:xfrm>
+          <a:prstGeom prst="line">
+            <a:avLst/>
+          </a:prstGeom>
+          <a:ln w="12700">
+            <a:solidFill>
+              <a:schemeClr val="tx1"/>
+            </a:solidFill>
+            <a:headEnd type="arrow" w="lg" len="lg"/>
+            <a:tailEnd type="arrow" w="lg" len="lg"/>
+          </a:ln>
+        </p:spPr>
+        <p:style>
+          <a:lnRef idx="1">
+            <a:schemeClr val="accent1"/>
+          </a:lnRef>
+          <a:fillRef idx="0">
+            <a:schemeClr val="accent1"/>
+          </a:fillRef>
+          <a:effectRef idx="0">
+            <a:schemeClr val="accent1"/>
+          </a:effectRef>
+          <a:fontRef idx="minor">
+            <a:schemeClr val="tx1"/>
+          </a:fontRef>
+        </p:style>
+      </p:cxnSp>
     </p:spTree>
     <p:extLst>
       <p:ext uri="{BB962C8B-B14F-4D97-AF65-F5344CB8AC3E}">
-        <p14:creationId xmlns:p14="http://schemas.microsoft.com/office/powerpoint/2010/main" val="632092309"/>
+        <p14:creationId xmlns:p14="http://schemas.microsoft.com/office/powerpoint/2010/main" val="1622783818"/>
+      </p:ext>
+    </p:extLst>
+  </p:cSld>
+  <p:clrMapOvr>
+    <a:masterClrMapping/>
+  </p:clrMapOvr>
+</p:sld>
+</file>
+
+<file path=ppt/slides/slide3.xml><?xml version="1.0" encoding="utf-8"?>
+<p:sld xmlns:a="http://schemas.openxmlformats.org/drawingml/2006/main" xmlns:r="http://schemas.openxmlformats.org/officeDocument/2006/relationships" xmlns:p="http://schemas.openxmlformats.org/presentationml/2006/main">
+  <p:cSld>
+    <p:spTree>
+      <p:nvGrpSpPr>
+        <p:cNvPr id="1" name=""/>
+        <p:cNvGrpSpPr/>
+        <p:nvPr/>
+      </p:nvGrpSpPr>
+      <p:grpSpPr>
+        <a:xfrm>
+          <a:off x="0" y="0"/>
+          <a:ext cx="0" cy="0"/>
+          <a:chOff x="0" y="0"/>
+          <a:chExt cx="0" cy="0"/>
+        </a:xfrm>
+      </p:grpSpPr>
+      <p:pic>
+        <p:nvPicPr>
+          <p:cNvPr id="2" name="Picture 1">
+            <a:extLst>
+              <a:ext uri="{FF2B5EF4-FFF2-40B4-BE49-F238E27FC236}">
+                <a16:creationId xmlns:a16="http://schemas.microsoft.com/office/drawing/2014/main" id="{051C7D85-D3A3-497F-B1C5-20DDB02FF641}"/>
+              </a:ext>
+            </a:extLst>
+          </p:cNvPr>
+          <p:cNvPicPr>
+            <a:picLocks noChangeAspect="1"/>
+          </p:cNvPicPr>
+          <p:nvPr/>
+        </p:nvPicPr>
+        <p:blipFill>
+          <a:blip r:embed="rId2"/>
+          <a:stretch>
+            <a:fillRect/>
+          </a:stretch>
+        </p:blipFill>
+        <p:spPr>
+          <a:xfrm>
+            <a:off x="114731" y="1660804"/>
+            <a:ext cx="3529890" cy="3040643"/>
+          </a:xfrm>
+          <a:prstGeom prst="rect">
+            <a:avLst/>
+          </a:prstGeom>
+          <a:ln w="12700">
+            <a:solidFill>
+              <a:schemeClr val="tx1"/>
+            </a:solidFill>
+          </a:ln>
+        </p:spPr>
+      </p:pic>
+      <p:pic>
+        <p:nvPicPr>
+          <p:cNvPr id="4" name="Picture 3">
+            <a:extLst>
+              <a:ext uri="{FF2B5EF4-FFF2-40B4-BE49-F238E27FC236}">
+                <a16:creationId xmlns:a16="http://schemas.microsoft.com/office/drawing/2014/main" id="{E9F26F49-768C-4D45-9EEA-07BF79DD34D9}"/>
+              </a:ext>
+            </a:extLst>
+          </p:cNvPr>
+          <p:cNvPicPr>
+            <a:picLocks noChangeAspect="1"/>
+          </p:cNvPicPr>
+          <p:nvPr/>
+        </p:nvPicPr>
+        <p:blipFill rotWithShape="1">
+          <a:blip r:embed="rId3"/>
+          <a:srcRect r="12980" b="2576"/>
+          <a:stretch/>
+        </p:blipFill>
+        <p:spPr>
+          <a:xfrm>
+            <a:off x="3657015" y="1107206"/>
+            <a:ext cx="4076827" cy="4643588"/>
+          </a:xfrm>
+          <a:prstGeom prst="rect">
+            <a:avLst/>
+          </a:prstGeom>
+        </p:spPr>
+      </p:pic>
+      <p:cxnSp>
+        <p:nvCxnSpPr>
+          <p:cNvPr id="6" name="Straight Connector 5">
+            <a:extLst>
+              <a:ext uri="{FF2B5EF4-FFF2-40B4-BE49-F238E27FC236}">
+                <a16:creationId xmlns:a16="http://schemas.microsoft.com/office/drawing/2014/main" id="{30B30500-46DD-40B4-A4BD-6B654FF95879}"/>
+              </a:ext>
+            </a:extLst>
+          </p:cNvPr>
+          <p:cNvCxnSpPr>
+            <a:cxnSpLocks/>
+          </p:cNvCxnSpPr>
+          <p:nvPr/>
+        </p:nvCxnSpPr>
+        <p:spPr>
+          <a:xfrm flipV="1">
+            <a:off x="3648752" y="2030546"/>
+            <a:ext cx="1788073" cy="322245"/>
+          </a:xfrm>
+          <a:prstGeom prst="line">
+            <a:avLst/>
+          </a:prstGeom>
+          <a:ln w="12700">
+            <a:solidFill>
+              <a:schemeClr val="tx1"/>
+            </a:solidFill>
+            <a:tailEnd type="arrow" w="lg" len="lg"/>
+          </a:ln>
+        </p:spPr>
+        <p:style>
+          <a:lnRef idx="1">
+            <a:schemeClr val="accent1"/>
+          </a:lnRef>
+          <a:fillRef idx="0">
+            <a:schemeClr val="accent1"/>
+          </a:fillRef>
+          <a:effectRef idx="0">
+            <a:schemeClr val="accent1"/>
+          </a:effectRef>
+          <a:fontRef idx="minor">
+            <a:schemeClr val="tx1"/>
+          </a:fontRef>
+        </p:style>
+      </p:cxnSp>
+      <p:sp>
+        <p:nvSpPr>
+          <p:cNvPr id="11" name="Rectangle 10">
+            <a:extLst>
+              <a:ext uri="{FF2B5EF4-FFF2-40B4-BE49-F238E27FC236}">
+                <a16:creationId xmlns:a16="http://schemas.microsoft.com/office/drawing/2014/main" id="{5F132B8E-5501-44C8-971B-5E46CF3C3196}"/>
+              </a:ext>
+            </a:extLst>
+          </p:cNvPr>
+          <p:cNvSpPr/>
+          <p:nvPr/>
+        </p:nvSpPr>
+        <p:spPr>
+          <a:xfrm>
+            <a:off x="6015211" y="1592626"/>
+            <a:ext cx="1718631" cy="793214"/>
+          </a:xfrm>
+          <a:prstGeom prst="rect">
+            <a:avLst/>
+          </a:prstGeom>
+          <a:solidFill>
+            <a:schemeClr val="bg1"/>
+          </a:solidFill>
+          <a:ln>
+            <a:noFill/>
+          </a:ln>
+        </p:spPr>
+        <p:style>
+          <a:lnRef idx="2">
+            <a:schemeClr val="accent1">
+              <a:shade val="50000"/>
+            </a:schemeClr>
+          </a:lnRef>
+          <a:fillRef idx="1">
+            <a:schemeClr val="accent1"/>
+          </a:fillRef>
+          <a:effectRef idx="0">
+            <a:schemeClr val="accent1"/>
+          </a:effectRef>
+          <a:fontRef idx="minor">
+            <a:schemeClr val="lt1"/>
+          </a:fontRef>
+        </p:style>
+        <p:txBody>
+          <a:bodyPr rtlCol="0" anchor="ctr"/>
+          <a:lstStyle/>
+          <a:p>
+            <a:pPr algn="ctr"/>
+            <a:endParaRPr lang="en-US" sz="1350"/>
+          </a:p>
+        </p:txBody>
+      </p:sp>
+      <p:pic>
+        <p:nvPicPr>
+          <p:cNvPr id="10" name="Picture 9">
+            <a:extLst>
+              <a:ext uri="{FF2B5EF4-FFF2-40B4-BE49-F238E27FC236}">
+                <a16:creationId xmlns:a16="http://schemas.microsoft.com/office/drawing/2014/main" id="{D8F5F9A8-06F5-4E80-9E53-0D42BAE623A4}"/>
+              </a:ext>
+            </a:extLst>
+          </p:cNvPr>
+          <p:cNvPicPr>
+            <a:picLocks noChangeAspect="1"/>
+          </p:cNvPicPr>
+          <p:nvPr/>
+        </p:nvPicPr>
+        <p:blipFill rotWithShape="1">
+          <a:blip r:embed="rId3"/>
+          <a:srcRect l="81201" t="12004" b="73087"/>
+          <a:stretch/>
+        </p:blipFill>
+        <p:spPr>
+          <a:xfrm>
+            <a:off x="6280547" y="1642202"/>
+            <a:ext cx="880728" cy="710589"/>
+          </a:xfrm>
+          <a:prstGeom prst="rect">
+            <a:avLst/>
+          </a:prstGeom>
+        </p:spPr>
+      </p:pic>
+      <p:pic>
+        <p:nvPicPr>
+          <p:cNvPr id="12" name="Picture 11">
+            <a:extLst>
+              <a:ext uri="{FF2B5EF4-FFF2-40B4-BE49-F238E27FC236}">
+                <a16:creationId xmlns:a16="http://schemas.microsoft.com/office/drawing/2014/main" id="{DF7845E3-DB0C-45F2-9583-CB03A855CE7B}"/>
+              </a:ext>
+            </a:extLst>
+          </p:cNvPr>
+          <p:cNvPicPr>
+            <a:picLocks noChangeAspect="1"/>
+          </p:cNvPicPr>
+          <p:nvPr/>
+        </p:nvPicPr>
+        <p:blipFill rotWithShape="1">
+          <a:blip r:embed="rId3"/>
+          <a:srcRect l="81201" b="91809"/>
+          <a:stretch/>
+        </p:blipFill>
+        <p:spPr>
+          <a:xfrm>
+            <a:off x="6280547" y="1301389"/>
+            <a:ext cx="880728" cy="390389"/>
+          </a:xfrm>
+          <a:prstGeom prst="rect">
+            <a:avLst/>
+          </a:prstGeom>
+        </p:spPr>
+      </p:pic>
+      <p:sp>
+        <p:nvSpPr>
+          <p:cNvPr id="13" name="TextBox 12">
+            <a:extLst>
+              <a:ext uri="{FF2B5EF4-FFF2-40B4-BE49-F238E27FC236}">
+                <a16:creationId xmlns:a16="http://schemas.microsoft.com/office/drawing/2014/main" id="{1B7CA7C6-3B00-4B14-8069-C2A125FF627B}"/>
+              </a:ext>
+            </a:extLst>
+          </p:cNvPr>
+          <p:cNvSpPr txBox="1"/>
+          <p:nvPr/>
+        </p:nvSpPr>
+        <p:spPr>
+          <a:xfrm>
+            <a:off x="6014364" y="1919882"/>
+            <a:ext cx="300083" cy="230832"/>
+          </a:xfrm>
+          <a:prstGeom prst="rect">
+            <a:avLst/>
+          </a:prstGeom>
+          <a:noFill/>
+        </p:spPr>
+        <p:txBody>
+          <a:bodyPr wrap="none" rtlCol="0">
+            <a:spAutoFit/>
+          </a:bodyPr>
+          <a:lstStyle/>
+          <a:p>
+            <a:pPr algn="ctr"/>
+            <a:r>
+              <a:rPr lang="en-US" sz="900" b="1" dirty="0">
+                <a:latin typeface="Arial" panose="020B0604020202020204" pitchFamily="34" charset="0"/>
+                <a:cs typeface="Arial" panose="020B0604020202020204" pitchFamily="34" charset="0"/>
+              </a:rPr>
+              <a:t>or</a:t>
+            </a:r>
+          </a:p>
+        </p:txBody>
+      </p:sp>
+      <p:sp>
+        <p:nvSpPr>
+          <p:cNvPr id="3" name="Oval 2">
+            <a:extLst>
+              <a:ext uri="{FF2B5EF4-FFF2-40B4-BE49-F238E27FC236}">
+                <a16:creationId xmlns:a16="http://schemas.microsoft.com/office/drawing/2014/main" id="{00943A94-CB28-481B-9FF3-4101E57949A5}"/>
+              </a:ext>
+            </a:extLst>
+          </p:cNvPr>
+          <p:cNvSpPr/>
+          <p:nvPr/>
+        </p:nvSpPr>
+        <p:spPr>
+          <a:xfrm>
+            <a:off x="6443579" y="1835191"/>
+            <a:ext cx="388344" cy="404870"/>
+          </a:xfrm>
+          <a:prstGeom prst="ellipse">
+            <a:avLst/>
+          </a:prstGeom>
+          <a:solidFill>
+            <a:schemeClr val="bg1"/>
+          </a:solidFill>
+          <a:ln>
+            <a:noFill/>
+          </a:ln>
+        </p:spPr>
+        <p:style>
+          <a:lnRef idx="2">
+            <a:schemeClr val="accent1">
+              <a:shade val="50000"/>
+            </a:schemeClr>
+          </a:lnRef>
+          <a:fillRef idx="1">
+            <a:schemeClr val="accent1"/>
+          </a:fillRef>
+          <a:effectRef idx="0">
+            <a:schemeClr val="accent1"/>
+          </a:effectRef>
+          <a:fontRef idx="minor">
+            <a:schemeClr val="lt1"/>
+          </a:fontRef>
+        </p:style>
+        <p:txBody>
+          <a:bodyPr rtlCol="0" anchor="ctr"/>
+          <a:lstStyle/>
+          <a:p>
+            <a:pPr algn="ctr"/>
+            <a:endParaRPr lang="en-US" sz="1350"/>
+          </a:p>
+        </p:txBody>
+      </p:sp>
+      <p:cxnSp>
+        <p:nvCxnSpPr>
+          <p:cNvPr id="7" name="Straight Arrow Connector 6">
+            <a:extLst>
+              <a:ext uri="{FF2B5EF4-FFF2-40B4-BE49-F238E27FC236}">
+                <a16:creationId xmlns:a16="http://schemas.microsoft.com/office/drawing/2014/main" id="{E98E0567-B1B9-4314-9EBE-B577AA29AEBA}"/>
+              </a:ext>
+            </a:extLst>
+          </p:cNvPr>
+          <p:cNvCxnSpPr/>
+          <p:nvPr/>
+        </p:nvCxnSpPr>
+        <p:spPr>
+          <a:xfrm>
+            <a:off x="6646014" y="1896291"/>
+            <a:ext cx="0" cy="287116"/>
+          </a:xfrm>
+          <a:prstGeom prst="straightConnector1">
+            <a:avLst/>
+          </a:prstGeom>
+          <a:ln w="12700">
+            <a:solidFill>
+              <a:schemeClr val="tx1"/>
+            </a:solidFill>
+            <a:tailEnd type="arrow" w="lg" len="lg"/>
+          </a:ln>
+        </p:spPr>
+        <p:style>
+          <a:lnRef idx="1">
+            <a:schemeClr val="accent1"/>
+          </a:lnRef>
+          <a:fillRef idx="0">
+            <a:schemeClr val="accent1"/>
+          </a:fillRef>
+          <a:effectRef idx="0">
+            <a:schemeClr val="accent1"/>
+          </a:effectRef>
+          <a:fontRef idx="minor">
+            <a:schemeClr val="tx1"/>
+          </a:fontRef>
+        </p:style>
+      </p:cxnSp>
+      <p:sp>
+        <p:nvSpPr>
+          <p:cNvPr id="14" name="TextBox 13">
+            <a:extLst>
+              <a:ext uri="{FF2B5EF4-FFF2-40B4-BE49-F238E27FC236}">
+                <a16:creationId xmlns:a16="http://schemas.microsoft.com/office/drawing/2014/main" id="{071EE82C-D5CD-4ACB-A832-730EB5051E54}"/>
+              </a:ext>
+            </a:extLst>
+          </p:cNvPr>
+          <p:cNvSpPr txBox="1"/>
+          <p:nvPr/>
+        </p:nvSpPr>
+        <p:spPr>
+          <a:xfrm>
+            <a:off x="5424772" y="5141001"/>
+            <a:ext cx="477983" cy="230832"/>
+          </a:xfrm>
+          <a:prstGeom prst="rect">
+            <a:avLst/>
+          </a:prstGeom>
+          <a:noFill/>
+        </p:spPr>
+        <p:txBody>
+          <a:bodyPr wrap="square" rtlCol="0">
+            <a:spAutoFit/>
+          </a:bodyPr>
+          <a:lstStyle/>
+          <a:p>
+            <a:pPr algn="ctr"/>
+            <a:r>
+              <a:rPr lang="en-US" sz="900" dirty="0">
+                <a:latin typeface="Arial" panose="020B0604020202020204" pitchFamily="34" charset="0"/>
+                <a:cs typeface="Arial" panose="020B0604020202020204" pitchFamily="34" charset="0"/>
+              </a:rPr>
+              <a:t>[1]</a:t>
+            </a:r>
+          </a:p>
+        </p:txBody>
+      </p:sp>
+      <p:sp>
+        <p:nvSpPr>
+          <p:cNvPr id="15" name="TextBox 14">
+            <a:extLst>
+              <a:ext uri="{FF2B5EF4-FFF2-40B4-BE49-F238E27FC236}">
+                <a16:creationId xmlns:a16="http://schemas.microsoft.com/office/drawing/2014/main" id="{DBDA2228-0D4C-4D29-8076-82094A6DA86D}"/>
+              </a:ext>
+            </a:extLst>
+          </p:cNvPr>
+          <p:cNvSpPr txBox="1"/>
+          <p:nvPr/>
+        </p:nvSpPr>
+        <p:spPr>
+          <a:xfrm>
+            <a:off x="5630713" y="2461064"/>
+            <a:ext cx="477983" cy="230832"/>
+          </a:xfrm>
+          <a:prstGeom prst="rect">
+            <a:avLst/>
+          </a:prstGeom>
+          <a:noFill/>
+        </p:spPr>
+        <p:txBody>
+          <a:bodyPr wrap="square" rtlCol="0">
+            <a:spAutoFit/>
+          </a:bodyPr>
+          <a:lstStyle/>
+          <a:p>
+            <a:pPr algn="ctr"/>
+            <a:r>
+              <a:rPr lang="en-US" sz="900" dirty="0">
+                <a:latin typeface="Arial" panose="020B0604020202020204" pitchFamily="34" charset="0"/>
+                <a:cs typeface="Arial" panose="020B0604020202020204" pitchFamily="34" charset="0"/>
+              </a:rPr>
+              <a:t>[5]</a:t>
+            </a:r>
+          </a:p>
+        </p:txBody>
+      </p:sp>
+      <p:sp>
+        <p:nvSpPr>
+          <p:cNvPr id="16" name="TextBox 15">
+            <a:extLst>
+              <a:ext uri="{FF2B5EF4-FFF2-40B4-BE49-F238E27FC236}">
+                <a16:creationId xmlns:a16="http://schemas.microsoft.com/office/drawing/2014/main" id="{3D4D5A18-5C6F-42E6-9F3E-C9E57CB7EC79}"/>
+              </a:ext>
+            </a:extLst>
+          </p:cNvPr>
+          <p:cNvSpPr txBox="1"/>
+          <p:nvPr/>
+        </p:nvSpPr>
+        <p:spPr>
+          <a:xfrm>
+            <a:off x="4874964" y="3961826"/>
+            <a:ext cx="477983" cy="230832"/>
+          </a:xfrm>
+          <a:prstGeom prst="rect">
+            <a:avLst/>
+          </a:prstGeom>
+          <a:noFill/>
+        </p:spPr>
+        <p:txBody>
+          <a:bodyPr wrap="square" rtlCol="0">
+            <a:spAutoFit/>
+          </a:bodyPr>
+          <a:lstStyle/>
+          <a:p>
+            <a:pPr algn="ctr"/>
+            <a:r>
+              <a:rPr lang="en-US" sz="900" dirty="0">
+                <a:latin typeface="Arial" panose="020B0604020202020204" pitchFamily="34" charset="0"/>
+                <a:cs typeface="Arial" panose="020B0604020202020204" pitchFamily="34" charset="0"/>
+              </a:rPr>
+              <a:t>[6a]</a:t>
+            </a:r>
+          </a:p>
+        </p:txBody>
+      </p:sp>
+      <p:sp>
+        <p:nvSpPr>
+          <p:cNvPr id="17" name="TextBox 16">
+            <a:extLst>
+              <a:ext uri="{FF2B5EF4-FFF2-40B4-BE49-F238E27FC236}">
+                <a16:creationId xmlns:a16="http://schemas.microsoft.com/office/drawing/2014/main" id="{8017641C-7EFF-4F0C-9D17-12EA8342CF46}"/>
+              </a:ext>
+            </a:extLst>
+          </p:cNvPr>
+          <p:cNvSpPr txBox="1"/>
+          <p:nvPr/>
+        </p:nvSpPr>
+        <p:spPr>
+          <a:xfrm>
+            <a:off x="4874964" y="2846100"/>
+            <a:ext cx="477983" cy="230832"/>
+          </a:xfrm>
+          <a:prstGeom prst="rect">
+            <a:avLst/>
+          </a:prstGeom>
+          <a:noFill/>
+        </p:spPr>
+        <p:txBody>
+          <a:bodyPr wrap="square" rtlCol="0">
+            <a:spAutoFit/>
+          </a:bodyPr>
+          <a:lstStyle/>
+          <a:p>
+            <a:pPr algn="ctr"/>
+            <a:r>
+              <a:rPr lang="en-US" sz="900" dirty="0">
+                <a:latin typeface="Arial" panose="020B0604020202020204" pitchFamily="34" charset="0"/>
+                <a:cs typeface="Arial" panose="020B0604020202020204" pitchFamily="34" charset="0"/>
+              </a:rPr>
+              <a:t>[6b]</a:t>
+            </a:r>
+          </a:p>
+        </p:txBody>
+      </p:sp>
+      <p:sp>
+        <p:nvSpPr>
+          <p:cNvPr id="18" name="TextBox 17">
+            <a:extLst>
+              <a:ext uri="{FF2B5EF4-FFF2-40B4-BE49-F238E27FC236}">
+                <a16:creationId xmlns:a16="http://schemas.microsoft.com/office/drawing/2014/main" id="{998E6B5A-8AC6-49D6-96FB-246533B679C8}"/>
+              </a:ext>
+            </a:extLst>
+          </p:cNvPr>
+          <p:cNvSpPr txBox="1"/>
+          <p:nvPr/>
+        </p:nvSpPr>
+        <p:spPr>
+          <a:xfrm>
+            <a:off x="6159769" y="3961826"/>
+            <a:ext cx="477983" cy="230832"/>
+          </a:xfrm>
+          <a:prstGeom prst="rect">
+            <a:avLst/>
+          </a:prstGeom>
+          <a:noFill/>
+        </p:spPr>
+        <p:txBody>
+          <a:bodyPr wrap="square" rtlCol="0">
+            <a:spAutoFit/>
+          </a:bodyPr>
+          <a:lstStyle/>
+          <a:p>
+            <a:pPr algn="ctr"/>
+            <a:r>
+              <a:rPr lang="en-US" sz="900" dirty="0">
+                <a:latin typeface="Arial" panose="020B0604020202020204" pitchFamily="34" charset="0"/>
+                <a:cs typeface="Arial" panose="020B0604020202020204" pitchFamily="34" charset="0"/>
+              </a:rPr>
+              <a:t>[6c]</a:t>
+            </a:r>
+          </a:p>
+        </p:txBody>
+      </p:sp>
+      <p:sp>
+        <p:nvSpPr>
+          <p:cNvPr id="19" name="TextBox 18">
+            <a:extLst>
+              <a:ext uri="{FF2B5EF4-FFF2-40B4-BE49-F238E27FC236}">
+                <a16:creationId xmlns:a16="http://schemas.microsoft.com/office/drawing/2014/main" id="{1987D1CE-A7CA-4F5F-A484-F2B021C64C29}"/>
+              </a:ext>
+            </a:extLst>
+          </p:cNvPr>
+          <p:cNvSpPr txBox="1"/>
+          <p:nvPr/>
+        </p:nvSpPr>
+        <p:spPr>
+          <a:xfrm>
+            <a:off x="6159769" y="2850324"/>
+            <a:ext cx="477983" cy="230832"/>
+          </a:xfrm>
+          <a:prstGeom prst="rect">
+            <a:avLst/>
+          </a:prstGeom>
+          <a:noFill/>
+        </p:spPr>
+        <p:txBody>
+          <a:bodyPr wrap="square" rtlCol="0">
+            <a:spAutoFit/>
+          </a:bodyPr>
+          <a:lstStyle/>
+          <a:p>
+            <a:pPr algn="ctr"/>
+            <a:r>
+              <a:rPr lang="en-US" sz="900" dirty="0">
+                <a:latin typeface="Arial" panose="020B0604020202020204" pitchFamily="34" charset="0"/>
+                <a:cs typeface="Arial" panose="020B0604020202020204" pitchFamily="34" charset="0"/>
+              </a:rPr>
+              <a:t>[6d]</a:t>
+            </a:r>
+          </a:p>
+        </p:txBody>
+      </p:sp>
+      <p:sp>
+        <p:nvSpPr>
+          <p:cNvPr id="20" name="TextBox 19">
+            <a:extLst>
+              <a:ext uri="{FF2B5EF4-FFF2-40B4-BE49-F238E27FC236}">
+                <a16:creationId xmlns:a16="http://schemas.microsoft.com/office/drawing/2014/main" id="{DCFA3CBC-D628-4573-A218-609420B40E81}"/>
+              </a:ext>
+            </a:extLst>
+          </p:cNvPr>
+          <p:cNvSpPr txBox="1"/>
+          <p:nvPr/>
+        </p:nvSpPr>
+        <p:spPr>
+          <a:xfrm>
+            <a:off x="4063138" y="4169575"/>
+            <a:ext cx="477983" cy="230832"/>
+          </a:xfrm>
+          <a:prstGeom prst="rect">
+            <a:avLst/>
+          </a:prstGeom>
+          <a:noFill/>
+        </p:spPr>
+        <p:txBody>
+          <a:bodyPr wrap="square" rtlCol="0">
+            <a:spAutoFit/>
+          </a:bodyPr>
+          <a:lstStyle/>
+          <a:p>
+            <a:pPr algn="ctr"/>
+            <a:r>
+              <a:rPr lang="en-US" sz="900" dirty="0">
+                <a:latin typeface="Arial" panose="020B0604020202020204" pitchFamily="34" charset="0"/>
+                <a:cs typeface="Arial" panose="020B0604020202020204" pitchFamily="34" charset="0"/>
+              </a:rPr>
+              <a:t>[7a]</a:t>
+            </a:r>
+          </a:p>
+        </p:txBody>
+      </p:sp>
+      <p:sp>
+        <p:nvSpPr>
+          <p:cNvPr id="21" name="TextBox 20">
+            <a:extLst>
+              <a:ext uri="{FF2B5EF4-FFF2-40B4-BE49-F238E27FC236}">
+                <a16:creationId xmlns:a16="http://schemas.microsoft.com/office/drawing/2014/main" id="{7E7C1199-1E28-4A1C-B928-4A627BC52408}"/>
+              </a:ext>
+            </a:extLst>
+          </p:cNvPr>
+          <p:cNvSpPr txBox="1"/>
+          <p:nvPr/>
+        </p:nvSpPr>
+        <p:spPr>
+          <a:xfrm>
+            <a:off x="4063138" y="2618660"/>
+            <a:ext cx="477983" cy="230832"/>
+          </a:xfrm>
+          <a:prstGeom prst="rect">
+            <a:avLst/>
+          </a:prstGeom>
+          <a:noFill/>
+        </p:spPr>
+        <p:txBody>
+          <a:bodyPr wrap="square" rtlCol="0">
+            <a:spAutoFit/>
+          </a:bodyPr>
+          <a:lstStyle/>
+          <a:p>
+            <a:pPr algn="ctr"/>
+            <a:r>
+              <a:rPr lang="en-US" sz="900" dirty="0">
+                <a:latin typeface="Arial" panose="020B0604020202020204" pitchFamily="34" charset="0"/>
+                <a:cs typeface="Arial" panose="020B0604020202020204" pitchFamily="34" charset="0"/>
+              </a:rPr>
+              <a:t>[7b]</a:t>
+            </a:r>
+          </a:p>
+        </p:txBody>
+      </p:sp>
+      <p:sp>
+        <p:nvSpPr>
+          <p:cNvPr id="22" name="TextBox 21">
+            <a:extLst>
+              <a:ext uri="{FF2B5EF4-FFF2-40B4-BE49-F238E27FC236}">
+                <a16:creationId xmlns:a16="http://schemas.microsoft.com/office/drawing/2014/main" id="{4CDD8426-0231-4B39-BB30-4788F237C76E}"/>
+              </a:ext>
+            </a:extLst>
+          </p:cNvPr>
+          <p:cNvSpPr txBox="1"/>
+          <p:nvPr/>
+        </p:nvSpPr>
+        <p:spPr>
+          <a:xfrm>
+            <a:off x="6961156" y="2618659"/>
+            <a:ext cx="477983" cy="230832"/>
+          </a:xfrm>
+          <a:prstGeom prst="rect">
+            <a:avLst/>
+          </a:prstGeom>
+          <a:noFill/>
+        </p:spPr>
+        <p:txBody>
+          <a:bodyPr wrap="square" rtlCol="0">
+            <a:spAutoFit/>
+          </a:bodyPr>
+          <a:lstStyle/>
+          <a:p>
+            <a:pPr algn="ctr"/>
+            <a:r>
+              <a:rPr lang="en-US" sz="900" dirty="0">
+                <a:latin typeface="Arial" panose="020B0604020202020204" pitchFamily="34" charset="0"/>
+                <a:cs typeface="Arial" panose="020B0604020202020204" pitchFamily="34" charset="0"/>
+              </a:rPr>
+              <a:t>[7c]</a:t>
+            </a:r>
+          </a:p>
+        </p:txBody>
+      </p:sp>
+      <p:sp>
+        <p:nvSpPr>
+          <p:cNvPr id="23" name="TextBox 22">
+            <a:extLst>
+              <a:ext uri="{FF2B5EF4-FFF2-40B4-BE49-F238E27FC236}">
+                <a16:creationId xmlns:a16="http://schemas.microsoft.com/office/drawing/2014/main" id="{6EEB26D5-B40C-47DE-A1A2-ECAF45BB1CE4}"/>
+              </a:ext>
+            </a:extLst>
+          </p:cNvPr>
+          <p:cNvSpPr txBox="1"/>
+          <p:nvPr/>
+        </p:nvSpPr>
+        <p:spPr>
+          <a:xfrm>
+            <a:off x="6966591" y="4169574"/>
+            <a:ext cx="477983" cy="230832"/>
+          </a:xfrm>
+          <a:prstGeom prst="rect">
+            <a:avLst/>
+          </a:prstGeom>
+          <a:noFill/>
+        </p:spPr>
+        <p:txBody>
+          <a:bodyPr wrap="square" rtlCol="0">
+            <a:spAutoFit/>
+          </a:bodyPr>
+          <a:lstStyle/>
+          <a:p>
+            <a:pPr algn="ctr"/>
+            <a:r>
+              <a:rPr lang="en-US" sz="900" dirty="0">
+                <a:latin typeface="Arial" panose="020B0604020202020204" pitchFamily="34" charset="0"/>
+                <a:cs typeface="Arial" panose="020B0604020202020204" pitchFamily="34" charset="0"/>
+              </a:rPr>
+              <a:t>[7d]</a:t>
+            </a:r>
+          </a:p>
+        </p:txBody>
+      </p:sp>
+      <p:sp>
+        <p:nvSpPr>
+          <p:cNvPr id="24" name="TextBox 23">
+            <a:extLst>
+              <a:ext uri="{FF2B5EF4-FFF2-40B4-BE49-F238E27FC236}">
+                <a16:creationId xmlns:a16="http://schemas.microsoft.com/office/drawing/2014/main" id="{03AD44DA-7C28-47A5-BFF7-90A54D5BC5ED}"/>
+              </a:ext>
+            </a:extLst>
+          </p:cNvPr>
+          <p:cNvSpPr txBox="1"/>
+          <p:nvPr/>
+        </p:nvSpPr>
+        <p:spPr>
+          <a:xfrm>
+            <a:off x="5676783" y="4285631"/>
+            <a:ext cx="477983" cy="230832"/>
+          </a:xfrm>
+          <a:prstGeom prst="rect">
+            <a:avLst/>
+          </a:prstGeom>
+          <a:noFill/>
+        </p:spPr>
+        <p:txBody>
+          <a:bodyPr wrap="square" rtlCol="0">
+            <a:spAutoFit/>
+          </a:bodyPr>
+          <a:lstStyle/>
+          <a:p>
+            <a:pPr algn="ctr"/>
+            <a:r>
+              <a:rPr lang="en-US" sz="900" dirty="0">
+                <a:latin typeface="Arial" panose="020B0604020202020204" pitchFamily="34" charset="0"/>
+                <a:cs typeface="Arial" panose="020B0604020202020204" pitchFamily="34" charset="0"/>
+              </a:rPr>
+              <a:t>[7e]</a:t>
+            </a:r>
+          </a:p>
+        </p:txBody>
+      </p:sp>
+      <p:sp>
+        <p:nvSpPr>
+          <p:cNvPr id="25" name="TextBox 24">
+            <a:extLst>
+              <a:ext uri="{FF2B5EF4-FFF2-40B4-BE49-F238E27FC236}">
+                <a16:creationId xmlns:a16="http://schemas.microsoft.com/office/drawing/2014/main" id="{306A6534-27BC-4CC7-BC1E-0B373A6B8696}"/>
+              </a:ext>
+            </a:extLst>
+          </p:cNvPr>
+          <p:cNvSpPr txBox="1"/>
+          <p:nvPr/>
+        </p:nvSpPr>
+        <p:spPr>
+          <a:xfrm>
+            <a:off x="5655501" y="4721579"/>
+            <a:ext cx="477983" cy="230832"/>
+          </a:xfrm>
+          <a:prstGeom prst="rect">
+            <a:avLst/>
+          </a:prstGeom>
+          <a:noFill/>
+        </p:spPr>
+        <p:txBody>
+          <a:bodyPr wrap="square" rtlCol="0">
+            <a:spAutoFit/>
+          </a:bodyPr>
+          <a:lstStyle/>
+          <a:p>
+            <a:pPr algn="ctr"/>
+            <a:r>
+              <a:rPr lang="en-US" sz="900" dirty="0">
+                <a:latin typeface="Arial" panose="020B0604020202020204" pitchFamily="34" charset="0"/>
+                <a:cs typeface="Arial" panose="020B0604020202020204" pitchFamily="34" charset="0"/>
+              </a:rPr>
+              <a:t>[7f]</a:t>
+            </a:r>
+          </a:p>
+        </p:txBody>
+      </p:sp>
+      <p:sp>
+        <p:nvSpPr>
+          <p:cNvPr id="26" name="TextBox 25">
+            <a:extLst>
+              <a:ext uri="{FF2B5EF4-FFF2-40B4-BE49-F238E27FC236}">
+                <a16:creationId xmlns:a16="http://schemas.microsoft.com/office/drawing/2014/main" id="{9F4FAA33-88B1-4110-B4EA-C61E17385D84}"/>
+              </a:ext>
+            </a:extLst>
+          </p:cNvPr>
+          <p:cNvSpPr txBox="1"/>
+          <p:nvPr/>
+        </p:nvSpPr>
+        <p:spPr>
+          <a:xfrm>
+            <a:off x="5391721" y="2859719"/>
+            <a:ext cx="477983" cy="230832"/>
+          </a:xfrm>
+          <a:prstGeom prst="rect">
+            <a:avLst/>
+          </a:prstGeom>
+          <a:noFill/>
+        </p:spPr>
+        <p:txBody>
+          <a:bodyPr wrap="square" rtlCol="0">
+            <a:spAutoFit/>
+          </a:bodyPr>
+          <a:lstStyle/>
+          <a:p>
+            <a:pPr algn="ctr"/>
+            <a:r>
+              <a:rPr lang="en-US" sz="900" dirty="0">
+                <a:latin typeface="Arial" panose="020B0604020202020204" pitchFamily="34" charset="0"/>
+                <a:cs typeface="Arial" panose="020B0604020202020204" pitchFamily="34" charset="0"/>
+              </a:rPr>
+              <a:t>[8]</a:t>
+            </a:r>
+          </a:p>
+        </p:txBody>
+      </p:sp>
+      <p:sp>
+        <p:nvSpPr>
+          <p:cNvPr id="27" name="TextBox 26">
+            <a:extLst>
+              <a:ext uri="{FF2B5EF4-FFF2-40B4-BE49-F238E27FC236}">
+                <a16:creationId xmlns:a16="http://schemas.microsoft.com/office/drawing/2014/main" id="{38FB7FB8-7612-4F08-97AE-0F1037434663}"/>
+              </a:ext>
+            </a:extLst>
+          </p:cNvPr>
+          <p:cNvSpPr txBox="1"/>
+          <p:nvPr/>
+        </p:nvSpPr>
+        <p:spPr>
+          <a:xfrm>
+            <a:off x="6481920" y="4682054"/>
+            <a:ext cx="477983" cy="230832"/>
+          </a:xfrm>
+          <a:prstGeom prst="rect">
+            <a:avLst/>
+          </a:prstGeom>
+          <a:noFill/>
+        </p:spPr>
+        <p:txBody>
+          <a:bodyPr wrap="square" rtlCol="0">
+            <a:spAutoFit/>
+          </a:bodyPr>
+          <a:lstStyle/>
+          <a:p>
+            <a:pPr algn="ctr"/>
+            <a:r>
+              <a:rPr lang="en-US" sz="900" dirty="0">
+                <a:latin typeface="Arial" panose="020B0604020202020204" pitchFamily="34" charset="0"/>
+                <a:cs typeface="Arial" panose="020B0604020202020204" pitchFamily="34" charset="0"/>
+              </a:rPr>
+              <a:t>[9]</a:t>
+            </a:r>
+          </a:p>
+        </p:txBody>
+      </p:sp>
+    </p:spTree>
+    <p:extLst>
+      <p:ext uri="{BB962C8B-B14F-4D97-AF65-F5344CB8AC3E}">
+        <p14:creationId xmlns:p14="http://schemas.microsoft.com/office/powerpoint/2010/main" val="4042573663"/>
+      </p:ext>
+    </p:extLst>
+  </p:cSld>
+  <p:clrMapOvr>
+    <a:masterClrMapping/>
+  </p:clrMapOvr>
+</p:sld>
+</file>
+
+<file path=ppt/slides/slide4.xml><?xml version="1.0" encoding="utf-8"?>
+<p:sld xmlns:a="http://schemas.openxmlformats.org/drawingml/2006/main" xmlns:r="http://schemas.openxmlformats.org/officeDocument/2006/relationships" xmlns:p="http://schemas.openxmlformats.org/presentationml/2006/main">
+  <p:cSld>
+    <p:spTree>
+      <p:nvGrpSpPr>
+        <p:cNvPr id="1" name=""/>
+        <p:cNvGrpSpPr/>
+        <p:nvPr/>
+      </p:nvGrpSpPr>
+      <p:grpSpPr>
+        <a:xfrm>
+          <a:off x="0" y="0"/>
+          <a:ext cx="0" cy="0"/>
+          <a:chOff x="0" y="0"/>
+          <a:chExt cx="0" cy="0"/>
+        </a:xfrm>
+      </p:grpSpPr>
+      <p:pic>
+        <p:nvPicPr>
+          <p:cNvPr id="4" name="Picture 3" descr="A picture containing text, indoor, electronics, computer&#10;&#10;Description automatically generated">
+            <a:extLst>
+              <a:ext uri="{FF2B5EF4-FFF2-40B4-BE49-F238E27FC236}">
+                <a16:creationId xmlns:a16="http://schemas.microsoft.com/office/drawing/2014/main" id="{0B036C7D-24E2-42F7-9E21-90EADD48FEA1}"/>
+              </a:ext>
+            </a:extLst>
+          </p:cNvPr>
+          <p:cNvPicPr>
+            <a:picLocks noChangeAspect="1"/>
+          </p:cNvPicPr>
+          <p:nvPr/>
+        </p:nvPicPr>
+        <p:blipFill rotWithShape="1">
+          <a:blip r:embed="rId2" cstate="print">
+            <a:extLst>
+              <a:ext uri="{28A0092B-C50C-407E-A947-70E740481C1C}">
+                <a14:useLocalDpi xmlns:a14="http://schemas.microsoft.com/office/drawing/2010/main" val="0"/>
+              </a:ext>
+            </a:extLst>
+          </a:blip>
+          <a:srcRect l="20162" t="5529" r="17642" b="21589"/>
+          <a:stretch/>
+        </p:blipFill>
+        <p:spPr>
+          <a:xfrm>
+            <a:off x="616503" y="1048414"/>
+            <a:ext cx="4265342" cy="3748688"/>
+          </a:xfrm>
+          <a:prstGeom prst="rect">
+            <a:avLst/>
+          </a:prstGeom>
+        </p:spPr>
+      </p:pic>
+      <p:sp>
+        <p:nvSpPr>
+          <p:cNvPr id="5" name="TextBox 4">
+            <a:extLst>
+              <a:ext uri="{FF2B5EF4-FFF2-40B4-BE49-F238E27FC236}">
+                <a16:creationId xmlns:a16="http://schemas.microsoft.com/office/drawing/2014/main" id="{FC62497E-9C22-4BA5-9E94-907519B6C029}"/>
+              </a:ext>
+            </a:extLst>
+          </p:cNvPr>
+          <p:cNvSpPr txBox="1"/>
+          <p:nvPr/>
+        </p:nvSpPr>
+        <p:spPr>
+          <a:xfrm>
+            <a:off x="3252972" y="2926233"/>
+            <a:ext cx="886333" cy="461665"/>
+          </a:xfrm>
+          <a:prstGeom prst="rect">
+            <a:avLst/>
+          </a:prstGeom>
+          <a:solidFill>
+            <a:schemeClr val="bg1"/>
+          </a:solidFill>
+        </p:spPr>
+        <p:txBody>
+          <a:bodyPr wrap="none" rtlCol="0">
+            <a:spAutoFit/>
+          </a:bodyPr>
+          <a:lstStyle/>
+          <a:p>
+            <a:pPr algn="ctr"/>
+            <a:r>
+              <a:rPr lang="en-US" sz="1200" b="1" dirty="0">
+                <a:latin typeface="Arial" panose="020B0604020202020204" pitchFamily="34" charset="0"/>
+                <a:cs typeface="Arial" panose="020B0604020202020204" pitchFamily="34" charset="0"/>
+              </a:rPr>
+              <a:t>Dräger</a:t>
+            </a:r>
+          </a:p>
+          <a:p>
+            <a:pPr algn="ctr"/>
+            <a:r>
+              <a:rPr lang="en-US" sz="1200" b="1" dirty="0">
+                <a:latin typeface="Arial" panose="020B0604020202020204" pitchFamily="34" charset="0"/>
+                <a:cs typeface="Arial" panose="020B0604020202020204" pitchFamily="34" charset="0"/>
+              </a:rPr>
+              <a:t>Ventilator</a:t>
+            </a:r>
+          </a:p>
+        </p:txBody>
+      </p:sp>
+      <p:sp>
+        <p:nvSpPr>
+          <p:cNvPr id="6" name="TextBox 5">
+            <a:extLst>
+              <a:ext uri="{FF2B5EF4-FFF2-40B4-BE49-F238E27FC236}">
+                <a16:creationId xmlns:a16="http://schemas.microsoft.com/office/drawing/2014/main" id="{61351043-05AA-4A28-84D8-6C60A66D562C}"/>
+              </a:ext>
+            </a:extLst>
+          </p:cNvPr>
+          <p:cNvSpPr txBox="1"/>
+          <p:nvPr/>
+        </p:nvSpPr>
+        <p:spPr>
+          <a:xfrm>
+            <a:off x="1176493" y="3315828"/>
+            <a:ext cx="1062855" cy="646331"/>
+          </a:xfrm>
+          <a:prstGeom prst="rect">
+            <a:avLst/>
+          </a:prstGeom>
+          <a:solidFill>
+            <a:schemeClr val="bg1"/>
+          </a:solidFill>
+        </p:spPr>
+        <p:txBody>
+          <a:bodyPr wrap="square" rtlCol="0">
+            <a:spAutoFit/>
+          </a:bodyPr>
+          <a:lstStyle/>
+          <a:p>
+            <a:pPr algn="ctr"/>
+            <a:r>
+              <a:rPr lang="en-US" sz="1200" b="1" dirty="0">
+                <a:latin typeface="Arial" panose="020B0604020202020204" pitchFamily="34" charset="0"/>
+                <a:cs typeface="Arial" panose="020B0604020202020204" pitchFamily="34" charset="0"/>
+              </a:rPr>
+              <a:t>ASL 5000™</a:t>
+            </a:r>
+          </a:p>
+          <a:p>
+            <a:pPr algn="ctr"/>
+            <a:r>
+              <a:rPr lang="en-US" sz="1200" b="1" dirty="0">
+                <a:latin typeface="Arial" panose="020B0604020202020204" pitchFamily="34" charset="0"/>
+                <a:cs typeface="Arial" panose="020B0604020202020204" pitchFamily="34" charset="0"/>
+              </a:rPr>
+              <a:t>Virtual Lung</a:t>
+            </a:r>
+          </a:p>
+        </p:txBody>
+      </p:sp>
+      <p:sp>
+        <p:nvSpPr>
+          <p:cNvPr id="7" name="TextBox 6">
+            <a:extLst>
+              <a:ext uri="{FF2B5EF4-FFF2-40B4-BE49-F238E27FC236}">
+                <a16:creationId xmlns:a16="http://schemas.microsoft.com/office/drawing/2014/main" id="{759218B2-5E59-42F0-AB15-02CA9D23B292}"/>
+              </a:ext>
+            </a:extLst>
+          </p:cNvPr>
+          <p:cNvSpPr txBox="1"/>
+          <p:nvPr/>
+        </p:nvSpPr>
+        <p:spPr>
+          <a:xfrm>
+            <a:off x="1007707" y="1961512"/>
+            <a:ext cx="958721" cy="830997"/>
+          </a:xfrm>
+          <a:prstGeom prst="rect">
+            <a:avLst/>
+          </a:prstGeom>
+          <a:solidFill>
+            <a:schemeClr val="bg1"/>
+          </a:solidFill>
+        </p:spPr>
+        <p:txBody>
+          <a:bodyPr wrap="square" rtlCol="0">
+            <a:spAutoFit/>
+          </a:bodyPr>
+          <a:lstStyle/>
+          <a:p>
+            <a:pPr algn="ctr"/>
+            <a:r>
+              <a:rPr lang="en-US" sz="1200" b="1" dirty="0" err="1">
+                <a:latin typeface="Arial" panose="020B0604020202020204" pitchFamily="34" charset="0"/>
+                <a:cs typeface="Arial" panose="020B0604020202020204" pitchFamily="34" charset="0"/>
+              </a:rPr>
+              <a:t>RespiSim</a:t>
+            </a:r>
+            <a:r>
+              <a:rPr lang="en-US" sz="1200" b="1" dirty="0">
+                <a:latin typeface="Arial" panose="020B0604020202020204" pitchFamily="34" charset="0"/>
+                <a:cs typeface="Arial" panose="020B0604020202020204" pitchFamily="34" charset="0"/>
+              </a:rPr>
+              <a:t>® Controller/Display</a:t>
+            </a:r>
+          </a:p>
+        </p:txBody>
+      </p:sp>
+      <p:sp>
+        <p:nvSpPr>
+          <p:cNvPr id="9" name="TextBox 8">
+            <a:extLst>
+              <a:ext uri="{FF2B5EF4-FFF2-40B4-BE49-F238E27FC236}">
+                <a16:creationId xmlns:a16="http://schemas.microsoft.com/office/drawing/2014/main" id="{EDB41B4C-9DFC-431A-A3DF-DDD7EC11F143}"/>
+              </a:ext>
+            </a:extLst>
+          </p:cNvPr>
+          <p:cNvSpPr txBox="1"/>
+          <p:nvPr/>
+        </p:nvSpPr>
+        <p:spPr>
+          <a:xfrm>
+            <a:off x="2922774" y="1674706"/>
+            <a:ext cx="1322798" cy="461665"/>
+          </a:xfrm>
+          <a:prstGeom prst="rect">
+            <a:avLst/>
+          </a:prstGeom>
+          <a:solidFill>
+            <a:schemeClr val="bg1"/>
+          </a:solidFill>
+        </p:spPr>
+        <p:txBody>
+          <a:bodyPr wrap="none" rtlCol="0">
+            <a:spAutoFit/>
+          </a:bodyPr>
+          <a:lstStyle/>
+          <a:p>
+            <a:pPr algn="ctr"/>
+            <a:r>
+              <a:rPr lang="en-US" sz="1200" b="1" dirty="0">
+                <a:latin typeface="Arial" panose="020B0604020202020204" pitchFamily="34" charset="0"/>
+                <a:cs typeface="Arial" panose="020B0604020202020204" pitchFamily="34" charset="0"/>
+              </a:rPr>
+              <a:t>Dräger</a:t>
+            </a:r>
+          </a:p>
+          <a:p>
+            <a:pPr algn="ctr"/>
+            <a:r>
+              <a:rPr lang="en-US" sz="1200" b="1" dirty="0">
+                <a:latin typeface="Arial" panose="020B0604020202020204" pitchFamily="34" charset="0"/>
+                <a:cs typeface="Arial" panose="020B0604020202020204" pitchFamily="34" charset="0"/>
+              </a:rPr>
+              <a:t>Control/Display</a:t>
+            </a:r>
+          </a:p>
+        </p:txBody>
+      </p:sp>
+    </p:spTree>
+    <p:extLst>
+      <p:ext uri="{BB962C8B-B14F-4D97-AF65-F5344CB8AC3E}">
+        <p14:creationId xmlns:p14="http://schemas.microsoft.com/office/powerpoint/2010/main" val="3367718850"/>
+      </p:ext>
+    </p:extLst>
+  </p:cSld>
+  <p:clrMapOvr>
+    <a:masterClrMapping/>
+  </p:clrMapOvr>
+</p:sld>
+</file>
+
+<file path=ppt/slides/slide5.xml><?xml version="1.0" encoding="utf-8"?>
+<p:sld xmlns:a="http://schemas.openxmlformats.org/drawingml/2006/main" xmlns:r="http://schemas.openxmlformats.org/officeDocument/2006/relationships" xmlns:p="http://schemas.openxmlformats.org/presentationml/2006/main">
+  <p:cSld>
+    <p:spTree>
+      <p:nvGrpSpPr>
+        <p:cNvPr id="1" name=""/>
+        <p:cNvGrpSpPr/>
+        <p:nvPr/>
+      </p:nvGrpSpPr>
+      <p:grpSpPr>
+        <a:xfrm>
+          <a:off x="0" y="0"/>
+          <a:ext cx="0" cy="0"/>
+          <a:chOff x="0" y="0"/>
+          <a:chExt cx="0" cy="0"/>
+        </a:xfrm>
+      </p:grpSpPr>
+      <p:sp>
+        <p:nvSpPr>
+          <p:cNvPr id="2" name="Flowchart: Decision 1">
+            <a:extLst>
+              <a:ext uri="{FF2B5EF4-FFF2-40B4-BE49-F238E27FC236}">
+                <a16:creationId xmlns:a16="http://schemas.microsoft.com/office/drawing/2014/main" id="{F6712E94-1BE5-C02E-E527-88A4638C10E3}"/>
+              </a:ext>
+            </a:extLst>
+          </p:cNvPr>
+          <p:cNvSpPr/>
+          <p:nvPr/>
+        </p:nvSpPr>
+        <p:spPr>
+          <a:xfrm>
+            <a:off x="8531062" y="1591744"/>
+            <a:ext cx="1811234" cy="904875"/>
+          </a:xfrm>
+          <a:prstGeom prst="flowChartDecision">
+            <a:avLst/>
+          </a:prstGeom>
+          <a:solidFill>
+            <a:schemeClr val="bg1"/>
+          </a:solidFill>
+          <a:ln w="19050"/>
+        </p:spPr>
+        <p:style>
+          <a:lnRef idx="2">
+            <a:schemeClr val="dk1"/>
+          </a:lnRef>
+          <a:fillRef idx="1">
+            <a:schemeClr val="lt1"/>
+          </a:fillRef>
+          <a:effectRef idx="0">
+            <a:schemeClr val="dk1"/>
+          </a:effectRef>
+          <a:fontRef idx="minor">
+            <a:schemeClr val="dk1"/>
+          </a:fontRef>
+        </p:style>
+        <p:txBody>
+          <a:bodyPr rot="0" spcFirstLastPara="0" vertOverflow="overflow" horzOverflow="overflow" vert="horz" wrap="square" lIns="91440" tIns="45720" rIns="91440" bIns="45720" numCol="1" spcCol="0" rtlCol="0" fromWordArt="0" anchor="ctr" anchorCtr="0" forceAA="0" compatLnSpc="1">
+            <a:prstTxWarp prst="textNoShape">
+              <a:avLst/>
+            </a:prstTxWarp>
+            <a:noAutofit/>
+          </a:bodyPr>
+          <a:lstStyle/>
+          <a:p>
+            <a:pPr algn="ctr"/>
+            <a:r>
+              <a:rPr lang="en-US" sz="1200" dirty="0">
+                <a:solidFill>
+                  <a:schemeClr val="dk1"/>
+                </a:solidFill>
+                <a:latin typeface="Arial" panose="020B0604020202020204" pitchFamily="34" charset="0"/>
+                <a:cs typeface="Arial" panose="020B0604020202020204" pitchFamily="34" charset="0"/>
+              </a:rPr>
+              <a:t>Trigger Achieved? [3a]</a:t>
+            </a:r>
+          </a:p>
+        </p:txBody>
+      </p:sp>
+      <p:sp>
+        <p:nvSpPr>
+          <p:cNvPr id="3" name="Flowchart: Decision 2">
+            <a:extLst>
+              <a:ext uri="{FF2B5EF4-FFF2-40B4-BE49-F238E27FC236}">
+                <a16:creationId xmlns:a16="http://schemas.microsoft.com/office/drawing/2014/main" id="{2994CDA7-D661-EA11-D531-9725B1C44F9D}"/>
+              </a:ext>
+            </a:extLst>
+          </p:cNvPr>
+          <p:cNvSpPr/>
+          <p:nvPr/>
+        </p:nvSpPr>
+        <p:spPr>
+          <a:xfrm>
+            <a:off x="2030480" y="1595712"/>
+            <a:ext cx="1811234" cy="904875"/>
+          </a:xfrm>
+          <a:prstGeom prst="flowChartDecision">
+            <a:avLst/>
+          </a:prstGeom>
+          <a:solidFill>
+            <a:schemeClr val="bg1"/>
+          </a:solidFill>
+          <a:ln w="19050"/>
+        </p:spPr>
+        <p:style>
+          <a:lnRef idx="2">
+            <a:schemeClr val="dk1"/>
+          </a:lnRef>
+          <a:fillRef idx="1">
+            <a:schemeClr val="lt1"/>
+          </a:fillRef>
+          <a:effectRef idx="0">
+            <a:schemeClr val="dk1"/>
+          </a:effectRef>
+          <a:fontRef idx="minor">
+            <a:schemeClr val="dk1"/>
+          </a:fontRef>
+        </p:style>
+        <p:txBody>
+          <a:bodyPr rot="0" spcFirstLastPara="0" vertOverflow="overflow" horzOverflow="overflow" vert="horz" wrap="square" lIns="91440" tIns="45720" rIns="91440" bIns="45720" numCol="1" spcCol="0" rtlCol="0" fromWordArt="0" anchor="ctr" anchorCtr="0" forceAA="0" compatLnSpc="1">
+            <a:prstTxWarp prst="textNoShape">
+              <a:avLst/>
+            </a:prstTxWarp>
+            <a:noAutofit/>
+          </a:bodyPr>
+          <a:lstStyle/>
+          <a:p>
+            <a:pPr algn="ctr"/>
+            <a:r>
+              <a:rPr lang="en-US" sz="1200" dirty="0">
+                <a:solidFill>
+                  <a:schemeClr val="dk1"/>
+                </a:solidFill>
+                <a:latin typeface="Arial" panose="020B0604020202020204" pitchFamily="34" charset="0"/>
+                <a:cs typeface="Arial" panose="020B0604020202020204" pitchFamily="34" charset="0"/>
+              </a:rPr>
+              <a:t>Cycle Achieved? [2a]</a:t>
+            </a:r>
+          </a:p>
+        </p:txBody>
+      </p:sp>
+      <p:sp>
+        <p:nvSpPr>
+          <p:cNvPr id="4" name="Flowchart: Decision 3">
+            <a:extLst>
+              <a:ext uri="{FF2B5EF4-FFF2-40B4-BE49-F238E27FC236}">
+                <a16:creationId xmlns:a16="http://schemas.microsoft.com/office/drawing/2014/main" id="{80395FA8-30E3-3661-2127-ED07CDE1081E}"/>
+              </a:ext>
+            </a:extLst>
+          </p:cNvPr>
+          <p:cNvSpPr/>
+          <p:nvPr/>
+        </p:nvSpPr>
+        <p:spPr>
+          <a:xfrm>
+            <a:off x="4427391" y="1591744"/>
+            <a:ext cx="1811234" cy="904875"/>
+          </a:xfrm>
+          <a:prstGeom prst="flowChartDecision">
+            <a:avLst/>
+          </a:prstGeom>
+          <a:solidFill>
+            <a:schemeClr val="bg1"/>
+          </a:solidFill>
+          <a:ln w="19050"/>
+        </p:spPr>
+        <p:style>
+          <a:lnRef idx="2">
+            <a:schemeClr val="dk1"/>
+          </a:lnRef>
+          <a:fillRef idx="1">
+            <a:schemeClr val="lt1"/>
+          </a:fillRef>
+          <a:effectRef idx="0">
+            <a:schemeClr val="dk1"/>
+          </a:effectRef>
+          <a:fontRef idx="minor">
+            <a:schemeClr val="dk1"/>
+          </a:fontRef>
+        </p:style>
+        <p:txBody>
+          <a:bodyPr rot="0" spcFirstLastPara="0" vertOverflow="overflow" horzOverflow="overflow" vert="horz" wrap="square" lIns="91440" tIns="45720" rIns="91440" bIns="45720" numCol="1" spcCol="0" rtlCol="0" fromWordArt="0" anchor="ctr" anchorCtr="0" forceAA="0" compatLnSpc="1">
+            <a:prstTxWarp prst="textNoShape">
+              <a:avLst/>
+            </a:prstTxWarp>
+            <a:noAutofit/>
+          </a:bodyPr>
+          <a:lstStyle/>
+          <a:p>
+            <a:pPr algn="ctr"/>
+            <a:r>
+              <a:rPr lang="en-US" sz="1200" dirty="0">
+                <a:solidFill>
+                  <a:schemeClr val="dk1"/>
+                </a:solidFill>
+                <a:latin typeface="Arial" panose="020B0604020202020204" pitchFamily="34" charset="0"/>
+                <a:cs typeface="Arial" panose="020B0604020202020204" pitchFamily="34" charset="0"/>
+              </a:rPr>
+              <a:t>Pause Period Reached? [2f]</a:t>
+            </a:r>
+          </a:p>
+        </p:txBody>
+      </p:sp>
+      <p:sp>
+        <p:nvSpPr>
+          <p:cNvPr id="5" name="Flowchart: Process 4">
+            <a:extLst>
+              <a:ext uri="{FF2B5EF4-FFF2-40B4-BE49-F238E27FC236}">
+                <a16:creationId xmlns:a16="http://schemas.microsoft.com/office/drawing/2014/main" id="{6DFCC833-AA67-B590-9C35-3951088F4C96}"/>
+              </a:ext>
+            </a:extLst>
+          </p:cNvPr>
+          <p:cNvSpPr/>
+          <p:nvPr/>
+        </p:nvSpPr>
+        <p:spPr>
+          <a:xfrm>
+            <a:off x="2278240" y="522546"/>
+            <a:ext cx="1315714" cy="628621"/>
+          </a:xfrm>
+          <a:prstGeom prst="flowChartProcess">
+            <a:avLst/>
+          </a:prstGeom>
+          <a:solidFill>
+            <a:schemeClr val="accent5">
+              <a:lumMod val="40000"/>
+              <a:lumOff val="60000"/>
+            </a:schemeClr>
+          </a:solidFill>
+          <a:ln w="19050"/>
+        </p:spPr>
+        <p:style>
+          <a:lnRef idx="2">
+            <a:schemeClr val="dk1"/>
+          </a:lnRef>
+          <a:fillRef idx="1">
+            <a:schemeClr val="lt1"/>
+          </a:fillRef>
+          <a:effectRef idx="0">
+            <a:schemeClr val="dk1"/>
+          </a:effectRef>
+          <a:fontRef idx="minor">
+            <a:schemeClr val="dk1"/>
+          </a:fontRef>
+        </p:style>
+        <p:txBody>
+          <a:bodyPr rot="0" spcFirstLastPara="0" vertOverflow="overflow" horzOverflow="overflow" vert="horz" wrap="square" lIns="91440" tIns="45720" rIns="91440" bIns="45720" numCol="1" spcCol="0" rtlCol="0" fromWordArt="0" anchor="ctr" anchorCtr="0" forceAA="0" compatLnSpc="1">
+            <a:prstTxWarp prst="textNoShape">
+              <a:avLst/>
+            </a:prstTxWarp>
+            <a:noAutofit/>
+          </a:bodyPr>
+          <a:lstStyle/>
+          <a:p>
+            <a:pPr algn="ctr"/>
+            <a:r>
+              <a:rPr lang="en-US" sz="1200" dirty="0">
+                <a:solidFill>
+                  <a:schemeClr val="dk1"/>
+                </a:solidFill>
+                <a:latin typeface="Arial" panose="020B0604020202020204" pitchFamily="34" charset="0"/>
+                <a:cs typeface="Arial" panose="020B0604020202020204" pitchFamily="34" charset="0"/>
+              </a:rPr>
+              <a:t>Transition to Inspiration [2]</a:t>
+            </a:r>
+          </a:p>
+        </p:txBody>
+      </p:sp>
+      <p:sp>
+        <p:nvSpPr>
+          <p:cNvPr id="6" name="Flowchart: Process 5">
+            <a:extLst>
+              <a:ext uri="{FF2B5EF4-FFF2-40B4-BE49-F238E27FC236}">
+                <a16:creationId xmlns:a16="http://schemas.microsoft.com/office/drawing/2014/main" id="{7313166D-0EA5-95F9-F900-5B48ECE46984}"/>
+              </a:ext>
+            </a:extLst>
+          </p:cNvPr>
+          <p:cNvSpPr/>
+          <p:nvPr/>
+        </p:nvSpPr>
+        <p:spPr>
+          <a:xfrm>
+            <a:off x="8778822" y="522546"/>
+            <a:ext cx="1315714" cy="628621"/>
+          </a:xfrm>
+          <a:prstGeom prst="flowChartProcess">
+            <a:avLst/>
+          </a:prstGeom>
+          <a:solidFill>
+            <a:schemeClr val="accent5">
+              <a:lumMod val="40000"/>
+              <a:lumOff val="60000"/>
+            </a:schemeClr>
+          </a:solidFill>
+          <a:ln w="19050"/>
+        </p:spPr>
+        <p:style>
+          <a:lnRef idx="2">
+            <a:schemeClr val="dk1"/>
+          </a:lnRef>
+          <a:fillRef idx="1">
+            <a:schemeClr val="lt1"/>
+          </a:fillRef>
+          <a:effectRef idx="0">
+            <a:schemeClr val="dk1"/>
+          </a:effectRef>
+          <a:fontRef idx="minor">
+            <a:schemeClr val="dk1"/>
+          </a:fontRef>
+        </p:style>
+        <p:txBody>
+          <a:bodyPr rot="0" spcFirstLastPara="0" vertOverflow="overflow" horzOverflow="overflow" vert="horz" wrap="square" lIns="91440" tIns="45720" rIns="91440" bIns="45720" numCol="1" spcCol="0" rtlCol="0" fromWordArt="0" anchor="ctr" anchorCtr="0" forceAA="0" compatLnSpc="1">
+            <a:prstTxWarp prst="textNoShape">
+              <a:avLst/>
+            </a:prstTxWarp>
+            <a:noAutofit/>
+          </a:bodyPr>
+          <a:lstStyle/>
+          <a:p>
+            <a:pPr algn="ctr"/>
+            <a:r>
+              <a:rPr lang="en-US" sz="1200" dirty="0">
+                <a:solidFill>
+                  <a:schemeClr val="dk1"/>
+                </a:solidFill>
+                <a:latin typeface="Arial" panose="020B0604020202020204" pitchFamily="34" charset="0"/>
+                <a:cs typeface="Arial" panose="020B0604020202020204" pitchFamily="34" charset="0"/>
+              </a:rPr>
+              <a:t>Transition to Expiration [3]</a:t>
+            </a:r>
+          </a:p>
+        </p:txBody>
+      </p:sp>
+      <p:sp>
+        <p:nvSpPr>
+          <p:cNvPr id="7" name="Flowchart: Process 6">
+            <a:extLst>
+              <a:ext uri="{FF2B5EF4-FFF2-40B4-BE49-F238E27FC236}">
+                <a16:creationId xmlns:a16="http://schemas.microsoft.com/office/drawing/2014/main" id="{DAF9B921-B8B6-8776-0A22-287EE5B6C091}"/>
+              </a:ext>
+            </a:extLst>
+          </p:cNvPr>
+          <p:cNvSpPr/>
+          <p:nvPr/>
+        </p:nvSpPr>
+        <p:spPr>
+          <a:xfrm>
+            <a:off x="4675151" y="2871560"/>
+            <a:ext cx="1315714" cy="628621"/>
+          </a:xfrm>
+          <a:prstGeom prst="flowChartProcess">
+            <a:avLst/>
+          </a:prstGeom>
+          <a:solidFill>
+            <a:schemeClr val="accent6">
+              <a:lumMod val="40000"/>
+              <a:lumOff val="60000"/>
+            </a:schemeClr>
+          </a:solidFill>
+          <a:ln w="19050"/>
+        </p:spPr>
+        <p:style>
+          <a:lnRef idx="2">
+            <a:schemeClr val="dk1"/>
+          </a:lnRef>
+          <a:fillRef idx="1">
+            <a:schemeClr val="lt1"/>
+          </a:fillRef>
+          <a:effectRef idx="0">
+            <a:schemeClr val="dk1"/>
+          </a:effectRef>
+          <a:fontRef idx="minor">
+            <a:schemeClr val="dk1"/>
+          </a:fontRef>
+        </p:style>
+        <p:txBody>
+          <a:bodyPr rot="0" spcFirstLastPara="0" vertOverflow="overflow" horzOverflow="overflow" vert="horz" wrap="square" lIns="91440" tIns="45720" rIns="91440" bIns="45720" numCol="1" spcCol="0" rtlCol="0" fromWordArt="0" anchor="ctr" anchorCtr="0" forceAA="0" compatLnSpc="1">
+            <a:prstTxWarp prst="textNoShape">
+              <a:avLst/>
+            </a:prstTxWarp>
+            <a:noAutofit/>
+          </a:bodyPr>
+          <a:lstStyle/>
+          <a:p>
+            <a:pPr algn="ctr"/>
+            <a:r>
+              <a:rPr lang="en-US" sz="1200" dirty="0">
+                <a:latin typeface="Arial" panose="020B0604020202020204" pitchFamily="34" charset="0"/>
+                <a:cs typeface="Arial" panose="020B0604020202020204" pitchFamily="34" charset="0"/>
+              </a:rPr>
+              <a:t>Hold Driver (Constant)</a:t>
+            </a:r>
+          </a:p>
+        </p:txBody>
+      </p:sp>
+      <p:sp>
+        <p:nvSpPr>
+          <p:cNvPr id="8" name="Flowchart: Process 7">
+            <a:extLst>
+              <a:ext uri="{FF2B5EF4-FFF2-40B4-BE49-F238E27FC236}">
+                <a16:creationId xmlns:a16="http://schemas.microsoft.com/office/drawing/2014/main" id="{04D2AA33-2855-6055-86E2-0827EB0726FE}"/>
+              </a:ext>
+            </a:extLst>
+          </p:cNvPr>
+          <p:cNvSpPr/>
+          <p:nvPr/>
+        </p:nvSpPr>
+        <p:spPr>
+          <a:xfrm>
+            <a:off x="378875" y="5214059"/>
+            <a:ext cx="1315714" cy="628621"/>
+          </a:xfrm>
+          <a:prstGeom prst="flowChartProcess">
+            <a:avLst/>
+          </a:prstGeom>
+          <a:solidFill>
+            <a:schemeClr val="accent6">
+              <a:lumMod val="40000"/>
+              <a:lumOff val="60000"/>
+            </a:schemeClr>
+          </a:solidFill>
+          <a:ln w="19050"/>
+        </p:spPr>
+        <p:style>
+          <a:lnRef idx="2">
+            <a:schemeClr val="dk1"/>
+          </a:lnRef>
+          <a:fillRef idx="1">
+            <a:schemeClr val="lt1"/>
+          </a:fillRef>
+          <a:effectRef idx="0">
+            <a:schemeClr val="dk1"/>
+          </a:effectRef>
+          <a:fontRef idx="minor">
+            <a:schemeClr val="dk1"/>
+          </a:fontRef>
+        </p:style>
+        <p:txBody>
+          <a:bodyPr rot="0" spcFirstLastPara="0" vertOverflow="overflow" horzOverflow="overflow" vert="horz" wrap="square" lIns="91440" tIns="45720" rIns="91440" bIns="45720" numCol="1" spcCol="0" rtlCol="0" fromWordArt="0" anchor="ctr" anchorCtr="0" forceAA="0" compatLnSpc="1">
+            <a:prstTxWarp prst="textNoShape">
+              <a:avLst/>
+            </a:prstTxWarp>
+            <a:noAutofit/>
+          </a:bodyPr>
+          <a:lstStyle/>
+          <a:p>
+            <a:pPr algn="ctr"/>
+            <a:r>
+              <a:rPr lang="en-US" sz="1200" dirty="0">
+                <a:solidFill>
+                  <a:schemeClr val="dk1"/>
+                </a:solidFill>
+                <a:latin typeface="Arial" panose="020B0604020202020204" pitchFamily="34" charset="0"/>
+                <a:cs typeface="Arial" panose="020B0604020202020204" pitchFamily="34" charset="0"/>
+              </a:rPr>
+              <a:t>Apply Waveform to Driver (Function) </a:t>
+            </a:r>
+            <a:r>
+              <a:rPr lang="en-US" sz="1200" dirty="0">
+                <a:latin typeface="Arial" panose="020B0604020202020204" pitchFamily="34" charset="0"/>
+                <a:cs typeface="Arial" panose="020B0604020202020204" pitchFamily="34" charset="0"/>
+              </a:rPr>
+              <a:t>[2b]</a:t>
+            </a:r>
+            <a:endParaRPr lang="en-US" sz="1200" dirty="0">
+              <a:solidFill>
+                <a:schemeClr val="dk1"/>
+              </a:solidFill>
+              <a:latin typeface="Arial" panose="020B0604020202020204" pitchFamily="34" charset="0"/>
+              <a:cs typeface="Arial" panose="020B0604020202020204" pitchFamily="34" charset="0"/>
+            </a:endParaRPr>
+          </a:p>
+        </p:txBody>
+      </p:sp>
+      <p:sp>
+        <p:nvSpPr>
+          <p:cNvPr id="9" name="Flowchart: Decision 8">
+            <a:extLst>
+              <a:ext uri="{FF2B5EF4-FFF2-40B4-BE49-F238E27FC236}">
+                <a16:creationId xmlns:a16="http://schemas.microsoft.com/office/drawing/2014/main" id="{41FEF9C8-4F29-67E6-F2C0-52D199B29BAC}"/>
+              </a:ext>
+            </a:extLst>
+          </p:cNvPr>
+          <p:cNvSpPr/>
+          <p:nvPr/>
+        </p:nvSpPr>
+        <p:spPr>
+          <a:xfrm>
+            <a:off x="2032577" y="3904684"/>
+            <a:ext cx="1811234" cy="904875"/>
+          </a:xfrm>
+          <a:prstGeom prst="flowChartDecision">
+            <a:avLst/>
+          </a:prstGeom>
+          <a:solidFill>
+            <a:schemeClr val="bg1"/>
+          </a:solidFill>
+          <a:ln w="19050"/>
+        </p:spPr>
+        <p:style>
+          <a:lnRef idx="2">
+            <a:schemeClr val="dk1"/>
+          </a:lnRef>
+          <a:fillRef idx="1">
+            <a:schemeClr val="lt1"/>
+          </a:fillRef>
+          <a:effectRef idx="0">
+            <a:schemeClr val="dk1"/>
+          </a:effectRef>
+          <a:fontRef idx="minor">
+            <a:schemeClr val="dk1"/>
+          </a:fontRef>
+        </p:style>
+        <p:txBody>
+          <a:bodyPr rot="0" spcFirstLastPara="0" vertOverflow="overflow" horzOverflow="overflow" vert="horz" wrap="square" lIns="91440" tIns="45720" rIns="91440" bIns="45720" numCol="1" spcCol="0" rtlCol="0" fromWordArt="0" anchor="ctr" anchorCtr="0" forceAA="0" compatLnSpc="1">
+            <a:prstTxWarp prst="textNoShape">
+              <a:avLst/>
+            </a:prstTxWarp>
+            <a:noAutofit/>
+          </a:bodyPr>
+          <a:lstStyle/>
+          <a:p>
+            <a:pPr algn="ctr"/>
+            <a:endParaRPr lang="en-US" sz="1200" dirty="0">
+              <a:solidFill>
+                <a:schemeClr val="dk1"/>
+              </a:solidFill>
+              <a:latin typeface="Arial" panose="020B0604020202020204" pitchFamily="34" charset="0"/>
+              <a:cs typeface="Arial" panose="020B0604020202020204" pitchFamily="34" charset="0"/>
+            </a:endParaRPr>
+          </a:p>
+        </p:txBody>
+      </p:sp>
+      <p:sp>
+        <p:nvSpPr>
+          <p:cNvPr id="10" name="Flowchart: Process 9">
+            <a:extLst>
+              <a:ext uri="{FF2B5EF4-FFF2-40B4-BE49-F238E27FC236}">
+                <a16:creationId xmlns:a16="http://schemas.microsoft.com/office/drawing/2014/main" id="{18C7898B-53C5-D1D9-B735-EF21332E3090}"/>
+              </a:ext>
+            </a:extLst>
+          </p:cNvPr>
+          <p:cNvSpPr/>
+          <p:nvPr/>
+        </p:nvSpPr>
+        <p:spPr>
+          <a:xfrm>
+            <a:off x="374239" y="4042810"/>
+            <a:ext cx="1315714" cy="628621"/>
+          </a:xfrm>
+          <a:prstGeom prst="flowChartProcess">
+            <a:avLst/>
+          </a:prstGeom>
+          <a:solidFill>
+            <a:schemeClr val="accent6">
+              <a:lumMod val="40000"/>
+              <a:lumOff val="60000"/>
+            </a:schemeClr>
+          </a:solidFill>
+          <a:ln w="19050"/>
+        </p:spPr>
+        <p:style>
+          <a:lnRef idx="2">
+            <a:schemeClr val="dk1"/>
+          </a:lnRef>
+          <a:fillRef idx="1">
+            <a:schemeClr val="lt1"/>
+          </a:fillRef>
+          <a:effectRef idx="0">
+            <a:schemeClr val="dk1"/>
+          </a:effectRef>
+          <a:fontRef idx="minor">
+            <a:schemeClr val="dk1"/>
+          </a:fontRef>
+        </p:style>
+        <p:txBody>
+          <a:bodyPr rot="0" spcFirstLastPara="0" vertOverflow="overflow" horzOverflow="overflow" vert="horz" wrap="square" lIns="91440" tIns="45720" rIns="91440" bIns="45720" numCol="1" spcCol="0" rtlCol="0" fromWordArt="0" anchor="ctr" anchorCtr="0" forceAA="0" compatLnSpc="1">
+            <a:prstTxWarp prst="textNoShape">
+              <a:avLst/>
+            </a:prstTxWarp>
+            <a:noAutofit/>
+          </a:bodyPr>
+          <a:lstStyle/>
+          <a:p>
+            <a:pPr algn="ctr"/>
+            <a:r>
+              <a:rPr lang="en-US" sz="1200" dirty="0">
+                <a:solidFill>
+                  <a:schemeClr val="dk1"/>
+                </a:solidFill>
+                <a:latin typeface="Arial" panose="020B0604020202020204" pitchFamily="34" charset="0"/>
+                <a:cs typeface="Arial" panose="020B0604020202020204" pitchFamily="34" charset="0"/>
+              </a:rPr>
+              <a:t>Apply Target to Driver (Constant) [2d]</a:t>
+            </a:r>
+          </a:p>
+        </p:txBody>
+      </p:sp>
+      <p:sp>
+        <p:nvSpPr>
+          <p:cNvPr id="11" name="Flowchart: Decision 10">
+            <a:extLst>
+              <a:ext uri="{FF2B5EF4-FFF2-40B4-BE49-F238E27FC236}">
+                <a16:creationId xmlns:a16="http://schemas.microsoft.com/office/drawing/2014/main" id="{BE72052E-7DCB-A73A-EBB2-FA01836A5419}"/>
+              </a:ext>
+            </a:extLst>
+          </p:cNvPr>
+          <p:cNvSpPr/>
+          <p:nvPr/>
+        </p:nvSpPr>
+        <p:spPr>
+          <a:xfrm>
+            <a:off x="2030480" y="2749576"/>
+            <a:ext cx="1811234" cy="904875"/>
+          </a:xfrm>
+          <a:prstGeom prst="flowChartDecision">
+            <a:avLst/>
+          </a:prstGeom>
+          <a:solidFill>
+            <a:schemeClr val="bg1"/>
+          </a:solidFill>
+          <a:ln w="19050"/>
+        </p:spPr>
+        <p:style>
+          <a:lnRef idx="2">
+            <a:schemeClr val="dk1"/>
+          </a:lnRef>
+          <a:fillRef idx="1">
+            <a:schemeClr val="lt1"/>
+          </a:fillRef>
+          <a:effectRef idx="0">
+            <a:schemeClr val="dk1"/>
+          </a:effectRef>
+          <a:fontRef idx="minor">
+            <a:schemeClr val="dk1"/>
+          </a:fontRef>
+        </p:style>
+        <p:txBody>
+          <a:bodyPr rot="0" spcFirstLastPara="0" vertOverflow="overflow" horzOverflow="overflow" vert="horz" wrap="square" lIns="91440" tIns="45720" rIns="91440" bIns="45720" numCol="1" spcCol="0" rtlCol="0" fromWordArt="0" anchor="ctr" anchorCtr="0" forceAA="0" compatLnSpc="1">
+            <a:prstTxWarp prst="textNoShape">
+              <a:avLst/>
+            </a:prstTxWarp>
+            <a:noAutofit/>
+          </a:bodyPr>
+          <a:lstStyle/>
+          <a:p>
+            <a:pPr algn="ctr"/>
+            <a:r>
+              <a:rPr lang="en-US" sz="1200" dirty="0">
+                <a:solidFill>
+                  <a:schemeClr val="dk1"/>
+                </a:solidFill>
+                <a:latin typeface="Arial" panose="020B0604020202020204" pitchFamily="34" charset="0"/>
+                <a:cs typeface="Arial" panose="020B0604020202020204" pitchFamily="34" charset="0"/>
+              </a:rPr>
+              <a:t>Limit Reached? [2e]</a:t>
+            </a:r>
+          </a:p>
+        </p:txBody>
+      </p:sp>
+      <p:sp>
+        <p:nvSpPr>
+          <p:cNvPr id="12" name="Flowchart: Process 11">
+            <a:extLst>
+              <a:ext uri="{FF2B5EF4-FFF2-40B4-BE49-F238E27FC236}">
+                <a16:creationId xmlns:a16="http://schemas.microsoft.com/office/drawing/2014/main" id="{FA402179-214A-27D3-0D50-D4D2FF502D1C}"/>
+              </a:ext>
+            </a:extLst>
+          </p:cNvPr>
+          <p:cNvSpPr/>
+          <p:nvPr/>
+        </p:nvSpPr>
+        <p:spPr>
+          <a:xfrm>
+            <a:off x="374239" y="2890811"/>
+            <a:ext cx="1315714" cy="628621"/>
+          </a:xfrm>
+          <a:prstGeom prst="flowChartProcess">
+            <a:avLst/>
+          </a:prstGeom>
+          <a:solidFill>
+            <a:schemeClr val="accent6">
+              <a:lumMod val="40000"/>
+              <a:lumOff val="60000"/>
+            </a:schemeClr>
+          </a:solidFill>
+          <a:ln w="19050"/>
+        </p:spPr>
+        <p:style>
+          <a:lnRef idx="2">
+            <a:schemeClr val="dk1"/>
+          </a:lnRef>
+          <a:fillRef idx="1">
+            <a:schemeClr val="lt1"/>
+          </a:fillRef>
+          <a:effectRef idx="0">
+            <a:schemeClr val="dk1"/>
+          </a:effectRef>
+          <a:fontRef idx="minor">
+            <a:schemeClr val="dk1"/>
+          </a:fontRef>
+        </p:style>
+        <p:txBody>
+          <a:bodyPr rot="0" spcFirstLastPara="0" vertOverflow="overflow" horzOverflow="overflow" vert="horz" wrap="square" lIns="91440" tIns="45720" rIns="91440" bIns="45720" numCol="1" spcCol="0" rtlCol="0" fromWordArt="0" anchor="ctr" anchorCtr="0" forceAA="0" compatLnSpc="1">
+            <a:prstTxWarp prst="textNoShape">
+              <a:avLst/>
+            </a:prstTxWarp>
+            <a:noAutofit/>
+          </a:bodyPr>
+          <a:lstStyle/>
+          <a:p>
+            <a:pPr algn="ctr"/>
+            <a:r>
+              <a:rPr lang="en-US" sz="1200" dirty="0">
+                <a:solidFill>
+                  <a:schemeClr val="dk1"/>
+                </a:solidFill>
+                <a:latin typeface="Arial" panose="020B0604020202020204" pitchFamily="34" charset="0"/>
+                <a:cs typeface="Arial" panose="020B0604020202020204" pitchFamily="34" charset="0"/>
+              </a:rPr>
+              <a:t>Apply Limit to Driver (Constant) [2e]</a:t>
+            </a:r>
+          </a:p>
+        </p:txBody>
+      </p:sp>
+      <p:sp>
+        <p:nvSpPr>
+          <p:cNvPr id="13" name="Flowchart: Process 12">
+            <a:extLst>
+              <a:ext uri="{FF2B5EF4-FFF2-40B4-BE49-F238E27FC236}">
+                <a16:creationId xmlns:a16="http://schemas.microsoft.com/office/drawing/2014/main" id="{8B0A48EC-872B-3054-DAFA-142BD935942D}"/>
+              </a:ext>
+            </a:extLst>
+          </p:cNvPr>
+          <p:cNvSpPr/>
+          <p:nvPr/>
+        </p:nvSpPr>
+        <p:spPr>
+          <a:xfrm>
+            <a:off x="6875102" y="2890573"/>
+            <a:ext cx="1315714" cy="628621"/>
+          </a:xfrm>
+          <a:prstGeom prst="flowChartProcess">
+            <a:avLst/>
+          </a:prstGeom>
+          <a:solidFill>
+            <a:schemeClr val="accent6">
+              <a:lumMod val="40000"/>
+              <a:lumOff val="60000"/>
+            </a:schemeClr>
+          </a:solidFill>
+          <a:ln w="19050"/>
+        </p:spPr>
+        <p:style>
+          <a:lnRef idx="2">
+            <a:schemeClr val="dk1"/>
+          </a:lnRef>
+          <a:fillRef idx="1">
+            <a:schemeClr val="lt1"/>
+          </a:fillRef>
+          <a:effectRef idx="0">
+            <a:schemeClr val="dk1"/>
+          </a:effectRef>
+          <a:fontRef idx="minor">
+            <a:schemeClr val="dk1"/>
+          </a:fontRef>
+        </p:style>
+        <p:txBody>
+          <a:bodyPr rot="0" spcFirstLastPara="0" vertOverflow="overflow" horzOverflow="overflow" vert="horz" wrap="square" lIns="91440" tIns="45720" rIns="91440" bIns="45720" numCol="1" spcCol="0" rtlCol="0" fromWordArt="0" anchor="ctr" anchorCtr="0" forceAA="0" compatLnSpc="1">
+            <a:prstTxWarp prst="textNoShape">
+              <a:avLst/>
+            </a:prstTxWarp>
+            <a:noAutofit/>
+          </a:bodyPr>
+          <a:lstStyle/>
+          <a:p>
+            <a:pPr algn="ctr"/>
+            <a:r>
+              <a:rPr lang="en-US" sz="1200" dirty="0">
+                <a:solidFill>
+                  <a:schemeClr val="dk1"/>
+                </a:solidFill>
+                <a:latin typeface="Arial" panose="020B0604020202020204" pitchFamily="34" charset="0"/>
+                <a:cs typeface="Arial" panose="020B0604020202020204" pitchFamily="34" charset="0"/>
+              </a:rPr>
+              <a:t>Apply Waveform to Driver (Function) [3b]</a:t>
+            </a:r>
+          </a:p>
+        </p:txBody>
+      </p:sp>
+      <p:sp>
+        <p:nvSpPr>
+          <p:cNvPr id="14" name="Flowchart: Process 13">
+            <a:extLst>
+              <a:ext uri="{FF2B5EF4-FFF2-40B4-BE49-F238E27FC236}">
+                <a16:creationId xmlns:a16="http://schemas.microsoft.com/office/drawing/2014/main" id="{480B1942-2186-E8EE-BD1A-77595E9A79F4}"/>
+              </a:ext>
+            </a:extLst>
+          </p:cNvPr>
+          <p:cNvSpPr/>
+          <p:nvPr/>
+        </p:nvSpPr>
+        <p:spPr>
+          <a:xfrm>
+            <a:off x="6875102" y="4043007"/>
+            <a:ext cx="1315714" cy="628621"/>
+          </a:xfrm>
+          <a:prstGeom prst="flowChartProcess">
+            <a:avLst/>
+          </a:prstGeom>
+          <a:solidFill>
+            <a:schemeClr val="accent6">
+              <a:lumMod val="40000"/>
+              <a:lumOff val="60000"/>
+            </a:schemeClr>
+          </a:solidFill>
+          <a:ln w="19050"/>
+        </p:spPr>
+        <p:style>
+          <a:lnRef idx="2">
+            <a:schemeClr val="dk1"/>
+          </a:lnRef>
+          <a:fillRef idx="1">
+            <a:schemeClr val="lt1"/>
+          </a:fillRef>
+          <a:effectRef idx="0">
+            <a:schemeClr val="dk1"/>
+          </a:effectRef>
+          <a:fontRef idx="minor">
+            <a:schemeClr val="dk1"/>
+          </a:fontRef>
+        </p:style>
+        <p:txBody>
+          <a:bodyPr rot="0" spcFirstLastPara="0" vertOverflow="overflow" horzOverflow="overflow" vert="horz" wrap="square" lIns="91440" tIns="45720" rIns="91440" bIns="45720" numCol="1" spcCol="0" rtlCol="0" fromWordArt="0" anchor="ctr" anchorCtr="0" forceAA="0" compatLnSpc="1">
+            <a:prstTxWarp prst="textNoShape">
+              <a:avLst/>
+            </a:prstTxWarp>
+            <a:noAutofit/>
+          </a:bodyPr>
+          <a:lstStyle/>
+          <a:p>
+            <a:pPr algn="ctr"/>
+            <a:r>
+              <a:rPr lang="en-US" sz="1200" dirty="0">
+                <a:solidFill>
+                  <a:schemeClr val="dk1"/>
+                </a:solidFill>
+                <a:latin typeface="Arial" panose="020B0604020202020204" pitchFamily="34" charset="0"/>
+                <a:cs typeface="Arial" panose="020B0604020202020204" pitchFamily="34" charset="0"/>
+              </a:rPr>
+              <a:t>Apply Baseline to Driver (Constant) [3d]</a:t>
+            </a:r>
+          </a:p>
+        </p:txBody>
+      </p:sp>
+      <p:sp>
+        <p:nvSpPr>
+          <p:cNvPr id="15" name="Flowchart: Decision 14">
+            <a:extLst>
+              <a:ext uri="{FF2B5EF4-FFF2-40B4-BE49-F238E27FC236}">
+                <a16:creationId xmlns:a16="http://schemas.microsoft.com/office/drawing/2014/main" id="{3ECA8DCA-C26D-82F6-F839-647CB6419594}"/>
+              </a:ext>
+            </a:extLst>
+          </p:cNvPr>
+          <p:cNvSpPr/>
+          <p:nvPr/>
+        </p:nvSpPr>
+        <p:spPr>
+          <a:xfrm>
+            <a:off x="8531062" y="2749576"/>
+            <a:ext cx="1811234" cy="904875"/>
+          </a:xfrm>
+          <a:prstGeom prst="flowChartDecision">
+            <a:avLst/>
+          </a:prstGeom>
+          <a:solidFill>
+            <a:schemeClr val="bg1"/>
+          </a:solidFill>
+          <a:ln w="19050"/>
+        </p:spPr>
+        <p:style>
+          <a:lnRef idx="2">
+            <a:schemeClr val="dk1"/>
+          </a:lnRef>
+          <a:fillRef idx="1">
+            <a:schemeClr val="lt1"/>
+          </a:fillRef>
+          <a:effectRef idx="0">
+            <a:schemeClr val="dk1"/>
+          </a:effectRef>
+          <a:fontRef idx="minor">
+            <a:schemeClr val="dk1"/>
+          </a:fontRef>
+        </p:style>
+        <p:txBody>
+          <a:bodyPr rot="0" spcFirstLastPara="0" vertOverflow="overflow" horzOverflow="overflow" vert="horz" wrap="square" lIns="91440" tIns="45720" rIns="91440" bIns="45720" numCol="1" spcCol="0" rtlCol="0" fromWordArt="0" anchor="ctr" anchorCtr="0" forceAA="0" compatLnSpc="1">
+            <a:prstTxWarp prst="textNoShape">
+              <a:avLst/>
+            </a:prstTxWarp>
+            <a:noAutofit/>
+          </a:bodyPr>
+          <a:lstStyle/>
+          <a:p>
+            <a:pPr algn="ctr"/>
+            <a:endParaRPr lang="en-US" sz="1200" dirty="0">
+              <a:solidFill>
+                <a:schemeClr val="dk1"/>
+              </a:solidFill>
+              <a:latin typeface="Arial" panose="020B0604020202020204" pitchFamily="34" charset="0"/>
+              <a:cs typeface="Arial" panose="020B0604020202020204" pitchFamily="34" charset="0"/>
+            </a:endParaRPr>
+          </a:p>
+        </p:txBody>
+      </p:sp>
+      <p:sp>
+        <p:nvSpPr>
+          <p:cNvPr id="16" name="Flowchart: Process 15">
+            <a:extLst>
+              <a:ext uri="{FF2B5EF4-FFF2-40B4-BE49-F238E27FC236}">
+                <a16:creationId xmlns:a16="http://schemas.microsoft.com/office/drawing/2014/main" id="{E94CCE3F-EEFC-9624-E10D-90B58FBCFEEB}"/>
+              </a:ext>
+            </a:extLst>
+          </p:cNvPr>
+          <p:cNvSpPr/>
+          <p:nvPr/>
+        </p:nvSpPr>
+        <p:spPr>
+          <a:xfrm>
+            <a:off x="4675151" y="4042809"/>
+            <a:ext cx="1315714" cy="628621"/>
+          </a:xfrm>
+          <a:prstGeom prst="flowChartProcess">
+            <a:avLst/>
+          </a:prstGeom>
+          <a:solidFill>
+            <a:schemeClr val="bg1">
+              <a:lumMod val="85000"/>
+            </a:schemeClr>
+          </a:solidFill>
+          <a:ln w="19050"/>
+        </p:spPr>
+        <p:style>
+          <a:lnRef idx="2">
+            <a:schemeClr val="dk1"/>
+          </a:lnRef>
+          <a:fillRef idx="1">
+            <a:schemeClr val="lt1"/>
+          </a:fillRef>
+          <a:effectRef idx="0">
+            <a:schemeClr val="dk1"/>
+          </a:effectRef>
+          <a:fontRef idx="minor">
+            <a:schemeClr val="dk1"/>
+          </a:fontRef>
+        </p:style>
+        <p:txBody>
+          <a:bodyPr rot="0" spcFirstLastPara="0" vertOverflow="overflow" horzOverflow="overflow" vert="horz" wrap="square" lIns="91440" tIns="45720" rIns="91440" bIns="45720" numCol="1" spcCol="0" rtlCol="0" fromWordArt="0" anchor="ctr" anchorCtr="0" forceAA="0" compatLnSpc="1">
+            <a:prstTxWarp prst="textNoShape">
+              <a:avLst/>
+            </a:prstTxWarp>
+            <a:noAutofit/>
+          </a:bodyPr>
+          <a:lstStyle/>
+          <a:p>
+            <a:pPr algn="ctr"/>
+            <a:r>
+              <a:rPr lang="en-US" sz="1200" dirty="0">
+                <a:solidFill>
+                  <a:schemeClr val="dk1"/>
+                </a:solidFill>
+                <a:latin typeface="Arial" panose="020B0604020202020204" pitchFamily="34" charset="0"/>
+                <a:cs typeface="Arial" panose="020B0604020202020204" pitchFamily="34" charset="0"/>
+              </a:rPr>
+              <a:t>Step Time</a:t>
+            </a:r>
+          </a:p>
+        </p:txBody>
+      </p:sp>
+      <p:sp>
+        <p:nvSpPr>
+          <p:cNvPr id="17" name="Flowchart: Process 16">
+            <a:extLst>
+              <a:ext uri="{FF2B5EF4-FFF2-40B4-BE49-F238E27FC236}">
+                <a16:creationId xmlns:a16="http://schemas.microsoft.com/office/drawing/2014/main" id="{D92B7E79-4B52-E581-E49B-51B094071D72}"/>
+              </a:ext>
+            </a:extLst>
+          </p:cNvPr>
+          <p:cNvSpPr/>
+          <p:nvPr/>
+        </p:nvSpPr>
+        <p:spPr>
+          <a:xfrm>
+            <a:off x="374239" y="1729872"/>
+            <a:ext cx="1315714" cy="628621"/>
+          </a:xfrm>
+          <a:prstGeom prst="flowChartProcess">
+            <a:avLst/>
+          </a:prstGeom>
+          <a:solidFill>
+            <a:schemeClr val="bg1">
+              <a:lumMod val="85000"/>
+            </a:schemeClr>
+          </a:solidFill>
+          <a:ln w="19050"/>
+        </p:spPr>
+        <p:style>
+          <a:lnRef idx="2">
+            <a:schemeClr val="dk1"/>
+          </a:lnRef>
+          <a:fillRef idx="1">
+            <a:schemeClr val="lt1"/>
+          </a:fillRef>
+          <a:effectRef idx="0">
+            <a:schemeClr val="dk1"/>
+          </a:effectRef>
+          <a:fontRef idx="minor">
+            <a:schemeClr val="dk1"/>
+          </a:fontRef>
+        </p:style>
+        <p:txBody>
+          <a:bodyPr rot="0" spcFirstLastPara="0" vertOverflow="overflow" horzOverflow="overflow" vert="horz" wrap="square" lIns="91440" tIns="45720" rIns="91440" bIns="45720" numCol="1" spcCol="0" rtlCol="0" fromWordArt="0" anchor="ctr" anchorCtr="0" forceAA="0" compatLnSpc="1">
+            <a:prstTxWarp prst="textNoShape">
+              <a:avLst/>
+            </a:prstTxWarp>
+            <a:noAutofit/>
+          </a:bodyPr>
+          <a:lstStyle/>
+          <a:p>
+            <a:pPr algn="ctr"/>
+            <a:r>
+              <a:rPr lang="en-US" sz="1200" dirty="0">
+                <a:solidFill>
+                  <a:schemeClr val="dk1"/>
+                </a:solidFill>
+                <a:latin typeface="Arial" panose="020B0604020202020204" pitchFamily="34" charset="0"/>
+                <a:cs typeface="Arial" panose="020B0604020202020204" pitchFamily="34" charset="0"/>
+              </a:rPr>
+              <a:t>Step Time</a:t>
+            </a:r>
+          </a:p>
+        </p:txBody>
+      </p:sp>
+      <p:sp>
+        <p:nvSpPr>
+          <p:cNvPr id="18" name="Flowchart: Process 17">
+            <a:extLst>
+              <a:ext uri="{FF2B5EF4-FFF2-40B4-BE49-F238E27FC236}">
+                <a16:creationId xmlns:a16="http://schemas.microsoft.com/office/drawing/2014/main" id="{ACC20C2C-8EB5-ADCB-5F3F-3395BB36328D}"/>
+              </a:ext>
+            </a:extLst>
+          </p:cNvPr>
+          <p:cNvSpPr/>
+          <p:nvPr/>
+        </p:nvSpPr>
+        <p:spPr>
+          <a:xfrm>
+            <a:off x="6875102" y="1729872"/>
+            <a:ext cx="1315714" cy="628621"/>
+          </a:xfrm>
+          <a:prstGeom prst="flowChartProcess">
+            <a:avLst/>
+          </a:prstGeom>
+          <a:solidFill>
+            <a:schemeClr val="bg1">
+              <a:lumMod val="85000"/>
+            </a:schemeClr>
+          </a:solidFill>
+          <a:ln w="19050"/>
+        </p:spPr>
+        <p:style>
+          <a:lnRef idx="2">
+            <a:schemeClr val="dk1"/>
+          </a:lnRef>
+          <a:fillRef idx="1">
+            <a:schemeClr val="lt1"/>
+          </a:fillRef>
+          <a:effectRef idx="0">
+            <a:schemeClr val="dk1"/>
+          </a:effectRef>
+          <a:fontRef idx="minor">
+            <a:schemeClr val="dk1"/>
+          </a:fontRef>
+        </p:style>
+        <p:txBody>
+          <a:bodyPr rot="0" spcFirstLastPara="0" vertOverflow="overflow" horzOverflow="overflow" vert="horz" wrap="square" lIns="91440" tIns="45720" rIns="91440" bIns="45720" numCol="1" spcCol="0" rtlCol="0" fromWordArt="0" anchor="ctr" anchorCtr="0" forceAA="0" compatLnSpc="1">
+            <a:prstTxWarp prst="textNoShape">
+              <a:avLst/>
+            </a:prstTxWarp>
+            <a:noAutofit/>
+          </a:bodyPr>
+          <a:lstStyle/>
+          <a:p>
+            <a:pPr algn="ctr"/>
+            <a:r>
+              <a:rPr lang="en-US" sz="1200" dirty="0">
+                <a:solidFill>
+                  <a:schemeClr val="dk1"/>
+                </a:solidFill>
+                <a:latin typeface="Arial" panose="020B0604020202020204" pitchFamily="34" charset="0"/>
+                <a:cs typeface="Arial" panose="020B0604020202020204" pitchFamily="34" charset="0"/>
+              </a:rPr>
+              <a:t>Step Time</a:t>
+            </a:r>
+          </a:p>
+        </p:txBody>
+      </p:sp>
+      <p:cxnSp>
+        <p:nvCxnSpPr>
+          <p:cNvPr id="19" name="Straight Arrow Connector 18">
+            <a:extLst>
+              <a:ext uri="{FF2B5EF4-FFF2-40B4-BE49-F238E27FC236}">
+                <a16:creationId xmlns:a16="http://schemas.microsoft.com/office/drawing/2014/main" id="{93317C48-FCAB-8963-7D0D-2978A39DEE7F}"/>
+              </a:ext>
+            </a:extLst>
+          </p:cNvPr>
+          <p:cNvCxnSpPr>
+            <a:cxnSpLocks/>
+            <a:stCxn id="5" idx="2"/>
+            <a:endCxn id="3" idx="0"/>
+          </p:cNvCxnSpPr>
+          <p:nvPr/>
+        </p:nvCxnSpPr>
+        <p:spPr>
+          <a:xfrm>
+            <a:off x="2936097" y="1151167"/>
+            <a:ext cx="0" cy="444545"/>
+          </a:xfrm>
+          <a:prstGeom prst="straightConnector1">
+            <a:avLst/>
+          </a:prstGeom>
+          <a:ln w="19050">
+            <a:solidFill>
+              <a:schemeClr val="tx1"/>
+            </a:solidFill>
+            <a:tailEnd type="arrow" w="lg" len="lg"/>
+          </a:ln>
+        </p:spPr>
+        <p:style>
+          <a:lnRef idx="1">
+            <a:schemeClr val="accent1"/>
+          </a:lnRef>
+          <a:fillRef idx="0">
+            <a:schemeClr val="accent1"/>
+          </a:fillRef>
+          <a:effectRef idx="0">
+            <a:schemeClr val="accent1"/>
+          </a:effectRef>
+          <a:fontRef idx="minor">
+            <a:schemeClr val="tx1"/>
+          </a:fontRef>
+        </p:style>
+      </p:cxnSp>
+      <p:cxnSp>
+        <p:nvCxnSpPr>
+          <p:cNvPr id="20" name="Straight Arrow Connector 19">
+            <a:extLst>
+              <a:ext uri="{FF2B5EF4-FFF2-40B4-BE49-F238E27FC236}">
+                <a16:creationId xmlns:a16="http://schemas.microsoft.com/office/drawing/2014/main" id="{7FDFB4B9-3CE8-6281-FD07-B018A1A2E0E7}"/>
+              </a:ext>
+            </a:extLst>
+          </p:cNvPr>
+          <p:cNvCxnSpPr>
+            <a:cxnSpLocks/>
+            <a:stCxn id="3" idx="3"/>
+            <a:endCxn id="4" idx="1"/>
+          </p:cNvCxnSpPr>
+          <p:nvPr/>
+        </p:nvCxnSpPr>
+        <p:spPr>
+          <a:xfrm flipV="1">
+            <a:off x="3841714" y="2044182"/>
+            <a:ext cx="585677" cy="3968"/>
+          </a:xfrm>
+          <a:prstGeom prst="straightConnector1">
+            <a:avLst/>
+          </a:prstGeom>
+          <a:ln w="19050">
+            <a:solidFill>
+              <a:schemeClr val="tx1"/>
+            </a:solidFill>
+            <a:tailEnd type="arrow" w="lg" len="lg"/>
+          </a:ln>
+        </p:spPr>
+        <p:style>
+          <a:lnRef idx="1">
+            <a:schemeClr val="accent1"/>
+          </a:lnRef>
+          <a:fillRef idx="0">
+            <a:schemeClr val="accent1"/>
+          </a:fillRef>
+          <a:effectRef idx="0">
+            <a:schemeClr val="accent1"/>
+          </a:effectRef>
+          <a:fontRef idx="minor">
+            <a:schemeClr val="tx1"/>
+          </a:fontRef>
+        </p:style>
+      </p:cxnSp>
+      <p:cxnSp>
+        <p:nvCxnSpPr>
+          <p:cNvPr id="21" name="Straight Arrow Connector 20">
+            <a:extLst>
+              <a:ext uri="{FF2B5EF4-FFF2-40B4-BE49-F238E27FC236}">
+                <a16:creationId xmlns:a16="http://schemas.microsoft.com/office/drawing/2014/main" id="{E3FB0F63-8320-757A-0DB1-CFA83E439D46}"/>
+              </a:ext>
+            </a:extLst>
+          </p:cNvPr>
+          <p:cNvCxnSpPr>
+            <a:cxnSpLocks/>
+            <a:stCxn id="3" idx="2"/>
+            <a:endCxn id="11" idx="0"/>
+          </p:cNvCxnSpPr>
+          <p:nvPr/>
+        </p:nvCxnSpPr>
+        <p:spPr>
+          <a:xfrm>
+            <a:off x="2936097" y="2500587"/>
+            <a:ext cx="0" cy="248989"/>
+          </a:xfrm>
+          <a:prstGeom prst="straightConnector1">
+            <a:avLst/>
+          </a:prstGeom>
+          <a:ln w="19050">
+            <a:solidFill>
+              <a:schemeClr val="tx1"/>
+            </a:solidFill>
+            <a:tailEnd type="arrow" w="lg" len="lg"/>
+          </a:ln>
+        </p:spPr>
+        <p:style>
+          <a:lnRef idx="1">
+            <a:schemeClr val="accent1"/>
+          </a:lnRef>
+          <a:fillRef idx="0">
+            <a:schemeClr val="accent1"/>
+          </a:fillRef>
+          <a:effectRef idx="0">
+            <a:schemeClr val="accent1"/>
+          </a:effectRef>
+          <a:fontRef idx="minor">
+            <a:schemeClr val="tx1"/>
+          </a:fontRef>
+        </p:style>
+      </p:cxnSp>
+      <p:cxnSp>
+        <p:nvCxnSpPr>
+          <p:cNvPr id="22" name="Straight Arrow Connector 21">
+            <a:extLst>
+              <a:ext uri="{FF2B5EF4-FFF2-40B4-BE49-F238E27FC236}">
+                <a16:creationId xmlns:a16="http://schemas.microsoft.com/office/drawing/2014/main" id="{E4BC3720-EDAF-6279-35C7-EEA5E77E6B0A}"/>
+              </a:ext>
+            </a:extLst>
+          </p:cNvPr>
+          <p:cNvCxnSpPr>
+            <a:cxnSpLocks/>
+            <a:stCxn id="11" idx="2"/>
+            <a:endCxn id="9" idx="0"/>
+          </p:cNvCxnSpPr>
+          <p:nvPr/>
+        </p:nvCxnSpPr>
+        <p:spPr>
+          <a:xfrm>
+            <a:off x="2936097" y="3654451"/>
+            <a:ext cx="2097" cy="250233"/>
+          </a:xfrm>
+          <a:prstGeom prst="straightConnector1">
+            <a:avLst/>
+          </a:prstGeom>
+          <a:ln w="19050">
+            <a:solidFill>
+              <a:schemeClr val="tx1"/>
+            </a:solidFill>
+            <a:tailEnd type="arrow" w="lg" len="lg"/>
+          </a:ln>
+        </p:spPr>
+        <p:style>
+          <a:lnRef idx="1">
+            <a:schemeClr val="accent1"/>
+          </a:lnRef>
+          <a:fillRef idx="0">
+            <a:schemeClr val="accent1"/>
+          </a:fillRef>
+          <a:effectRef idx="0">
+            <a:schemeClr val="accent1"/>
+          </a:effectRef>
+          <a:fontRef idx="minor">
+            <a:schemeClr val="tx1"/>
+          </a:fontRef>
+        </p:style>
+      </p:cxnSp>
+      <p:cxnSp>
+        <p:nvCxnSpPr>
+          <p:cNvPr id="23" name="Straight Arrow Connector 22">
+            <a:extLst>
+              <a:ext uri="{FF2B5EF4-FFF2-40B4-BE49-F238E27FC236}">
+                <a16:creationId xmlns:a16="http://schemas.microsoft.com/office/drawing/2014/main" id="{4B8ECAC2-2C2B-2063-04B2-4DC8369C6349}"/>
+              </a:ext>
+            </a:extLst>
+          </p:cNvPr>
+          <p:cNvCxnSpPr>
+            <a:cxnSpLocks/>
+            <a:stCxn id="11" idx="1"/>
+            <a:endCxn id="12" idx="3"/>
+          </p:cNvCxnSpPr>
+          <p:nvPr/>
+        </p:nvCxnSpPr>
+        <p:spPr>
+          <a:xfrm flipH="1">
+            <a:off x="1689953" y="3202014"/>
+            <a:ext cx="340527" cy="3108"/>
+          </a:xfrm>
+          <a:prstGeom prst="straightConnector1">
+            <a:avLst/>
+          </a:prstGeom>
+          <a:ln w="19050">
+            <a:solidFill>
+              <a:schemeClr val="tx1"/>
+            </a:solidFill>
+            <a:tailEnd type="arrow" w="lg" len="lg"/>
+          </a:ln>
+        </p:spPr>
+        <p:style>
+          <a:lnRef idx="1">
+            <a:schemeClr val="accent1"/>
+          </a:lnRef>
+          <a:fillRef idx="0">
+            <a:schemeClr val="accent1"/>
+          </a:fillRef>
+          <a:effectRef idx="0">
+            <a:schemeClr val="accent1"/>
+          </a:effectRef>
+          <a:fontRef idx="minor">
+            <a:schemeClr val="tx1"/>
+          </a:fontRef>
+        </p:style>
+      </p:cxnSp>
+      <p:cxnSp>
+        <p:nvCxnSpPr>
+          <p:cNvPr id="24" name="Straight Arrow Connector 23">
+            <a:extLst>
+              <a:ext uri="{FF2B5EF4-FFF2-40B4-BE49-F238E27FC236}">
+                <a16:creationId xmlns:a16="http://schemas.microsoft.com/office/drawing/2014/main" id="{69997924-CE66-B09B-8518-0ACF175EB91B}"/>
+              </a:ext>
+            </a:extLst>
+          </p:cNvPr>
+          <p:cNvCxnSpPr>
+            <a:cxnSpLocks/>
+            <a:stCxn id="9" idx="1"/>
+            <a:endCxn id="10" idx="3"/>
+          </p:cNvCxnSpPr>
+          <p:nvPr/>
+        </p:nvCxnSpPr>
+        <p:spPr>
+          <a:xfrm flipH="1" flipV="1">
+            <a:off x="1689953" y="4357121"/>
+            <a:ext cx="342624" cy="1"/>
+          </a:xfrm>
+          <a:prstGeom prst="straightConnector1">
+            <a:avLst/>
+          </a:prstGeom>
+          <a:ln w="19050">
+            <a:solidFill>
+              <a:schemeClr val="tx1"/>
+            </a:solidFill>
+            <a:tailEnd type="arrow" w="lg" len="lg"/>
+          </a:ln>
+        </p:spPr>
+        <p:style>
+          <a:lnRef idx="1">
+            <a:schemeClr val="accent1"/>
+          </a:lnRef>
+          <a:fillRef idx="0">
+            <a:schemeClr val="accent1"/>
+          </a:fillRef>
+          <a:effectRef idx="0">
+            <a:schemeClr val="accent1"/>
+          </a:effectRef>
+          <a:fontRef idx="minor">
+            <a:schemeClr val="tx1"/>
+          </a:fontRef>
+        </p:style>
+      </p:cxnSp>
+      <p:cxnSp>
+        <p:nvCxnSpPr>
+          <p:cNvPr id="25" name="Connector: Elbow 24">
+            <a:extLst>
+              <a:ext uri="{FF2B5EF4-FFF2-40B4-BE49-F238E27FC236}">
+                <a16:creationId xmlns:a16="http://schemas.microsoft.com/office/drawing/2014/main" id="{7EAB70FC-35B3-1C41-700A-17301BDBBA23}"/>
+              </a:ext>
+            </a:extLst>
+          </p:cNvPr>
+          <p:cNvCxnSpPr>
+            <a:cxnSpLocks/>
+            <a:stCxn id="9" idx="2"/>
+            <a:endCxn id="8" idx="3"/>
+          </p:cNvCxnSpPr>
+          <p:nvPr/>
+        </p:nvCxnSpPr>
+        <p:spPr>
+          <a:xfrm rot="5400000">
+            <a:off x="1956987" y="4547162"/>
+            <a:ext cx="718811" cy="1243605"/>
+          </a:xfrm>
+          <a:prstGeom prst="bentConnector2">
+            <a:avLst/>
+          </a:prstGeom>
+          <a:ln w="19050">
+            <a:solidFill>
+              <a:schemeClr val="tx1"/>
+            </a:solidFill>
+            <a:tailEnd type="arrow" w="lg" len="lg"/>
+          </a:ln>
+        </p:spPr>
+        <p:style>
+          <a:lnRef idx="1">
+            <a:schemeClr val="accent1"/>
+          </a:lnRef>
+          <a:fillRef idx="0">
+            <a:schemeClr val="accent1"/>
+          </a:fillRef>
+          <a:effectRef idx="0">
+            <a:schemeClr val="accent1"/>
+          </a:effectRef>
+          <a:fontRef idx="minor">
+            <a:schemeClr val="tx1"/>
+          </a:fontRef>
+        </p:style>
+      </p:cxnSp>
+      <p:cxnSp>
+        <p:nvCxnSpPr>
+          <p:cNvPr id="26" name="Connector: Elbow 25">
+            <a:extLst>
+              <a:ext uri="{FF2B5EF4-FFF2-40B4-BE49-F238E27FC236}">
+                <a16:creationId xmlns:a16="http://schemas.microsoft.com/office/drawing/2014/main" id="{9920FF70-CFB1-F874-C77D-3CD05DF12BAE}"/>
+              </a:ext>
+            </a:extLst>
+          </p:cNvPr>
+          <p:cNvCxnSpPr>
+            <a:cxnSpLocks/>
+            <a:stCxn id="8" idx="1"/>
+            <a:endCxn id="17" idx="1"/>
+          </p:cNvCxnSpPr>
+          <p:nvPr/>
+        </p:nvCxnSpPr>
+        <p:spPr>
+          <a:xfrm rot="10800000">
+            <a:off x="374239" y="2044184"/>
+            <a:ext cx="4636" cy="3484187"/>
+          </a:xfrm>
+          <a:prstGeom prst="bentConnector3">
+            <a:avLst>
+              <a:gd name="adj1" fmla="val 5030975"/>
+            </a:avLst>
+          </a:prstGeom>
+          <a:ln w="19050">
+            <a:solidFill>
+              <a:schemeClr val="tx1"/>
+            </a:solidFill>
+            <a:tailEnd type="arrow" w="lg" len="lg"/>
+          </a:ln>
+        </p:spPr>
+        <p:style>
+          <a:lnRef idx="1">
+            <a:schemeClr val="accent1"/>
+          </a:lnRef>
+          <a:fillRef idx="0">
+            <a:schemeClr val="accent1"/>
+          </a:fillRef>
+          <a:effectRef idx="0">
+            <a:schemeClr val="accent1"/>
+          </a:effectRef>
+          <a:fontRef idx="minor">
+            <a:schemeClr val="tx1"/>
+          </a:fontRef>
+        </p:style>
+      </p:cxnSp>
+      <p:cxnSp>
+        <p:nvCxnSpPr>
+          <p:cNvPr id="27" name="Straight Arrow Connector 26">
+            <a:extLst>
+              <a:ext uri="{FF2B5EF4-FFF2-40B4-BE49-F238E27FC236}">
+                <a16:creationId xmlns:a16="http://schemas.microsoft.com/office/drawing/2014/main" id="{60D52AAC-FF5D-5C4C-5CF2-14A78B795F6C}"/>
+              </a:ext>
+            </a:extLst>
+          </p:cNvPr>
+          <p:cNvCxnSpPr>
+            <a:cxnSpLocks/>
+            <a:stCxn id="17" idx="3"/>
+            <a:endCxn id="3" idx="1"/>
+          </p:cNvCxnSpPr>
+          <p:nvPr/>
+        </p:nvCxnSpPr>
+        <p:spPr>
+          <a:xfrm>
+            <a:off x="1689953" y="2044183"/>
+            <a:ext cx="340527" cy="3967"/>
+          </a:xfrm>
+          <a:prstGeom prst="straightConnector1">
+            <a:avLst/>
+          </a:prstGeom>
+          <a:ln w="19050">
+            <a:solidFill>
+              <a:schemeClr val="tx1"/>
+            </a:solidFill>
+            <a:tailEnd type="arrow" w="lg" len="lg"/>
+          </a:ln>
+        </p:spPr>
+        <p:style>
+          <a:lnRef idx="1">
+            <a:schemeClr val="accent1"/>
+          </a:lnRef>
+          <a:fillRef idx="0">
+            <a:schemeClr val="accent1"/>
+          </a:fillRef>
+          <a:effectRef idx="0">
+            <a:schemeClr val="accent1"/>
+          </a:effectRef>
+          <a:fontRef idx="minor">
+            <a:schemeClr val="tx1"/>
+          </a:fontRef>
+        </p:style>
+      </p:cxnSp>
+      <p:cxnSp>
+        <p:nvCxnSpPr>
+          <p:cNvPr id="28" name="Straight Arrow Connector 27">
+            <a:extLst>
+              <a:ext uri="{FF2B5EF4-FFF2-40B4-BE49-F238E27FC236}">
+                <a16:creationId xmlns:a16="http://schemas.microsoft.com/office/drawing/2014/main" id="{7F6F9DE6-BDA5-211F-2FC6-8051C54D6CD9}"/>
+              </a:ext>
+            </a:extLst>
+          </p:cNvPr>
+          <p:cNvCxnSpPr>
+            <a:cxnSpLocks/>
+            <a:stCxn id="4" idx="2"/>
+            <a:endCxn id="7" idx="0"/>
+          </p:cNvCxnSpPr>
+          <p:nvPr/>
+        </p:nvCxnSpPr>
+        <p:spPr>
+          <a:xfrm>
+            <a:off x="5333008" y="2496619"/>
+            <a:ext cx="0" cy="374941"/>
+          </a:xfrm>
+          <a:prstGeom prst="straightConnector1">
+            <a:avLst/>
+          </a:prstGeom>
+          <a:ln w="19050">
+            <a:solidFill>
+              <a:schemeClr val="tx1"/>
+            </a:solidFill>
+            <a:tailEnd type="arrow" w="lg" len="lg"/>
+          </a:ln>
+        </p:spPr>
+        <p:style>
+          <a:lnRef idx="1">
+            <a:schemeClr val="accent1"/>
+          </a:lnRef>
+          <a:fillRef idx="0">
+            <a:schemeClr val="accent1"/>
+          </a:fillRef>
+          <a:effectRef idx="0">
+            <a:schemeClr val="accent1"/>
+          </a:effectRef>
+          <a:fontRef idx="minor">
+            <a:schemeClr val="tx1"/>
+          </a:fontRef>
+        </p:style>
+      </p:cxnSp>
+      <p:cxnSp>
+        <p:nvCxnSpPr>
+          <p:cNvPr id="29" name="Straight Arrow Connector 28">
+            <a:extLst>
+              <a:ext uri="{FF2B5EF4-FFF2-40B4-BE49-F238E27FC236}">
+                <a16:creationId xmlns:a16="http://schemas.microsoft.com/office/drawing/2014/main" id="{9C603717-519F-F1BF-1961-C2505F7BCBCC}"/>
+              </a:ext>
+            </a:extLst>
+          </p:cNvPr>
+          <p:cNvCxnSpPr>
+            <a:cxnSpLocks/>
+            <a:stCxn id="7" idx="2"/>
+            <a:endCxn id="16" idx="0"/>
+          </p:cNvCxnSpPr>
+          <p:nvPr/>
+        </p:nvCxnSpPr>
+        <p:spPr>
+          <a:xfrm>
+            <a:off x="5333008" y="3500181"/>
+            <a:ext cx="0" cy="542628"/>
+          </a:xfrm>
+          <a:prstGeom prst="straightConnector1">
+            <a:avLst/>
+          </a:prstGeom>
+          <a:ln w="19050">
+            <a:solidFill>
+              <a:schemeClr val="tx1"/>
+            </a:solidFill>
+            <a:tailEnd type="arrow" w="lg" len="lg"/>
+          </a:ln>
+        </p:spPr>
+        <p:style>
+          <a:lnRef idx="1">
+            <a:schemeClr val="accent1"/>
+          </a:lnRef>
+          <a:fillRef idx="0">
+            <a:schemeClr val="accent1"/>
+          </a:fillRef>
+          <a:effectRef idx="0">
+            <a:schemeClr val="accent1"/>
+          </a:effectRef>
+          <a:fontRef idx="minor">
+            <a:schemeClr val="tx1"/>
+          </a:fontRef>
+        </p:style>
+      </p:cxnSp>
+      <p:cxnSp>
+        <p:nvCxnSpPr>
+          <p:cNvPr id="30" name="Connector: Elbow 29">
+            <a:extLst>
+              <a:ext uri="{FF2B5EF4-FFF2-40B4-BE49-F238E27FC236}">
+                <a16:creationId xmlns:a16="http://schemas.microsoft.com/office/drawing/2014/main" id="{F84AEB44-3F9E-1D2F-DCB7-47228A9868F6}"/>
+              </a:ext>
+            </a:extLst>
+          </p:cNvPr>
+          <p:cNvCxnSpPr>
+            <a:cxnSpLocks/>
+            <a:stCxn id="16" idx="1"/>
+          </p:cNvCxnSpPr>
+          <p:nvPr/>
+        </p:nvCxnSpPr>
+        <p:spPr>
+          <a:xfrm rot="10800000">
+            <a:off x="4169419" y="2033636"/>
+            <a:ext cx="505733" cy="2323485"/>
+          </a:xfrm>
+          <a:prstGeom prst="bentConnector2">
+            <a:avLst/>
+          </a:prstGeom>
+          <a:ln w="19050">
+            <a:solidFill>
+              <a:schemeClr val="tx1"/>
+            </a:solidFill>
+            <a:tailEnd type="arrow" w="lg" len="lg"/>
+          </a:ln>
+        </p:spPr>
+        <p:style>
+          <a:lnRef idx="1">
+            <a:schemeClr val="accent1"/>
+          </a:lnRef>
+          <a:fillRef idx="0">
+            <a:schemeClr val="accent1"/>
+          </a:fillRef>
+          <a:effectRef idx="0">
+            <a:schemeClr val="accent1"/>
+          </a:effectRef>
+          <a:fontRef idx="minor">
+            <a:schemeClr val="tx1"/>
+          </a:fontRef>
+        </p:style>
+      </p:cxnSp>
+      <p:cxnSp>
+        <p:nvCxnSpPr>
+          <p:cNvPr id="31" name="Connector: Elbow 30">
+            <a:extLst>
+              <a:ext uri="{FF2B5EF4-FFF2-40B4-BE49-F238E27FC236}">
+                <a16:creationId xmlns:a16="http://schemas.microsoft.com/office/drawing/2014/main" id="{93D4F12D-C3A6-17AE-6AFB-FA713319BB83}"/>
+              </a:ext>
+            </a:extLst>
+          </p:cNvPr>
+          <p:cNvCxnSpPr>
+            <a:cxnSpLocks/>
+            <a:stCxn id="4" idx="0"/>
+            <a:endCxn id="6" idx="1"/>
+          </p:cNvCxnSpPr>
+          <p:nvPr/>
+        </p:nvCxnSpPr>
+        <p:spPr>
+          <a:xfrm rot="5400000" flipH="1" flipV="1">
+            <a:off x="6678472" y="-508606"/>
+            <a:ext cx="754887" cy="3445814"/>
+          </a:xfrm>
+          <a:prstGeom prst="bentConnector2">
+            <a:avLst/>
+          </a:prstGeom>
+          <a:ln w="19050">
+            <a:solidFill>
+              <a:schemeClr val="tx1"/>
+            </a:solidFill>
+            <a:tailEnd type="arrow" w="lg" len="lg"/>
+          </a:ln>
+        </p:spPr>
+        <p:style>
+          <a:lnRef idx="1">
+            <a:schemeClr val="accent1"/>
+          </a:lnRef>
+          <a:fillRef idx="0">
+            <a:schemeClr val="accent1"/>
+          </a:fillRef>
+          <a:effectRef idx="0">
+            <a:schemeClr val="accent1"/>
+          </a:effectRef>
+          <a:fontRef idx="minor">
+            <a:schemeClr val="tx1"/>
+          </a:fontRef>
+        </p:style>
+      </p:cxnSp>
+      <p:cxnSp>
+        <p:nvCxnSpPr>
+          <p:cNvPr id="32" name="Straight Arrow Connector 31">
+            <a:extLst>
+              <a:ext uri="{FF2B5EF4-FFF2-40B4-BE49-F238E27FC236}">
+                <a16:creationId xmlns:a16="http://schemas.microsoft.com/office/drawing/2014/main" id="{AA2D5FE1-5A77-BAD7-F37A-16ADF85B340A}"/>
+              </a:ext>
+            </a:extLst>
+          </p:cNvPr>
+          <p:cNvCxnSpPr>
+            <a:cxnSpLocks/>
+            <a:stCxn id="6" idx="2"/>
+            <a:endCxn id="2" idx="0"/>
+          </p:cNvCxnSpPr>
+          <p:nvPr/>
+        </p:nvCxnSpPr>
+        <p:spPr>
+          <a:xfrm>
+            <a:off x="9436679" y="1151167"/>
+            <a:ext cx="0" cy="440577"/>
+          </a:xfrm>
+          <a:prstGeom prst="straightConnector1">
+            <a:avLst/>
+          </a:prstGeom>
+          <a:ln w="19050">
+            <a:solidFill>
+              <a:schemeClr val="tx1"/>
+            </a:solidFill>
+            <a:tailEnd type="arrow" w="lg" len="lg"/>
+          </a:ln>
+        </p:spPr>
+        <p:style>
+          <a:lnRef idx="1">
+            <a:schemeClr val="accent1"/>
+          </a:lnRef>
+          <a:fillRef idx="0">
+            <a:schemeClr val="accent1"/>
+          </a:fillRef>
+          <a:effectRef idx="0">
+            <a:schemeClr val="accent1"/>
+          </a:effectRef>
+          <a:fontRef idx="minor">
+            <a:schemeClr val="tx1"/>
+          </a:fontRef>
+        </p:style>
+      </p:cxnSp>
+      <p:cxnSp>
+        <p:nvCxnSpPr>
+          <p:cNvPr id="33" name="Straight Arrow Connector 32">
+            <a:extLst>
+              <a:ext uri="{FF2B5EF4-FFF2-40B4-BE49-F238E27FC236}">
+                <a16:creationId xmlns:a16="http://schemas.microsoft.com/office/drawing/2014/main" id="{92C73542-F9B6-A203-A0EB-312118DA44A2}"/>
+              </a:ext>
+            </a:extLst>
+          </p:cNvPr>
+          <p:cNvCxnSpPr>
+            <a:cxnSpLocks/>
+            <a:stCxn id="2" idx="2"/>
+            <a:endCxn id="15" idx="0"/>
+          </p:cNvCxnSpPr>
+          <p:nvPr/>
+        </p:nvCxnSpPr>
+        <p:spPr>
+          <a:xfrm>
+            <a:off x="9436679" y="2496619"/>
+            <a:ext cx="0" cy="252957"/>
+          </a:xfrm>
+          <a:prstGeom prst="straightConnector1">
+            <a:avLst/>
+          </a:prstGeom>
+          <a:ln w="19050">
+            <a:solidFill>
+              <a:schemeClr val="tx1"/>
+            </a:solidFill>
+            <a:tailEnd type="arrow" w="lg" len="lg"/>
+          </a:ln>
+        </p:spPr>
+        <p:style>
+          <a:lnRef idx="1">
+            <a:schemeClr val="accent1"/>
+          </a:lnRef>
+          <a:fillRef idx="0">
+            <a:schemeClr val="accent1"/>
+          </a:fillRef>
+          <a:effectRef idx="0">
+            <a:schemeClr val="accent1"/>
+          </a:effectRef>
+          <a:fontRef idx="minor">
+            <a:schemeClr val="tx1"/>
+          </a:fontRef>
+        </p:style>
+      </p:cxnSp>
+      <p:cxnSp>
+        <p:nvCxnSpPr>
+          <p:cNvPr id="34" name="Straight Arrow Connector 33">
+            <a:extLst>
+              <a:ext uri="{FF2B5EF4-FFF2-40B4-BE49-F238E27FC236}">
+                <a16:creationId xmlns:a16="http://schemas.microsoft.com/office/drawing/2014/main" id="{8F0FE50E-D6EA-66FA-375A-9BDF8BBA1B86}"/>
+              </a:ext>
+            </a:extLst>
+          </p:cNvPr>
+          <p:cNvCxnSpPr>
+            <a:cxnSpLocks/>
+            <a:stCxn id="18" idx="3"/>
+            <a:endCxn id="2" idx="1"/>
+          </p:cNvCxnSpPr>
+          <p:nvPr/>
+        </p:nvCxnSpPr>
+        <p:spPr>
+          <a:xfrm flipV="1">
+            <a:off x="8190816" y="2044182"/>
+            <a:ext cx="340246" cy="1"/>
+          </a:xfrm>
+          <a:prstGeom prst="straightConnector1">
+            <a:avLst/>
+          </a:prstGeom>
+          <a:ln w="19050">
+            <a:solidFill>
+              <a:schemeClr val="tx1"/>
+            </a:solidFill>
+            <a:tailEnd type="arrow" w="lg" len="lg"/>
+          </a:ln>
+        </p:spPr>
+        <p:style>
+          <a:lnRef idx="1">
+            <a:schemeClr val="accent1"/>
+          </a:lnRef>
+          <a:fillRef idx="0">
+            <a:schemeClr val="accent1"/>
+          </a:fillRef>
+          <a:effectRef idx="0">
+            <a:schemeClr val="accent1"/>
+          </a:effectRef>
+          <a:fontRef idx="minor">
+            <a:schemeClr val="tx1"/>
+          </a:fontRef>
+        </p:style>
+      </p:cxnSp>
+      <p:cxnSp>
+        <p:nvCxnSpPr>
+          <p:cNvPr id="35" name="Straight Arrow Connector 34">
+            <a:extLst>
+              <a:ext uri="{FF2B5EF4-FFF2-40B4-BE49-F238E27FC236}">
+                <a16:creationId xmlns:a16="http://schemas.microsoft.com/office/drawing/2014/main" id="{4537F514-66C1-1899-FD83-5E0C71C3921B}"/>
+              </a:ext>
+            </a:extLst>
+          </p:cNvPr>
+          <p:cNvCxnSpPr>
+            <a:cxnSpLocks/>
+            <a:stCxn id="15" idx="1"/>
+            <a:endCxn id="13" idx="3"/>
+          </p:cNvCxnSpPr>
+          <p:nvPr/>
+        </p:nvCxnSpPr>
+        <p:spPr>
+          <a:xfrm flipH="1">
+            <a:off x="8190816" y="3202014"/>
+            <a:ext cx="340246" cy="2870"/>
+          </a:xfrm>
+          <a:prstGeom prst="straightConnector1">
+            <a:avLst/>
+          </a:prstGeom>
+          <a:ln w="19050">
+            <a:solidFill>
+              <a:schemeClr val="tx1"/>
+            </a:solidFill>
+            <a:tailEnd type="arrow" w="lg" len="lg"/>
+          </a:ln>
+        </p:spPr>
+        <p:style>
+          <a:lnRef idx="1">
+            <a:schemeClr val="accent1"/>
+          </a:lnRef>
+          <a:fillRef idx="0">
+            <a:schemeClr val="accent1"/>
+          </a:fillRef>
+          <a:effectRef idx="0">
+            <a:schemeClr val="accent1"/>
+          </a:effectRef>
+          <a:fontRef idx="minor">
+            <a:schemeClr val="tx1"/>
+          </a:fontRef>
+        </p:style>
+      </p:cxnSp>
+      <p:cxnSp>
+        <p:nvCxnSpPr>
+          <p:cNvPr id="36" name="Connector: Elbow 35">
+            <a:extLst>
+              <a:ext uri="{FF2B5EF4-FFF2-40B4-BE49-F238E27FC236}">
+                <a16:creationId xmlns:a16="http://schemas.microsoft.com/office/drawing/2014/main" id="{FF6786C9-BAFA-9A9C-E750-87EB4B30AA30}"/>
+              </a:ext>
+            </a:extLst>
+          </p:cNvPr>
+          <p:cNvCxnSpPr>
+            <a:cxnSpLocks/>
+            <a:stCxn id="15" idx="2"/>
+            <a:endCxn id="14" idx="3"/>
+          </p:cNvCxnSpPr>
+          <p:nvPr/>
+        </p:nvCxnSpPr>
+        <p:spPr>
+          <a:xfrm rot="5400000">
+            <a:off x="8462315" y="3382953"/>
+            <a:ext cx="702867" cy="1245863"/>
+          </a:xfrm>
+          <a:prstGeom prst="bentConnector2">
+            <a:avLst/>
+          </a:prstGeom>
+          <a:ln w="19050">
+            <a:solidFill>
+              <a:schemeClr val="tx1"/>
+            </a:solidFill>
+            <a:tailEnd type="arrow" w="lg" len="lg"/>
+          </a:ln>
+        </p:spPr>
+        <p:style>
+          <a:lnRef idx="1">
+            <a:schemeClr val="accent1"/>
+          </a:lnRef>
+          <a:fillRef idx="0">
+            <a:schemeClr val="accent1"/>
+          </a:fillRef>
+          <a:effectRef idx="0">
+            <a:schemeClr val="accent1"/>
+          </a:effectRef>
+          <a:fontRef idx="minor">
+            <a:schemeClr val="tx1"/>
+          </a:fontRef>
+        </p:style>
+      </p:cxnSp>
+      <p:cxnSp>
+        <p:nvCxnSpPr>
+          <p:cNvPr id="37" name="Connector: Elbow 36">
+            <a:extLst>
+              <a:ext uri="{FF2B5EF4-FFF2-40B4-BE49-F238E27FC236}">
+                <a16:creationId xmlns:a16="http://schemas.microsoft.com/office/drawing/2014/main" id="{CBE61302-93D1-0216-9948-154FCB2E5FD2}"/>
+              </a:ext>
+            </a:extLst>
+          </p:cNvPr>
+          <p:cNvCxnSpPr>
+            <a:cxnSpLocks/>
+            <a:stCxn id="14" idx="1"/>
+            <a:endCxn id="18" idx="1"/>
+          </p:cNvCxnSpPr>
+          <p:nvPr/>
+        </p:nvCxnSpPr>
+        <p:spPr>
+          <a:xfrm rot="10800000">
+            <a:off x="6875102" y="2044184"/>
+            <a:ext cx="12700" cy="2313135"/>
+          </a:xfrm>
+          <a:prstGeom prst="bentConnector3">
+            <a:avLst>
+              <a:gd name="adj1" fmla="val 1800000"/>
+            </a:avLst>
+          </a:prstGeom>
+          <a:ln w="19050">
+            <a:solidFill>
+              <a:schemeClr val="tx1"/>
+            </a:solidFill>
+            <a:tailEnd type="arrow" w="lg" len="lg"/>
+          </a:ln>
+        </p:spPr>
+        <p:style>
+          <a:lnRef idx="1">
+            <a:schemeClr val="accent1"/>
+          </a:lnRef>
+          <a:fillRef idx="0">
+            <a:schemeClr val="accent1"/>
+          </a:fillRef>
+          <a:effectRef idx="0">
+            <a:schemeClr val="accent1"/>
+          </a:effectRef>
+          <a:fontRef idx="minor">
+            <a:schemeClr val="tx1"/>
+          </a:fontRef>
+        </p:style>
+      </p:cxnSp>
+      <p:cxnSp>
+        <p:nvCxnSpPr>
+          <p:cNvPr id="38" name="Connector: Elbow 37">
+            <a:extLst>
+              <a:ext uri="{FF2B5EF4-FFF2-40B4-BE49-F238E27FC236}">
+                <a16:creationId xmlns:a16="http://schemas.microsoft.com/office/drawing/2014/main" id="{D9546844-6079-DF59-32D9-4164E13C9864}"/>
+              </a:ext>
+            </a:extLst>
+          </p:cNvPr>
+          <p:cNvCxnSpPr>
+            <a:cxnSpLocks/>
+            <a:stCxn id="2" idx="3"/>
+            <a:endCxn id="5" idx="0"/>
+          </p:cNvCxnSpPr>
+          <p:nvPr/>
+        </p:nvCxnSpPr>
+        <p:spPr>
+          <a:xfrm flipH="1" flipV="1">
+            <a:off x="2936097" y="522546"/>
+            <a:ext cx="7406199" cy="1521636"/>
+          </a:xfrm>
+          <a:prstGeom prst="bentConnector4">
+            <a:avLst>
+              <a:gd name="adj1" fmla="val -3087"/>
+              <a:gd name="adj2" fmla="val 115023"/>
+            </a:avLst>
+          </a:prstGeom>
+          <a:ln w="19050">
+            <a:solidFill>
+              <a:schemeClr val="tx1"/>
+            </a:solidFill>
+            <a:tailEnd type="arrow" w="lg" len="lg"/>
+          </a:ln>
+        </p:spPr>
+        <p:style>
+          <a:lnRef idx="1">
+            <a:schemeClr val="accent1"/>
+          </a:lnRef>
+          <a:fillRef idx="0">
+            <a:schemeClr val="accent1"/>
+          </a:fillRef>
+          <a:effectRef idx="0">
+            <a:schemeClr val="accent1"/>
+          </a:effectRef>
+          <a:fontRef idx="minor">
+            <a:schemeClr val="tx1"/>
+          </a:fontRef>
+        </p:style>
+      </p:cxnSp>
+      <p:sp>
+        <p:nvSpPr>
+          <p:cNvPr id="39" name="TextBox 38">
+            <a:extLst>
+              <a:ext uri="{FF2B5EF4-FFF2-40B4-BE49-F238E27FC236}">
+                <a16:creationId xmlns:a16="http://schemas.microsoft.com/office/drawing/2014/main" id="{8E393713-95D6-C26D-7F5A-38A2F892198C}"/>
+              </a:ext>
+            </a:extLst>
+          </p:cNvPr>
+          <p:cNvSpPr txBox="1"/>
+          <p:nvPr/>
+        </p:nvSpPr>
+        <p:spPr>
+          <a:xfrm>
+            <a:off x="2950478" y="2472577"/>
+            <a:ext cx="380232" cy="276999"/>
+          </a:xfrm>
+          <a:prstGeom prst="rect">
+            <a:avLst/>
+          </a:prstGeom>
+          <a:noFill/>
+        </p:spPr>
+        <p:txBody>
+          <a:bodyPr wrap="none" rtlCol="0">
+            <a:spAutoFit/>
+          </a:bodyPr>
+          <a:lstStyle/>
+          <a:p>
+            <a:r>
+              <a:rPr lang="en-US" sz="1200" dirty="0">
+                <a:latin typeface="Arial" panose="020B0604020202020204" pitchFamily="34" charset="0"/>
+                <a:cs typeface="Arial" panose="020B0604020202020204" pitchFamily="34" charset="0"/>
+              </a:rPr>
+              <a:t>No</a:t>
+            </a:r>
+          </a:p>
+        </p:txBody>
+      </p:sp>
+      <p:sp>
+        <p:nvSpPr>
+          <p:cNvPr id="40" name="TextBox 39">
+            <a:extLst>
+              <a:ext uri="{FF2B5EF4-FFF2-40B4-BE49-F238E27FC236}">
+                <a16:creationId xmlns:a16="http://schemas.microsoft.com/office/drawing/2014/main" id="{B229AC9C-589D-B446-A4B8-DCDDF7628BB5}"/>
+              </a:ext>
+            </a:extLst>
+          </p:cNvPr>
+          <p:cNvSpPr txBox="1"/>
+          <p:nvPr/>
+        </p:nvSpPr>
+        <p:spPr>
+          <a:xfrm>
+            <a:off x="3712715" y="1807004"/>
+            <a:ext cx="435056" cy="276999"/>
+          </a:xfrm>
+          <a:prstGeom prst="rect">
+            <a:avLst/>
+          </a:prstGeom>
+          <a:noFill/>
+        </p:spPr>
+        <p:txBody>
+          <a:bodyPr wrap="none" rtlCol="0">
+            <a:spAutoFit/>
+          </a:bodyPr>
+          <a:lstStyle/>
+          <a:p>
+            <a:r>
+              <a:rPr lang="en-US" sz="1200" dirty="0">
+                <a:latin typeface="Arial" panose="020B0604020202020204" pitchFamily="34" charset="0"/>
+                <a:cs typeface="Arial" panose="020B0604020202020204" pitchFamily="34" charset="0"/>
+              </a:rPr>
+              <a:t>Yes</a:t>
+            </a:r>
+          </a:p>
+        </p:txBody>
+      </p:sp>
+      <p:sp>
+        <p:nvSpPr>
+          <p:cNvPr id="41" name="TextBox 40">
+            <a:extLst>
+              <a:ext uri="{FF2B5EF4-FFF2-40B4-BE49-F238E27FC236}">
+                <a16:creationId xmlns:a16="http://schemas.microsoft.com/office/drawing/2014/main" id="{44ACCA26-8FE1-21DF-C190-67C5625B3BD7}"/>
+              </a:ext>
+            </a:extLst>
+          </p:cNvPr>
+          <p:cNvSpPr txBox="1"/>
+          <p:nvPr/>
+        </p:nvSpPr>
+        <p:spPr>
+          <a:xfrm>
+            <a:off x="10202971" y="1807004"/>
+            <a:ext cx="435056" cy="276999"/>
+          </a:xfrm>
+          <a:prstGeom prst="rect">
+            <a:avLst/>
+          </a:prstGeom>
+          <a:noFill/>
+        </p:spPr>
+        <p:txBody>
+          <a:bodyPr wrap="none" rtlCol="0">
+            <a:spAutoFit/>
+          </a:bodyPr>
+          <a:lstStyle/>
+          <a:p>
+            <a:r>
+              <a:rPr lang="en-US" sz="1200" dirty="0">
+                <a:latin typeface="Arial" panose="020B0604020202020204" pitchFamily="34" charset="0"/>
+                <a:cs typeface="Arial" panose="020B0604020202020204" pitchFamily="34" charset="0"/>
+              </a:rPr>
+              <a:t>Yes</a:t>
+            </a:r>
+          </a:p>
+        </p:txBody>
+      </p:sp>
+      <p:sp>
+        <p:nvSpPr>
+          <p:cNvPr id="42" name="TextBox 41">
+            <a:extLst>
+              <a:ext uri="{FF2B5EF4-FFF2-40B4-BE49-F238E27FC236}">
+                <a16:creationId xmlns:a16="http://schemas.microsoft.com/office/drawing/2014/main" id="{5C904D87-4BC7-48E7-AB16-0B5E27512B47}"/>
+              </a:ext>
+            </a:extLst>
+          </p:cNvPr>
+          <p:cNvSpPr txBox="1"/>
+          <p:nvPr/>
+        </p:nvSpPr>
+        <p:spPr>
+          <a:xfrm>
+            <a:off x="1741354" y="2965723"/>
+            <a:ext cx="435056" cy="276999"/>
+          </a:xfrm>
+          <a:prstGeom prst="rect">
+            <a:avLst/>
+          </a:prstGeom>
+          <a:noFill/>
+        </p:spPr>
+        <p:txBody>
+          <a:bodyPr wrap="none" rtlCol="0">
+            <a:spAutoFit/>
+          </a:bodyPr>
+          <a:lstStyle/>
+          <a:p>
+            <a:r>
+              <a:rPr lang="en-US" sz="1200" dirty="0">
+                <a:latin typeface="Arial" panose="020B0604020202020204" pitchFamily="34" charset="0"/>
+                <a:cs typeface="Arial" panose="020B0604020202020204" pitchFamily="34" charset="0"/>
+              </a:rPr>
+              <a:t>Yes</a:t>
+            </a:r>
+          </a:p>
+        </p:txBody>
+      </p:sp>
+      <p:sp>
+        <p:nvSpPr>
+          <p:cNvPr id="43" name="TextBox 42">
+            <a:extLst>
+              <a:ext uri="{FF2B5EF4-FFF2-40B4-BE49-F238E27FC236}">
+                <a16:creationId xmlns:a16="http://schemas.microsoft.com/office/drawing/2014/main" id="{C0A35174-C315-4B2D-A76F-667D1DEE848A}"/>
+              </a:ext>
+            </a:extLst>
+          </p:cNvPr>
+          <p:cNvSpPr txBox="1"/>
+          <p:nvPr/>
+        </p:nvSpPr>
+        <p:spPr>
+          <a:xfrm>
+            <a:off x="1741354" y="4121977"/>
+            <a:ext cx="435056" cy="276999"/>
+          </a:xfrm>
+          <a:prstGeom prst="rect">
+            <a:avLst/>
+          </a:prstGeom>
+          <a:noFill/>
+        </p:spPr>
+        <p:txBody>
+          <a:bodyPr wrap="none" rtlCol="0">
+            <a:spAutoFit/>
+          </a:bodyPr>
+          <a:lstStyle/>
+          <a:p>
+            <a:r>
+              <a:rPr lang="en-US" sz="1200" dirty="0">
+                <a:latin typeface="Arial" panose="020B0604020202020204" pitchFamily="34" charset="0"/>
+                <a:cs typeface="Arial" panose="020B0604020202020204" pitchFamily="34" charset="0"/>
+              </a:rPr>
+              <a:t>Yes</a:t>
+            </a:r>
+          </a:p>
+        </p:txBody>
+      </p:sp>
+      <p:sp>
+        <p:nvSpPr>
+          <p:cNvPr id="44" name="TextBox 43">
+            <a:extLst>
+              <a:ext uri="{FF2B5EF4-FFF2-40B4-BE49-F238E27FC236}">
+                <a16:creationId xmlns:a16="http://schemas.microsoft.com/office/drawing/2014/main" id="{5E13E628-1568-EAA4-FA3A-DCB0201943B2}"/>
+              </a:ext>
+            </a:extLst>
+          </p:cNvPr>
+          <p:cNvSpPr txBox="1"/>
+          <p:nvPr/>
+        </p:nvSpPr>
+        <p:spPr>
+          <a:xfrm>
+            <a:off x="8256454" y="2965723"/>
+            <a:ext cx="435056" cy="276999"/>
+          </a:xfrm>
+          <a:prstGeom prst="rect">
+            <a:avLst/>
+          </a:prstGeom>
+          <a:noFill/>
+        </p:spPr>
+        <p:txBody>
+          <a:bodyPr wrap="none" rtlCol="0">
+            <a:spAutoFit/>
+          </a:bodyPr>
+          <a:lstStyle/>
+          <a:p>
+            <a:r>
+              <a:rPr lang="en-US" sz="1200" dirty="0">
+                <a:latin typeface="Arial" panose="020B0604020202020204" pitchFamily="34" charset="0"/>
+                <a:cs typeface="Arial" panose="020B0604020202020204" pitchFamily="34" charset="0"/>
+              </a:rPr>
+              <a:t>Yes</a:t>
+            </a:r>
+          </a:p>
+        </p:txBody>
+      </p:sp>
+      <p:sp>
+        <p:nvSpPr>
+          <p:cNvPr id="45" name="TextBox 44">
+            <a:extLst>
+              <a:ext uri="{FF2B5EF4-FFF2-40B4-BE49-F238E27FC236}">
+                <a16:creationId xmlns:a16="http://schemas.microsoft.com/office/drawing/2014/main" id="{B5F02525-2C20-BE99-C7FE-2C9BF1B2E42F}"/>
+              </a:ext>
+            </a:extLst>
+          </p:cNvPr>
+          <p:cNvSpPr txBox="1"/>
+          <p:nvPr/>
+        </p:nvSpPr>
+        <p:spPr>
+          <a:xfrm>
+            <a:off x="2950478" y="3622981"/>
+            <a:ext cx="380232" cy="276999"/>
+          </a:xfrm>
+          <a:prstGeom prst="rect">
+            <a:avLst/>
+          </a:prstGeom>
+          <a:noFill/>
+        </p:spPr>
+        <p:txBody>
+          <a:bodyPr wrap="none" rtlCol="0">
+            <a:spAutoFit/>
+          </a:bodyPr>
+          <a:lstStyle/>
+          <a:p>
+            <a:r>
+              <a:rPr lang="en-US" sz="1200" dirty="0">
+                <a:latin typeface="Arial" panose="020B0604020202020204" pitchFamily="34" charset="0"/>
+                <a:cs typeface="Arial" panose="020B0604020202020204" pitchFamily="34" charset="0"/>
+              </a:rPr>
+              <a:t>No</a:t>
+            </a:r>
+          </a:p>
+        </p:txBody>
+      </p:sp>
+      <p:sp>
+        <p:nvSpPr>
+          <p:cNvPr id="46" name="TextBox 45">
+            <a:extLst>
+              <a:ext uri="{FF2B5EF4-FFF2-40B4-BE49-F238E27FC236}">
+                <a16:creationId xmlns:a16="http://schemas.microsoft.com/office/drawing/2014/main" id="{F91C812A-F3EA-D3BD-5E79-05B57D4053FF}"/>
+              </a:ext>
+            </a:extLst>
+          </p:cNvPr>
+          <p:cNvSpPr txBox="1"/>
+          <p:nvPr/>
+        </p:nvSpPr>
+        <p:spPr>
+          <a:xfrm>
+            <a:off x="2895950" y="4805347"/>
+            <a:ext cx="380232" cy="276999"/>
+          </a:xfrm>
+          <a:prstGeom prst="rect">
+            <a:avLst/>
+          </a:prstGeom>
+          <a:noFill/>
+        </p:spPr>
+        <p:txBody>
+          <a:bodyPr wrap="none" rtlCol="0">
+            <a:spAutoFit/>
+          </a:bodyPr>
+          <a:lstStyle/>
+          <a:p>
+            <a:r>
+              <a:rPr lang="en-US" sz="1200" dirty="0">
+                <a:latin typeface="Arial" panose="020B0604020202020204" pitchFamily="34" charset="0"/>
+                <a:cs typeface="Arial" panose="020B0604020202020204" pitchFamily="34" charset="0"/>
+              </a:rPr>
+              <a:t>No</a:t>
+            </a:r>
+          </a:p>
+        </p:txBody>
+      </p:sp>
+      <p:sp>
+        <p:nvSpPr>
+          <p:cNvPr id="47" name="TextBox 46">
+            <a:extLst>
+              <a:ext uri="{FF2B5EF4-FFF2-40B4-BE49-F238E27FC236}">
+                <a16:creationId xmlns:a16="http://schemas.microsoft.com/office/drawing/2014/main" id="{900BA124-48A0-2131-10D4-DB04E3E81A9B}"/>
+              </a:ext>
+            </a:extLst>
+          </p:cNvPr>
+          <p:cNvSpPr txBox="1"/>
+          <p:nvPr/>
+        </p:nvSpPr>
+        <p:spPr>
+          <a:xfrm>
+            <a:off x="9449248" y="2483917"/>
+            <a:ext cx="380232" cy="276999"/>
+          </a:xfrm>
+          <a:prstGeom prst="rect">
+            <a:avLst/>
+          </a:prstGeom>
+          <a:noFill/>
+        </p:spPr>
+        <p:txBody>
+          <a:bodyPr wrap="none" rtlCol="0">
+            <a:spAutoFit/>
+          </a:bodyPr>
+          <a:lstStyle/>
+          <a:p>
+            <a:r>
+              <a:rPr lang="en-US" sz="1200" dirty="0">
+                <a:latin typeface="Arial" panose="020B0604020202020204" pitchFamily="34" charset="0"/>
+                <a:cs typeface="Arial" panose="020B0604020202020204" pitchFamily="34" charset="0"/>
+              </a:rPr>
+              <a:t>No</a:t>
+            </a:r>
+          </a:p>
+        </p:txBody>
+      </p:sp>
+      <p:sp>
+        <p:nvSpPr>
+          <p:cNvPr id="48" name="TextBox 47">
+            <a:extLst>
+              <a:ext uri="{FF2B5EF4-FFF2-40B4-BE49-F238E27FC236}">
+                <a16:creationId xmlns:a16="http://schemas.microsoft.com/office/drawing/2014/main" id="{AEE8A1E3-212D-A87C-189E-052B47426A79}"/>
+              </a:ext>
+            </a:extLst>
+          </p:cNvPr>
+          <p:cNvSpPr txBox="1"/>
+          <p:nvPr/>
+        </p:nvSpPr>
+        <p:spPr>
+          <a:xfrm>
+            <a:off x="9396693" y="3641067"/>
+            <a:ext cx="380232" cy="276999"/>
+          </a:xfrm>
+          <a:prstGeom prst="rect">
+            <a:avLst/>
+          </a:prstGeom>
+          <a:noFill/>
+        </p:spPr>
+        <p:txBody>
+          <a:bodyPr wrap="none" rtlCol="0">
+            <a:spAutoFit/>
+          </a:bodyPr>
+          <a:lstStyle/>
+          <a:p>
+            <a:r>
+              <a:rPr lang="en-US" sz="1200" dirty="0">
+                <a:latin typeface="Arial" panose="020B0604020202020204" pitchFamily="34" charset="0"/>
+                <a:cs typeface="Arial" panose="020B0604020202020204" pitchFamily="34" charset="0"/>
+              </a:rPr>
+              <a:t>No</a:t>
+            </a:r>
+          </a:p>
+        </p:txBody>
+      </p:sp>
+      <p:sp>
+        <p:nvSpPr>
+          <p:cNvPr id="49" name="TextBox 48">
+            <a:extLst>
+              <a:ext uri="{FF2B5EF4-FFF2-40B4-BE49-F238E27FC236}">
+                <a16:creationId xmlns:a16="http://schemas.microsoft.com/office/drawing/2014/main" id="{4420327D-4AFA-1A1A-43DD-D0140C0F3F98}"/>
+              </a:ext>
+            </a:extLst>
+          </p:cNvPr>
+          <p:cNvSpPr txBox="1"/>
+          <p:nvPr/>
+        </p:nvSpPr>
+        <p:spPr>
+          <a:xfrm>
+            <a:off x="5286453" y="2474094"/>
+            <a:ext cx="380232" cy="276999"/>
+          </a:xfrm>
+          <a:prstGeom prst="rect">
+            <a:avLst/>
+          </a:prstGeom>
+          <a:noFill/>
+        </p:spPr>
+        <p:txBody>
+          <a:bodyPr wrap="none" rtlCol="0">
+            <a:spAutoFit/>
+          </a:bodyPr>
+          <a:lstStyle/>
+          <a:p>
+            <a:r>
+              <a:rPr lang="en-US" sz="1200" dirty="0">
+                <a:latin typeface="Arial" panose="020B0604020202020204" pitchFamily="34" charset="0"/>
+                <a:cs typeface="Arial" panose="020B0604020202020204" pitchFamily="34" charset="0"/>
+              </a:rPr>
+              <a:t>No</a:t>
+            </a:r>
+          </a:p>
+        </p:txBody>
+      </p:sp>
+      <p:cxnSp>
+        <p:nvCxnSpPr>
+          <p:cNvPr id="50" name="Straight Arrow Connector 49">
+            <a:extLst>
+              <a:ext uri="{FF2B5EF4-FFF2-40B4-BE49-F238E27FC236}">
+                <a16:creationId xmlns:a16="http://schemas.microsoft.com/office/drawing/2014/main" id="{AE555B7C-40A1-4A18-47D4-480DB9DBEC78}"/>
+              </a:ext>
+            </a:extLst>
+          </p:cNvPr>
+          <p:cNvCxnSpPr>
+            <a:cxnSpLocks/>
+            <a:stCxn id="12" idx="1"/>
+          </p:cNvCxnSpPr>
+          <p:nvPr/>
+        </p:nvCxnSpPr>
+        <p:spPr>
+          <a:xfrm flipH="1">
+            <a:off x="133869" y="3205122"/>
+            <a:ext cx="240370" cy="0"/>
+          </a:xfrm>
+          <a:prstGeom prst="straightConnector1">
+            <a:avLst/>
+          </a:prstGeom>
+          <a:ln w="19050">
+            <a:solidFill>
+              <a:schemeClr val="tx1"/>
+            </a:solidFill>
+            <a:tailEnd type="arrow" w="lg" len="lg"/>
+          </a:ln>
+        </p:spPr>
+        <p:style>
+          <a:lnRef idx="1">
+            <a:schemeClr val="accent1"/>
+          </a:lnRef>
+          <a:fillRef idx="0">
+            <a:schemeClr val="accent1"/>
+          </a:fillRef>
+          <a:effectRef idx="0">
+            <a:schemeClr val="accent1"/>
+          </a:effectRef>
+          <a:fontRef idx="minor">
+            <a:schemeClr val="tx1"/>
+          </a:fontRef>
+        </p:style>
+      </p:cxnSp>
+      <p:cxnSp>
+        <p:nvCxnSpPr>
+          <p:cNvPr id="51" name="Straight Arrow Connector 50">
+            <a:extLst>
+              <a:ext uri="{FF2B5EF4-FFF2-40B4-BE49-F238E27FC236}">
+                <a16:creationId xmlns:a16="http://schemas.microsoft.com/office/drawing/2014/main" id="{C02E3F2E-0300-7EB5-FC72-238593237E16}"/>
+              </a:ext>
+            </a:extLst>
+          </p:cNvPr>
+          <p:cNvCxnSpPr>
+            <a:cxnSpLocks/>
+          </p:cNvCxnSpPr>
+          <p:nvPr/>
+        </p:nvCxnSpPr>
+        <p:spPr>
+          <a:xfrm flipH="1">
+            <a:off x="133869" y="4353374"/>
+            <a:ext cx="240370" cy="0"/>
+          </a:xfrm>
+          <a:prstGeom prst="straightConnector1">
+            <a:avLst/>
+          </a:prstGeom>
+          <a:ln w="19050">
+            <a:solidFill>
+              <a:schemeClr val="tx1"/>
+            </a:solidFill>
+            <a:tailEnd type="arrow" w="lg" len="lg"/>
+          </a:ln>
+        </p:spPr>
+        <p:style>
+          <a:lnRef idx="1">
+            <a:schemeClr val="accent1"/>
+          </a:lnRef>
+          <a:fillRef idx="0">
+            <a:schemeClr val="accent1"/>
+          </a:fillRef>
+          <a:effectRef idx="0">
+            <a:schemeClr val="accent1"/>
+          </a:effectRef>
+          <a:fontRef idx="minor">
+            <a:schemeClr val="tx1"/>
+          </a:fontRef>
+        </p:style>
+      </p:cxnSp>
+      <p:cxnSp>
+        <p:nvCxnSpPr>
+          <p:cNvPr id="52" name="Straight Arrow Connector 51">
+            <a:extLst>
+              <a:ext uri="{FF2B5EF4-FFF2-40B4-BE49-F238E27FC236}">
+                <a16:creationId xmlns:a16="http://schemas.microsoft.com/office/drawing/2014/main" id="{AC9C9C82-996F-B5CB-E928-95BD929237F3}"/>
+              </a:ext>
+            </a:extLst>
+          </p:cNvPr>
+          <p:cNvCxnSpPr>
+            <a:cxnSpLocks/>
+            <a:stCxn id="13" idx="1"/>
+          </p:cNvCxnSpPr>
+          <p:nvPr/>
+        </p:nvCxnSpPr>
+        <p:spPr>
+          <a:xfrm flipH="1" flipV="1">
+            <a:off x="6659033" y="3204633"/>
+            <a:ext cx="216069" cy="251"/>
+          </a:xfrm>
+          <a:prstGeom prst="straightConnector1">
+            <a:avLst/>
+          </a:prstGeom>
+          <a:ln w="19050">
+            <a:solidFill>
+              <a:schemeClr val="tx1"/>
+            </a:solidFill>
+            <a:tailEnd type="arrow" w="lg" len="lg"/>
+          </a:ln>
+        </p:spPr>
+        <p:style>
+          <a:lnRef idx="1">
+            <a:schemeClr val="accent1"/>
+          </a:lnRef>
+          <a:fillRef idx="0">
+            <a:schemeClr val="accent1"/>
+          </a:fillRef>
+          <a:effectRef idx="0">
+            <a:schemeClr val="accent1"/>
+          </a:effectRef>
+          <a:fontRef idx="minor">
+            <a:schemeClr val="tx1"/>
+          </a:fontRef>
+        </p:style>
+      </p:cxnSp>
+      <p:sp>
+        <p:nvSpPr>
+          <p:cNvPr id="53" name="TextBox 52">
+            <a:extLst>
+              <a:ext uri="{FF2B5EF4-FFF2-40B4-BE49-F238E27FC236}">
+                <a16:creationId xmlns:a16="http://schemas.microsoft.com/office/drawing/2014/main" id="{8A48FE19-AFF8-9972-D044-AC869F50255C}"/>
+              </a:ext>
+            </a:extLst>
+          </p:cNvPr>
+          <p:cNvSpPr txBox="1"/>
+          <p:nvPr/>
+        </p:nvSpPr>
+        <p:spPr>
+          <a:xfrm>
+            <a:off x="2497671" y="4074721"/>
+            <a:ext cx="889566" cy="642312"/>
+          </a:xfrm>
+          <a:prstGeom prst="rect">
+            <a:avLst/>
+          </a:prstGeom>
+          <a:noFill/>
+          <a:ln w="19050">
+            <a:noFill/>
+          </a:ln>
+        </p:spPr>
+        <p:style>
+          <a:lnRef idx="2">
+            <a:schemeClr val="dk1"/>
+          </a:lnRef>
+          <a:fillRef idx="1">
+            <a:schemeClr val="lt1"/>
+          </a:fillRef>
+          <a:effectRef idx="0">
+            <a:schemeClr val="dk1"/>
+          </a:effectRef>
+          <a:fontRef idx="minor">
+            <a:schemeClr val="dk1"/>
+          </a:fontRef>
+        </p:style>
+        <p:txBody>
+          <a:bodyPr rot="0" spcFirstLastPara="0" vertOverflow="overflow" horzOverflow="overflow" vert="horz" wrap="square" lIns="91440" tIns="45720" rIns="91440" bIns="45720" numCol="1" spcCol="0" rtlCol="0" fromWordArt="0" anchor="ctr" anchorCtr="0" forceAA="0" compatLnSpc="1">
+            <a:prstTxWarp prst="textNoShape">
+              <a:avLst/>
+            </a:prstTxWarp>
+            <a:noAutofit/>
+          </a:bodyPr>
+          <a:lstStyle>
+            <a:defPPr>
+              <a:defRPr lang="en-US"/>
+            </a:defPPr>
+            <a:lvl1pPr algn="ctr">
+              <a:defRPr sz="1200">
+                <a:solidFill>
+                  <a:schemeClr val="dk1"/>
+                </a:solidFill>
+                <a:latin typeface="Arial" panose="020B0604020202020204" pitchFamily="34" charset="0"/>
+                <a:cs typeface="Arial" panose="020B0604020202020204" pitchFamily="34" charset="0"/>
+              </a:defRPr>
+            </a:lvl1pPr>
+            <a:lvl2pPr>
+              <a:defRPr>
+                <a:solidFill>
+                  <a:schemeClr val="dk1"/>
+                </a:solidFill>
+              </a:defRPr>
+            </a:lvl2pPr>
+            <a:lvl3pPr>
+              <a:defRPr>
+                <a:solidFill>
+                  <a:schemeClr val="dk1"/>
+                </a:solidFill>
+              </a:defRPr>
+            </a:lvl3pPr>
+            <a:lvl4pPr>
+              <a:defRPr>
+                <a:solidFill>
+                  <a:schemeClr val="dk1"/>
+                </a:solidFill>
+              </a:defRPr>
+            </a:lvl4pPr>
+            <a:lvl5pPr>
+              <a:defRPr>
+                <a:solidFill>
+                  <a:schemeClr val="dk1"/>
+                </a:solidFill>
+              </a:defRPr>
+            </a:lvl5pPr>
+            <a:lvl6pPr>
+              <a:defRPr>
+                <a:solidFill>
+                  <a:schemeClr val="dk1"/>
+                </a:solidFill>
+              </a:defRPr>
+            </a:lvl6pPr>
+            <a:lvl7pPr>
+              <a:defRPr>
+                <a:solidFill>
+                  <a:schemeClr val="dk1"/>
+                </a:solidFill>
+              </a:defRPr>
+            </a:lvl7pPr>
+            <a:lvl8pPr>
+              <a:defRPr>
+                <a:solidFill>
+                  <a:schemeClr val="dk1"/>
+                </a:solidFill>
+              </a:defRPr>
+            </a:lvl8pPr>
+            <a:lvl9pPr>
+              <a:defRPr>
+                <a:solidFill>
+                  <a:schemeClr val="dk1"/>
+                </a:solidFill>
+              </a:defRPr>
+            </a:lvl9pPr>
+          </a:lstStyle>
+          <a:p>
+            <a:r>
+              <a:rPr lang="en-US" dirty="0"/>
+              <a:t>Waveform Period Reached? [2c]</a:t>
+            </a:r>
+          </a:p>
+        </p:txBody>
+      </p:sp>
+      <p:sp>
+        <p:nvSpPr>
+          <p:cNvPr id="54" name="TextBox 53">
+            <a:extLst>
+              <a:ext uri="{FF2B5EF4-FFF2-40B4-BE49-F238E27FC236}">
+                <a16:creationId xmlns:a16="http://schemas.microsoft.com/office/drawing/2014/main" id="{08D604DD-B759-830F-274F-870B9984098D}"/>
+              </a:ext>
+            </a:extLst>
+          </p:cNvPr>
+          <p:cNvSpPr txBox="1"/>
+          <p:nvPr/>
+        </p:nvSpPr>
+        <p:spPr>
+          <a:xfrm>
+            <a:off x="9004618" y="2910265"/>
+            <a:ext cx="889566" cy="642312"/>
+          </a:xfrm>
+          <a:prstGeom prst="rect">
+            <a:avLst/>
+          </a:prstGeom>
+          <a:noFill/>
+          <a:ln w="19050">
+            <a:noFill/>
+          </a:ln>
+        </p:spPr>
+        <p:style>
+          <a:lnRef idx="2">
+            <a:schemeClr val="dk1"/>
+          </a:lnRef>
+          <a:fillRef idx="1">
+            <a:schemeClr val="lt1"/>
+          </a:fillRef>
+          <a:effectRef idx="0">
+            <a:schemeClr val="dk1"/>
+          </a:effectRef>
+          <a:fontRef idx="minor">
+            <a:schemeClr val="dk1"/>
+          </a:fontRef>
+        </p:style>
+        <p:txBody>
+          <a:bodyPr rot="0" spcFirstLastPara="0" vertOverflow="overflow" horzOverflow="overflow" vert="horz" wrap="square" lIns="91440" tIns="45720" rIns="91440" bIns="45720" numCol="1" spcCol="0" rtlCol="0" fromWordArt="0" anchor="ctr" anchorCtr="0" forceAA="0" compatLnSpc="1">
+            <a:prstTxWarp prst="textNoShape">
+              <a:avLst/>
+            </a:prstTxWarp>
+            <a:noAutofit/>
+          </a:bodyPr>
+          <a:lstStyle>
+            <a:defPPr>
+              <a:defRPr lang="en-US"/>
+            </a:defPPr>
+            <a:lvl1pPr algn="ctr">
+              <a:defRPr sz="1200">
+                <a:solidFill>
+                  <a:schemeClr val="dk1"/>
+                </a:solidFill>
+                <a:latin typeface="Arial" panose="020B0604020202020204" pitchFamily="34" charset="0"/>
+                <a:cs typeface="Arial" panose="020B0604020202020204" pitchFamily="34" charset="0"/>
+              </a:defRPr>
+            </a:lvl1pPr>
+            <a:lvl2pPr>
+              <a:defRPr>
+                <a:solidFill>
+                  <a:schemeClr val="dk1"/>
+                </a:solidFill>
+              </a:defRPr>
+            </a:lvl2pPr>
+            <a:lvl3pPr>
+              <a:defRPr>
+                <a:solidFill>
+                  <a:schemeClr val="dk1"/>
+                </a:solidFill>
+              </a:defRPr>
+            </a:lvl3pPr>
+            <a:lvl4pPr>
+              <a:defRPr>
+                <a:solidFill>
+                  <a:schemeClr val="dk1"/>
+                </a:solidFill>
+              </a:defRPr>
+            </a:lvl4pPr>
+            <a:lvl5pPr>
+              <a:defRPr>
+                <a:solidFill>
+                  <a:schemeClr val="dk1"/>
+                </a:solidFill>
+              </a:defRPr>
+            </a:lvl5pPr>
+            <a:lvl6pPr>
+              <a:defRPr>
+                <a:solidFill>
+                  <a:schemeClr val="dk1"/>
+                </a:solidFill>
+              </a:defRPr>
+            </a:lvl6pPr>
+            <a:lvl7pPr>
+              <a:defRPr>
+                <a:solidFill>
+                  <a:schemeClr val="dk1"/>
+                </a:solidFill>
+              </a:defRPr>
+            </a:lvl7pPr>
+            <a:lvl8pPr>
+              <a:defRPr>
+                <a:solidFill>
+                  <a:schemeClr val="dk1"/>
+                </a:solidFill>
+              </a:defRPr>
+            </a:lvl8pPr>
+            <a:lvl9pPr>
+              <a:defRPr>
+                <a:solidFill>
+                  <a:schemeClr val="dk1"/>
+                </a:solidFill>
+              </a:defRPr>
+            </a:lvl9pPr>
+          </a:lstStyle>
+          <a:p>
+            <a:r>
+              <a:rPr lang="en-US" dirty="0"/>
+              <a:t>Waveform Period Reached? [3c]</a:t>
+            </a:r>
+          </a:p>
+        </p:txBody>
+      </p:sp>
+      <p:sp>
+        <p:nvSpPr>
+          <p:cNvPr id="55" name="TextBox 54">
+            <a:extLst>
+              <a:ext uri="{FF2B5EF4-FFF2-40B4-BE49-F238E27FC236}">
+                <a16:creationId xmlns:a16="http://schemas.microsoft.com/office/drawing/2014/main" id="{AB99D012-7A09-3E8B-1E40-BEE73DA15A61}"/>
+              </a:ext>
+            </a:extLst>
+          </p:cNvPr>
+          <p:cNvSpPr txBox="1"/>
+          <p:nvPr/>
+        </p:nvSpPr>
+        <p:spPr>
+          <a:xfrm>
+            <a:off x="5312458" y="1340034"/>
+            <a:ext cx="435056" cy="276999"/>
+          </a:xfrm>
+          <a:prstGeom prst="rect">
+            <a:avLst/>
+          </a:prstGeom>
+          <a:noFill/>
+        </p:spPr>
+        <p:txBody>
+          <a:bodyPr wrap="none" rtlCol="0">
+            <a:spAutoFit/>
+          </a:bodyPr>
+          <a:lstStyle/>
+          <a:p>
+            <a:r>
+              <a:rPr lang="en-US" sz="1200" dirty="0">
+                <a:latin typeface="Arial" panose="020B0604020202020204" pitchFamily="34" charset="0"/>
+                <a:cs typeface="Arial" panose="020B0604020202020204" pitchFamily="34" charset="0"/>
+              </a:rPr>
+              <a:t>Yes</a:t>
+            </a:r>
+          </a:p>
+        </p:txBody>
+      </p:sp>
+    </p:spTree>
+    <p:extLst>
+      <p:ext uri="{BB962C8B-B14F-4D97-AF65-F5344CB8AC3E}">
+        <p14:creationId xmlns:p14="http://schemas.microsoft.com/office/powerpoint/2010/main" val="2937388710"/>
+      </p:ext>
+    </p:extLst>
+  </p:cSld>
+  <p:clrMapOvr>
+    <a:masterClrMapping/>
+  </p:clrMapOvr>
+</p:sld>
+</file>
+
+<file path=ppt/slides/slide6.xml><?xml version="1.0" encoding="utf-8"?>
+<p:sld xmlns:a="http://schemas.openxmlformats.org/drawingml/2006/main" xmlns:r="http://schemas.openxmlformats.org/officeDocument/2006/relationships" xmlns:p="http://schemas.openxmlformats.org/presentationml/2006/main">
+  <p:cSld>
+    <p:spTree>
+      <p:nvGrpSpPr>
+        <p:cNvPr id="1" name=""/>
+        <p:cNvGrpSpPr/>
+        <p:nvPr/>
+      </p:nvGrpSpPr>
+      <p:grpSpPr>
+        <a:xfrm>
+          <a:off x="0" y="0"/>
+          <a:ext cx="0" cy="0"/>
+          <a:chOff x="0" y="0"/>
+          <a:chExt cx="0" cy="0"/>
+        </a:xfrm>
+      </p:grpSpPr>
+      <p:sp>
+        <p:nvSpPr>
+          <p:cNvPr id="2" name="Rectangle 1">
+            <a:extLst>
+              <a:ext uri="{FF2B5EF4-FFF2-40B4-BE49-F238E27FC236}">
+                <a16:creationId xmlns:a16="http://schemas.microsoft.com/office/drawing/2014/main" id="{8596D23A-6BCF-E834-3E72-A0BE37C20A38}"/>
+              </a:ext>
+            </a:extLst>
+          </p:cNvPr>
+          <p:cNvSpPr/>
+          <p:nvPr/>
+        </p:nvSpPr>
+        <p:spPr>
+          <a:xfrm>
+            <a:off x="2286000" y="2285999"/>
+            <a:ext cx="3962400" cy="2975519"/>
+          </a:xfrm>
+          <a:prstGeom prst="rect">
+            <a:avLst/>
+          </a:prstGeom>
+          <a:solidFill>
+            <a:srgbClr val="0070C0"/>
+          </a:solidFill>
+          <a:ln>
+            <a:solidFill>
+              <a:schemeClr val="tx1"/>
+            </a:solidFill>
+          </a:ln>
+        </p:spPr>
+        <p:style>
+          <a:lnRef idx="2">
+            <a:schemeClr val="accent1">
+              <a:shade val="50000"/>
+            </a:schemeClr>
+          </a:lnRef>
+          <a:fillRef idx="1">
+            <a:schemeClr val="accent1"/>
+          </a:fillRef>
+          <a:effectRef idx="0">
+            <a:schemeClr val="accent1"/>
+          </a:effectRef>
+          <a:fontRef idx="minor">
+            <a:schemeClr val="lt1"/>
+          </a:fontRef>
+        </p:style>
+        <p:txBody>
+          <a:bodyPr rtlCol="0" anchor="ctr"/>
+          <a:lstStyle/>
+          <a:p>
+            <a:pPr algn="ctr"/>
+            <a:r>
+              <a:rPr lang="en-US" sz="2000" dirty="0"/>
+              <a:t>No Breathing Simulator Image</a:t>
+            </a:r>
+          </a:p>
+        </p:txBody>
+      </p:sp>
+    </p:spTree>
+    <p:extLst>
+      <p:ext uri="{BB962C8B-B14F-4D97-AF65-F5344CB8AC3E}">
+        <p14:creationId xmlns:p14="http://schemas.microsoft.com/office/powerpoint/2010/main" val="2334857327"/>
       </p:ext>
     </p:extLst>
   </p:cSld>
